--- a/00 - Introduction.pptx
+++ b/00 - Introduction.pptx
@@ -8744,7 +8744,7 @@
             </a:br>
             <a:r>
               <a:rPr lang="en-GB" dirty="0"/>
-              <a:t>SEA Lab, DITEN building, ground floor</a:t>
+              <a:t>SEA Lab, DITEN building, second floor</a:t>
             </a:r>
             <a:br>
               <a:rPr lang="en-GB" dirty="0"/>
@@ -8783,7 +8783,7 @@
             </a:br>
             <a:r>
               <a:rPr lang="en-GB" dirty="0"/>
-              <a:t>SEA Lab, DITEN building, ground floor</a:t>
+              <a:t>COSMIC Lab, DITEN building, third floor</a:t>
             </a:r>
             <a:br>
               <a:rPr lang="en-GB" dirty="0"/>
@@ -9132,11 +9132,11 @@
               <a:rPr lang="en-GB" dirty="0">
                 <a:hlinkClick r:id="rId4"/>
               </a:rPr>
-              <a:t>https://bit.ly/unige-esd-2022</a:t>
+              <a:t>https://bit.ly/esd2023team</a:t>
             </a:r>
             <a:r>
               <a:rPr lang="en-GB" dirty="0"/>
-              <a:t> (code: tpvx011)</a:t>
+              <a:t> (code: tpvx011) </a:t>
             </a:r>
           </a:p>
           <a:p>
@@ -9157,13 +9157,8 @@
             <a:pPr lvl="1"/>
             <a:r>
               <a:rPr lang="en-GB" dirty="0"/>
-              <a:t>Lecture recordings (provided on Teams): no </a:t>
+              <a:t>Lecture recordings (provided on Teams): no streaming</a:t>
             </a:r>
-            <a:r>
-              <a:rPr lang="en-GB" dirty="0" err="1"/>
-              <a:t>streming</a:t>
-            </a:r>
-            <a:endParaRPr lang="en-GB" dirty="0"/>
           </a:p>
           <a:p>
             <a:pPr lvl="1"/>
@@ -9192,21 +9187,29 @@
             <a:pPr lvl="1"/>
             <a:r>
               <a:rPr lang="en-GB" dirty="0"/>
-              <a:t>Wednesday 9:00-11:00 G2A (lecture)</a:t>
+              <a:t>Wednesday 14:00-16:00 A5 (lecture)</a:t>
             </a:r>
           </a:p>
           <a:p>
             <a:pPr lvl="1"/>
             <a:r>
               <a:rPr lang="en-GB" dirty="0"/>
-              <a:t>Wednesday 14:00 – 16:00 INFAL/1(exercises)</a:t>
+              <a:t>Friday 10:00 – </a:t>
+            </a:r>
+            <a:r>
+              <a:rPr lang="en-GB" strike="sngStrike" dirty="0"/>
+              <a:t>13:00</a:t>
+            </a:r>
+            <a:r>
+              <a:rPr lang="en-GB" dirty="0"/>
+              <a:t> 12:00 G2A (lecture)</a:t>
             </a:r>
           </a:p>
           <a:p>
             <a:pPr lvl="1"/>
             <a:r>
               <a:rPr lang="en-GB" dirty="0"/>
-              <a:t>Friday 11:00-13:00 G2A (lecture/exercises)</a:t>
+              <a:t>Friday 14:00 - 16:00 INFAL/1 (exercises)</a:t>
             </a:r>
           </a:p>
           <a:p>
@@ -9368,36 +9371,17 @@
               <a:rPr lang="en-GB" b="1" dirty="0"/>
               <a:t>an oral examination</a:t>
             </a:r>
+            <a:endParaRPr lang="en-GB" sz="1100" dirty="0"/>
+          </a:p>
+          <a:p>
+            <a:pPr lvl="1"/>
             <a:r>
               <a:rPr lang="en-GB" dirty="0"/>
-              <a:t>. </a:t>
-            </a:r>
-          </a:p>
-          <a:p>
-            <a:r>
-              <a:rPr lang="en-GB" dirty="0"/>
-              <a:t>It is possible two divide the written exam </a:t>
+              <a:t>the written exam is composed of exercises about </a:t>
             </a:r>
             <a:r>
               <a:rPr lang="en-GB" b="1" dirty="0"/>
-              <a:t>in two parts </a:t>
-            </a:r>
-            <a:r>
-              <a:rPr lang="en-GB" dirty="0"/>
-              <a:t>(first and second semester)</a:t>
-            </a:r>
-          </a:p>
-          <a:p>
-            <a:endParaRPr lang="en-GB" sz="1100" dirty="0"/>
-          </a:p>
-          <a:p>
-            <a:r>
-              <a:rPr lang="en-GB" dirty="0"/>
-              <a:t>The written exam is a design of </a:t>
-            </a:r>
-            <a:r>
-              <a:rPr lang="en-GB" b="1" dirty="0"/>
-              <a:t>a digital system based on combinational or sequential elements</a:t>
+              <a:t>digital systems based on combinational or sequential elements</a:t>
             </a:r>
             <a:r>
               <a:rPr lang="en-GB" dirty="0"/>
@@ -9413,9 +9397,10 @@
             </a:r>
           </a:p>
           <a:p>
+            <a:pPr lvl="1"/>
             <a:r>
               <a:rPr lang="en-GB" dirty="0"/>
-              <a:t>The final oral exam is a </a:t>
+              <a:t>the final oral exam is a </a:t>
             </a:r>
             <a:r>
               <a:rPr lang="en-GB" b="1" dirty="0"/>
@@ -9427,7 +9412,8 @@
             </a:r>
           </a:p>
           <a:p>
-            <a:endParaRPr lang="en-GB" sz="1100" dirty="0"/>
+            <a:pPr lvl="1"/>
+            <a:endParaRPr lang="en-GB" sz="900" dirty="0"/>
           </a:p>
           <a:p>
             <a:r>
@@ -9457,6 +9443,16 @@
             </a:r>
           </a:p>
           <a:p>
+            <a:pPr lvl="1"/>
+            <a:endParaRPr lang="en-GB" dirty="0"/>
+          </a:p>
+          <a:p>
+            <a:r>
+              <a:rPr lang="en-GB" dirty="0">
+                <a:hlinkClick r:id="rId2"/>
+              </a:rPr>
+              <a:t>Rules Link</a:t>
+            </a:r>
             <a:endParaRPr lang="en-GB" dirty="0"/>
           </a:p>
           <a:p>

--- a/00 - Introduction.pptx
+++ b/00 - Introduction.pptx
@@ -8975,7 +8975,11 @@
             </a:r>
             <a:r>
               <a:rPr lang="en-GB" dirty="0"/>
-              <a:t>model, with the help of the ASM diagrams.</a:t>
+              <a:t>model, with the help of the ASM </a:t>
+            </a:r>
+            <a:r>
+              <a:rPr lang="en-GB"/>
+              <a:t>diagrams.</a:t>
             </a:r>
           </a:p>
           <a:p>
@@ -9116,9 +9120,12 @@
               <a:rPr lang="en-GB" dirty="0">
                 <a:hlinkClick r:id="rId3"/>
               </a:rPr>
-              <a:t>https://2022.aulaweb.unige.it/mod/page/view.php?id=21141</a:t>
+              <a:t>https://2024.aulaweb.unige.it/mod/page/view.php?id=11471</a:t>
             </a:r>
-            <a:endParaRPr lang="en-GB" dirty="0"/>
+            <a:r>
+              <a:rPr lang="en-GB" dirty="0"/>
+              <a:t> </a:t>
+            </a:r>
           </a:p>
           <a:p>
             <a:r>
@@ -9129,14 +9136,12 @@
           <a:p>
             <a:pPr lvl="1"/>
             <a:r>
-              <a:rPr lang="en-GB" dirty="0">
-                <a:hlinkClick r:id="rId4"/>
-              </a:rPr>
-              <a:t>https://bit.ly/esd2023team</a:t>
+              <a:rPr lang="en-GB" dirty="0"/>
+              <a:t>Code: </a:t>
             </a:r>
             <a:r>
-              <a:rPr lang="en-GB" dirty="0"/>
-              <a:t> (code: tpvx011) </a:t>
+              <a:rPr lang="en-GB" b="1" dirty="0"/>
+              <a:t>tpvx011</a:t>
             </a:r>
           </a:p>
           <a:p>
@@ -9151,13 +9156,6 @@
             <a:r>
               <a:rPr lang="en-GB" dirty="0"/>
               <a:t>Exercises (provided on Teams)</a:t>
-            </a:r>
-          </a:p>
-          <a:p>
-            <a:pPr lvl="1"/>
-            <a:r>
-              <a:rPr lang="en-GB" dirty="0"/>
-              <a:t>Lecture recordings (provided on Teams): no streaming</a:t>
             </a:r>
           </a:p>
           <a:p>
@@ -9168,7 +9166,7 @@
             </a:r>
             <a:r>
               <a:rPr lang="en-GB" dirty="0">
-                <a:hlinkClick r:id="rId5"/>
+                <a:hlinkClick r:id="rId4"/>
               </a:rPr>
               <a:t>https://www.digitalelectronicsdeeds.com</a:t>
             </a:r>
@@ -9187,29 +9185,25 @@
             <a:pPr lvl="1"/>
             <a:r>
               <a:rPr lang="en-GB" dirty="0"/>
-              <a:t>Wednesday 14:00-16:00 A5 (lecture)</a:t>
+              <a:t>Wednesday 13:00-15:00 G2A (lecture)</a:t>
             </a:r>
           </a:p>
           <a:p>
             <a:pPr lvl="1"/>
             <a:r>
               <a:rPr lang="en-GB" dirty="0"/>
-              <a:t>Friday 10:00 – </a:t>
-            </a:r>
-            <a:r>
-              <a:rPr lang="en-GB" strike="sngStrike" dirty="0"/>
-              <a:t>13:00</a:t>
-            </a:r>
-            <a:r>
-              <a:rPr lang="en-GB" dirty="0"/>
-              <a:t> 12:00 G2A (lecture)</a:t>
+              <a:t>Friday 10:00 – 12:00 (13:00) G2A (lecture)</a:t>
             </a:r>
           </a:p>
           <a:p>
             <a:pPr lvl="1"/>
             <a:r>
               <a:rPr lang="en-GB" dirty="0"/>
-              <a:t>Friday 14:00 - 16:00 INFAL/1 (exercises)</a:t>
+              <a:t>Friday 14:00 - 16:00 G2A (exercises) – </a:t>
+            </a:r>
+            <a:r>
+              <a:rPr lang="en-GB" b="1" dirty="0"/>
+              <a:t>bring your laptop with you!</a:t>
             </a:r>
           </a:p>
           <a:p>
@@ -9441,22 +9435,6 @@
               <a:rPr lang="en-GB" dirty="0"/>
               <a:t>the ability to reasoning of exposure through the correct use of the specialist lexicon</a:t>
             </a:r>
-          </a:p>
-          <a:p>
-            <a:pPr lvl="1"/>
-            <a:endParaRPr lang="en-GB" dirty="0"/>
-          </a:p>
-          <a:p>
-            <a:r>
-              <a:rPr lang="en-GB" dirty="0">
-                <a:hlinkClick r:id="rId2"/>
-              </a:rPr>
-              <a:t>Rules Link</a:t>
-            </a:r>
-            <a:endParaRPr lang="en-GB" dirty="0"/>
-          </a:p>
-          <a:p>
-            <a:endParaRPr lang="en-GB" dirty="0"/>
           </a:p>
           <a:p>
             <a:endParaRPr lang="en-GB" dirty="0"/>

--- a/00 - Introduction.pptx
+++ b/00 - Introduction.pptx
@@ -8761,46 +8761,9 @@
             </a:r>
           </a:p>
           <a:p>
-            <a:pPr lvl="0"/>
-            <a:endParaRPr lang="en-GB" dirty="0"/>
-          </a:p>
-          <a:p>
-            <a:pPr lvl="0"/>
-            <a:r>
-              <a:rPr lang="en-GB" dirty="0"/>
-              <a:t>Prof. </a:t>
-            </a:r>
-            <a:r>
-              <a:rPr lang="en-GB" b="1" dirty="0"/>
-              <a:t>Christian </a:t>
-            </a:r>
-            <a:r>
-              <a:rPr lang="en-GB" b="1" dirty="0" err="1"/>
-              <a:t>Gianoglio</a:t>
-            </a:r>
-            <a:br>
-              <a:rPr lang="en-GB" dirty="0"/>
-            </a:br>
-            <a:r>
-              <a:rPr lang="en-GB" dirty="0"/>
-              <a:t>COSMIC Lab, DITEN building, third floor</a:t>
-            </a:r>
-            <a:br>
-              <a:rPr lang="en-GB" dirty="0"/>
-            </a:br>
-            <a:r>
-              <a:rPr lang="en-GB" dirty="0">
-                <a:hlinkClick r:id="rId5"/>
-              </a:rPr>
-              <a:t>christian.gianoglio@edu.unige.it</a:t>
-            </a:r>
-            <a:r>
-              <a:rPr lang="en-GB" dirty="0"/>
-              <a:t> </a:t>
-            </a:r>
-          </a:p>
-          <a:p>
-            <a:pPr lvl="0"/>
+            <a:pPr marL="120650" lvl="0" indent="0">
+              <a:buNone/>
+            </a:pPr>
             <a:endParaRPr lang="en-GB" dirty="0"/>
           </a:p>
           <a:p>

--- a/00 - Introduction.pptx
+++ b/00 - Introduction.pptx
@@ -10156,4 +10156,237 @@
   <a:objectDefaults/>
   <a:extraClrSchemeLst/>
 </a:theme>
+</file>
+
+<file path=customXml/item1.xml><?xml version="1.0" encoding="utf-8"?>
+<ct:contentTypeSchema xmlns:ct="http://schemas.microsoft.com/office/2006/metadata/contentType" xmlns:ma="http://schemas.microsoft.com/office/2006/metadata/properties/metaAttributes" ct:_="" ma:_="" ma:contentTypeName="Documento" ma:contentTypeID="0x010100B8FA822B18A0634FB7342CF29752587A" ma:contentTypeVersion="12" ma:contentTypeDescription="Creare un nuovo documento." ma:contentTypeScope="" ma:versionID="4c8b1e8002f5a6c880c83187af115cef">
+  <xsd:schema xmlns:xsd="http://www.w3.org/2001/XMLSchema" xmlns:xs="http://www.w3.org/2001/XMLSchema" xmlns:p="http://schemas.microsoft.com/office/2006/metadata/properties" xmlns:ns2="3bd0d43f-5e5b-43cd-b6fc-691bd77672c6" xmlns:ns3="e9b5433c-2372-4cb7-8bab-09518096b29b" targetNamespace="http://schemas.microsoft.com/office/2006/metadata/properties" ma:root="true" ma:fieldsID="618b708abf3b656f834d84e193700042" ns2:_="" ns3:_="">
+    <xsd:import namespace="3bd0d43f-5e5b-43cd-b6fc-691bd77672c6"/>
+    <xsd:import namespace="e9b5433c-2372-4cb7-8bab-09518096b29b"/>
+    <xsd:element name="properties">
+      <xsd:complexType>
+        <xsd:sequence>
+          <xsd:element name="documentManagement">
+            <xsd:complexType>
+              <xsd:all>
+                <xsd:element ref="ns2:MediaServiceMetadata" minOccurs="0"/>
+                <xsd:element ref="ns2:MediaServiceFastMetadata" minOccurs="0"/>
+                <xsd:element ref="ns2:MediaServiceSearchProperties" minOccurs="0"/>
+                <xsd:element ref="ns2:MediaServiceObjectDetectorVersions" minOccurs="0"/>
+                <xsd:element ref="ns2:lcf76f155ced4ddcb4097134ff3c332f" minOccurs="0"/>
+                <xsd:element ref="ns3:TaxCatchAll" minOccurs="0"/>
+                <xsd:element ref="ns2:MediaServiceDateTaken" minOccurs="0"/>
+                <xsd:element ref="ns2:MediaServiceOCR" minOccurs="0"/>
+                <xsd:element ref="ns2:MediaServiceGenerationTime" minOccurs="0"/>
+                <xsd:element ref="ns2:MediaServiceEventHashCode" minOccurs="0"/>
+                <xsd:element ref="ns2:MediaLengthInSeconds" minOccurs="0"/>
+              </xsd:all>
+            </xsd:complexType>
+          </xsd:element>
+        </xsd:sequence>
+      </xsd:complexType>
+    </xsd:element>
+  </xsd:schema>
+  <xsd:schema xmlns:xsd="http://www.w3.org/2001/XMLSchema" xmlns:xs="http://www.w3.org/2001/XMLSchema" xmlns:dms="http://schemas.microsoft.com/office/2006/documentManagement/types" xmlns:pc="http://schemas.microsoft.com/office/infopath/2007/PartnerControls" targetNamespace="3bd0d43f-5e5b-43cd-b6fc-691bd77672c6" elementFormDefault="qualified">
+    <xsd:import namespace="http://schemas.microsoft.com/office/2006/documentManagement/types"/>
+    <xsd:import namespace="http://schemas.microsoft.com/office/infopath/2007/PartnerControls"/>
+    <xsd:element name="MediaServiceMetadata" ma:index="8" nillable="true" ma:displayName="MediaServiceMetadata" ma:hidden="true" ma:internalName="MediaServiceMetadata" ma:readOnly="true">
+      <xsd:simpleType>
+        <xsd:restriction base="dms:Note"/>
+      </xsd:simpleType>
+    </xsd:element>
+    <xsd:element name="MediaServiceFastMetadata" ma:index="9" nillable="true" ma:displayName="MediaServiceFastMetadata" ma:hidden="true" ma:internalName="MediaServiceFastMetadata" ma:readOnly="true">
+      <xsd:simpleType>
+        <xsd:restriction base="dms:Note"/>
+      </xsd:simpleType>
+    </xsd:element>
+    <xsd:element name="MediaServiceSearchProperties" ma:index="10" nillable="true" ma:displayName="MediaServiceSearchProperties" ma:hidden="true" ma:internalName="MediaServiceSearchProperties" ma:readOnly="true">
+      <xsd:simpleType>
+        <xsd:restriction base="dms:Note"/>
+      </xsd:simpleType>
+    </xsd:element>
+    <xsd:element name="MediaServiceObjectDetectorVersions" ma:index="11" nillable="true" ma:displayName="MediaServiceObjectDetectorVersions" ma:hidden="true" ma:indexed="true" ma:internalName="MediaServiceObjectDetectorVersions" ma:readOnly="true">
+      <xsd:simpleType>
+        <xsd:restriction base="dms:Text"/>
+      </xsd:simpleType>
+    </xsd:element>
+    <xsd:element name="lcf76f155ced4ddcb4097134ff3c332f" ma:index="13" nillable="true" ma:taxonomy="true" ma:internalName="lcf76f155ced4ddcb4097134ff3c332f" ma:taxonomyFieldName="MediaServiceImageTags" ma:displayName="Tag immagine" ma:readOnly="false" ma:fieldId="{5cf76f15-5ced-4ddc-b409-7134ff3c332f}" ma:taxonomyMulti="true" ma:sspId="b3f316dc-fb4b-4146-8b22-f4ef2efe4b04" ma:termSetId="09814cd3-568e-fe90-9814-8d621ff8fb84" ma:anchorId="fba54fb3-c3e1-fe81-a776-ca4b69148c4d" ma:open="true" ma:isKeyword="false">
+      <xsd:complexType>
+        <xsd:sequence>
+          <xsd:element ref="pc:Terms" minOccurs="0" maxOccurs="1"/>
+        </xsd:sequence>
+      </xsd:complexType>
+    </xsd:element>
+    <xsd:element name="MediaServiceDateTaken" ma:index="15" nillable="true" ma:displayName="MediaServiceDateTaken" ma:hidden="true" ma:indexed="true" ma:internalName="MediaServiceDateTaken" ma:readOnly="true">
+      <xsd:simpleType>
+        <xsd:restriction base="dms:Text"/>
+      </xsd:simpleType>
+    </xsd:element>
+    <xsd:element name="MediaServiceOCR" ma:index="16" nillable="true" ma:displayName="Extracted Text" ma:internalName="MediaServiceOCR" ma:readOnly="true">
+      <xsd:simpleType>
+        <xsd:restriction base="dms:Note">
+          <xsd:maxLength value="255"/>
+        </xsd:restriction>
+      </xsd:simpleType>
+    </xsd:element>
+    <xsd:element name="MediaServiceGenerationTime" ma:index="17" nillable="true" ma:displayName="MediaServiceGenerationTime" ma:hidden="true" ma:internalName="MediaServiceGenerationTime" ma:readOnly="true">
+      <xsd:simpleType>
+        <xsd:restriction base="dms:Text"/>
+      </xsd:simpleType>
+    </xsd:element>
+    <xsd:element name="MediaServiceEventHashCode" ma:index="18" nillable="true" ma:displayName="MediaServiceEventHashCode" ma:hidden="true" ma:internalName="MediaServiceEventHashCode" ma:readOnly="true">
+      <xsd:simpleType>
+        <xsd:restriction base="dms:Text"/>
+      </xsd:simpleType>
+    </xsd:element>
+    <xsd:element name="MediaLengthInSeconds" ma:index="19" nillable="true" ma:displayName="MediaLengthInSeconds" ma:hidden="true" ma:internalName="MediaLengthInSeconds" ma:readOnly="true">
+      <xsd:simpleType>
+        <xsd:restriction base="dms:Unknown"/>
+      </xsd:simpleType>
+    </xsd:element>
+  </xsd:schema>
+  <xsd:schema xmlns:xsd="http://www.w3.org/2001/XMLSchema" xmlns:xs="http://www.w3.org/2001/XMLSchema" xmlns:dms="http://schemas.microsoft.com/office/2006/documentManagement/types" xmlns:pc="http://schemas.microsoft.com/office/infopath/2007/PartnerControls" targetNamespace="e9b5433c-2372-4cb7-8bab-09518096b29b" elementFormDefault="qualified">
+    <xsd:import namespace="http://schemas.microsoft.com/office/2006/documentManagement/types"/>
+    <xsd:import namespace="http://schemas.microsoft.com/office/infopath/2007/PartnerControls"/>
+    <xsd:element name="TaxCatchAll" ma:index="14" nillable="true" ma:displayName="Taxonomy Catch All Column" ma:hidden="true" ma:list="{ac4bbe8c-9a55-4d5f-b385-d948ddfe6c4d}" ma:internalName="TaxCatchAll" ma:showField="CatchAllData" ma:web="e9b5433c-2372-4cb7-8bab-09518096b29b">
+      <xsd:complexType>
+        <xsd:complexContent>
+          <xsd:extension base="dms:MultiChoiceLookup">
+            <xsd:sequence>
+              <xsd:element name="Value" type="dms:Lookup" maxOccurs="unbounded" minOccurs="0" nillable="true"/>
+            </xsd:sequence>
+          </xsd:extension>
+        </xsd:complexContent>
+      </xsd:complexType>
+    </xsd:element>
+  </xsd:schema>
+  <xsd:schema xmlns="http://schemas.openxmlformats.org/package/2006/metadata/core-properties" xmlns:xsd="http://www.w3.org/2001/XMLSchema" xmlns:xsi="http://www.w3.org/2001/XMLSchema-instance" xmlns:dc="http://purl.org/dc/elements/1.1/" xmlns:dcterms="http://purl.org/dc/terms/" xmlns:odoc="http://schemas.microsoft.com/internal/obd" targetNamespace="http://schemas.openxmlformats.org/package/2006/metadata/core-properties" elementFormDefault="qualified" attributeFormDefault="unqualified" blockDefault="#all">
+    <xsd:import namespace="http://purl.org/dc/elements/1.1/" schemaLocation="http://dublincore.org/schemas/xmls/qdc/2003/04/02/dc.xsd"/>
+    <xsd:import namespace="http://purl.org/dc/terms/" schemaLocation="http://dublincore.org/schemas/xmls/qdc/2003/04/02/dcterms.xsd"/>
+    <xsd:element name="coreProperties" type="CT_coreProperties"/>
+    <xsd:complexType name="CT_coreProperties">
+      <xsd:all>
+        <xsd:element ref="dc:creator" minOccurs="0" maxOccurs="1"/>
+        <xsd:element ref="dcterms:created" minOccurs="0" maxOccurs="1"/>
+        <xsd:element ref="dc:identifier" minOccurs="0" maxOccurs="1"/>
+        <xsd:element name="contentType" minOccurs="0" maxOccurs="1" type="xsd:string" ma:index="0" ma:displayName="Tipo di contenuto"/>
+        <xsd:element ref="dc:title" minOccurs="0" maxOccurs="1" ma:index="4" ma:displayName="Titolo"/>
+        <xsd:element ref="dc:subject" minOccurs="0" maxOccurs="1"/>
+        <xsd:element ref="dc:description" minOccurs="0" maxOccurs="1"/>
+        <xsd:element name="keywords" minOccurs="0" maxOccurs="1" type="xsd:string"/>
+        <xsd:element ref="dc:language" minOccurs="0" maxOccurs="1"/>
+        <xsd:element name="category" minOccurs="0" maxOccurs="1" type="xsd:string"/>
+        <xsd:element name="version" minOccurs="0" maxOccurs="1" type="xsd:string"/>
+        <xsd:element name="revision" minOccurs="0" maxOccurs="1" type="xsd:string">
+          <xsd:annotation>
+            <xsd:documentation>
+                        This value indicates the number of saves or revisions. The application is responsible for updating this value after each revision.
+                    </xsd:documentation>
+          </xsd:annotation>
+        </xsd:element>
+        <xsd:element name="lastModifiedBy" minOccurs="0" maxOccurs="1" type="xsd:string"/>
+        <xsd:element ref="dcterms:modified" minOccurs="0" maxOccurs="1"/>
+        <xsd:element name="contentStatus" minOccurs="0" maxOccurs="1" type="xsd:string"/>
+      </xsd:all>
+    </xsd:complexType>
+  </xsd:schema>
+  <xs:schema xmlns:pc="http://schemas.microsoft.com/office/infopath/2007/PartnerControls" xmlns:xs="http://www.w3.org/2001/XMLSchema" targetNamespace="http://schemas.microsoft.com/office/infopath/2007/PartnerControls" elementFormDefault="qualified" attributeFormDefault="unqualified">
+    <xs:element name="Person">
+      <xs:complexType>
+        <xs:sequence>
+          <xs:element ref="pc:DisplayName" minOccurs="0"/>
+          <xs:element ref="pc:AccountId" minOccurs="0"/>
+          <xs:element ref="pc:AccountType" minOccurs="0"/>
+        </xs:sequence>
+      </xs:complexType>
+    </xs:element>
+    <xs:element name="DisplayName" type="xs:string"/>
+    <xs:element name="AccountId" type="xs:string"/>
+    <xs:element name="AccountType" type="xs:string"/>
+    <xs:element name="BDCAssociatedEntity">
+      <xs:complexType>
+        <xs:sequence>
+          <xs:element ref="pc:BDCEntity" minOccurs="0" maxOccurs="unbounded"/>
+        </xs:sequence>
+        <xs:attribute ref="pc:EntityNamespace"/>
+        <xs:attribute ref="pc:EntityName"/>
+        <xs:attribute ref="pc:SystemInstanceName"/>
+        <xs:attribute ref="pc:AssociationName"/>
+      </xs:complexType>
+    </xs:element>
+    <xs:attribute name="EntityNamespace" type="xs:string"/>
+    <xs:attribute name="EntityName" type="xs:string"/>
+    <xs:attribute name="SystemInstanceName" type="xs:string"/>
+    <xs:attribute name="AssociationName" type="xs:string"/>
+    <xs:element name="BDCEntity">
+      <xs:complexType>
+        <xs:sequence>
+          <xs:element ref="pc:EntityDisplayName" minOccurs="0"/>
+          <xs:element ref="pc:EntityInstanceReference" minOccurs="0"/>
+          <xs:element ref="pc:EntityId1" minOccurs="0"/>
+          <xs:element ref="pc:EntityId2" minOccurs="0"/>
+          <xs:element ref="pc:EntityId3" minOccurs="0"/>
+          <xs:element ref="pc:EntityId4" minOccurs="0"/>
+          <xs:element ref="pc:EntityId5" minOccurs="0"/>
+        </xs:sequence>
+      </xs:complexType>
+    </xs:element>
+    <xs:element name="EntityDisplayName" type="xs:string"/>
+    <xs:element name="EntityInstanceReference" type="xs:string"/>
+    <xs:element name="EntityId1" type="xs:string"/>
+    <xs:element name="EntityId2" type="xs:string"/>
+    <xs:element name="EntityId3" type="xs:string"/>
+    <xs:element name="EntityId4" type="xs:string"/>
+    <xs:element name="EntityId5" type="xs:string"/>
+    <xs:element name="Terms">
+      <xs:complexType>
+        <xs:sequence>
+          <xs:element ref="pc:TermInfo" minOccurs="0" maxOccurs="unbounded"/>
+        </xs:sequence>
+      </xs:complexType>
+    </xs:element>
+    <xs:element name="TermInfo">
+      <xs:complexType>
+        <xs:sequence>
+          <xs:element ref="pc:TermName" minOccurs="0"/>
+          <xs:element ref="pc:TermId" minOccurs="0"/>
+        </xs:sequence>
+      </xs:complexType>
+    </xs:element>
+    <xs:element name="TermName" type="xs:string"/>
+    <xs:element name="TermId" type="xs:string"/>
+  </xs:schema>
+</ct:contentTypeSchema>
+</file>
+
+<file path=customXml/item2.xml><?xml version="1.0" encoding="utf-8"?>
+<?mso-contentType ?>
+<FormTemplates xmlns="http://schemas.microsoft.com/sharepoint/v3/contenttype/forms">
+  <Display>DocumentLibraryForm</Display>
+  <Edit>DocumentLibraryForm</Edit>
+  <New>DocumentLibraryForm</New>
+</FormTemplates>
+</file>
+
+<file path=customXml/item3.xml><?xml version="1.0" encoding="utf-8"?>
+<p:properties xmlns:p="http://schemas.microsoft.com/office/2006/metadata/properties" xmlns:xsi="http://www.w3.org/2001/XMLSchema-instance" xmlns:pc="http://schemas.microsoft.com/office/infopath/2007/PartnerControls">
+  <documentManagement>
+    <TaxCatchAll xmlns="e9b5433c-2372-4cb7-8bab-09518096b29b" xsi:nil="true"/>
+    <lcf76f155ced4ddcb4097134ff3c332f xmlns="3bd0d43f-5e5b-43cd-b6fc-691bd77672c6">
+      <Terms xmlns="http://schemas.microsoft.com/office/infopath/2007/PartnerControls"/>
+    </lcf76f155ced4ddcb4097134ff3c332f>
+  </documentManagement>
+</p:properties>
+</file>
+
+<file path=customXml/itemProps1.xml><?xml version="1.0" encoding="utf-8"?>
+<ds:datastoreItem xmlns:ds="http://schemas.openxmlformats.org/officeDocument/2006/customXml" ds:itemID="{44665EF8-BE0C-4DC6-83F3-8C8DF90BBBCB}"/>
+</file>
+
+<file path=customXml/itemProps2.xml><?xml version="1.0" encoding="utf-8"?>
+<ds:datastoreItem xmlns:ds="http://schemas.openxmlformats.org/officeDocument/2006/customXml" ds:itemID="{1DA7AF99-BB7F-41AD-A8D1-87CF14E9F1E6}"/>
+</file>
+
+<file path=customXml/itemProps3.xml><?xml version="1.0" encoding="utf-8"?>
+<ds:datastoreItem xmlns:ds="http://schemas.openxmlformats.org/officeDocument/2006/customXml" ds:itemID="{365C6100-012D-4352-9B8F-12BB34CA0A1E}"/>
 </file>
--- a/00 - Introduction.pptx
+++ b/00 - Introduction.pptx
@@ -2,35 +2,37 @@
 <file path=ppt/presentation.xml><?xml version="1.0" encoding="utf-8"?>
 <p:presentation xmlns:a="http://schemas.openxmlformats.org/drawingml/2006/main" xmlns:r="http://schemas.openxmlformats.org/officeDocument/2006/relationships" xmlns:p="http://schemas.openxmlformats.org/presentationml/2006/main" strictFirstAndLastChars="0" embedTrueTypeFonts="1" saveSubsetFonts="1" autoCompressPictures="0">
   <p:sldMasterIdLst>
-    <p:sldMasterId id="2147483659" r:id="rId1"/>
+    <p:sldMasterId id="2147483659" r:id="rId4"/>
   </p:sldMasterIdLst>
   <p:notesMasterIdLst>
-    <p:notesMasterId r:id="rId8"/>
+    <p:notesMasterId r:id="rId13"/>
   </p:notesMasterIdLst>
   <p:sldIdLst>
-    <p:sldId id="256" r:id="rId2"/>
-    <p:sldId id="275" r:id="rId3"/>
-    <p:sldId id="264" r:id="rId4"/>
-    <p:sldId id="257" r:id="rId5"/>
-    <p:sldId id="259" r:id="rId6"/>
-    <p:sldId id="260" r:id="rId7"/>
+    <p:sldId id="256" r:id="rId5"/>
+    <p:sldId id="275" r:id="rId6"/>
+    <p:sldId id="264" r:id="rId7"/>
+    <p:sldId id="257" r:id="rId8"/>
+    <p:sldId id="259" r:id="rId9"/>
+    <p:sldId id="276" r:id="rId10"/>
+    <p:sldId id="277" r:id="rId11"/>
+    <p:sldId id="260" r:id="rId12"/>
   </p:sldIdLst>
   <p:sldSz cx="9144000" cy="6858000" type="screen4x3"/>
   <p:notesSz cx="6858000" cy="9144000"/>
   <p:embeddedFontLst>
     <p:embeddedFont>
       <p:font typeface="Economica" panose="02000506040000020004" pitchFamily="2" charset="77"/>
-      <p:regular r:id="rId9"/>
-      <p:bold r:id="rId10"/>
-      <p:italic r:id="rId11"/>
-      <p:boldItalic r:id="rId12"/>
+      <p:regular r:id="rId14"/>
+      <p:bold r:id="rId15"/>
+      <p:italic r:id="rId16"/>
+      <p:boldItalic r:id="rId17"/>
     </p:embeddedFont>
     <p:embeddedFont>
       <p:font typeface="Open Sans" panose="020B0606030504020204" pitchFamily="34" charset="0"/>
-      <p:regular r:id="rId13"/>
-      <p:bold r:id="rId14"/>
-      <p:italic r:id="rId15"/>
-      <p:boldItalic r:id="rId16"/>
+      <p:regular r:id="rId18"/>
+      <p:bold r:id="rId19"/>
+      <p:italic r:id="rId20"/>
+      <p:boldItalic r:id="rId21"/>
     </p:embeddedFont>
   </p:embeddedFontLst>
   <p:defaultTextStyle>
@@ -273,14 +275,449 @@
 <file path=ppt/revisionInfo.xml><?xml version="1.0" encoding="utf-8"?>
 <p1510:revInfo xmlns:a="http://schemas.openxmlformats.org/drawingml/2006/main" xmlns:r="http://schemas.openxmlformats.org/officeDocument/2006/relationships" xmlns:p1510="http://schemas.microsoft.com/office/powerpoint/2015/10/main">
   <p1510:revLst>
-    <p1510:client id="{58424B7E-67A2-E24B-9516-C248AFA19009}" v="48" dt="2022-08-30T09:35:52.949"/>
-    <p1510:client id="{89457721-8AF9-BB44-BAF2-46F7B0D7D7E8}" v="7" dt="2022-08-30T09:55:12.038"/>
+    <p1510:client id="{70047BC9-9D33-6C40-B3A9-DC8413D1DF71}" v="19" dt="2025-09-04T12:16:25.576"/>
   </p1510:revLst>
 </p1510:revInfo>
 </file>
 
 <file path=ppt/changesInfos/changesInfo1.xml><?xml version="1.0" encoding="utf-8"?>
 <pc:chgInfo xmlns:a="http://schemas.openxmlformats.org/drawingml/2006/main" xmlns:r="http://schemas.openxmlformats.org/officeDocument/2006/relationships" xmlns:ac="http://schemas.microsoft.com/office/drawing/2013/main/command" xmlns:pc="http://schemas.microsoft.com/office/powerpoint/2013/main/command">
+  <pc:docChgLst>
+    <pc:chgData name="Riccardo Berta" userId="c8694f89-bba4-4576-b0a8-456619ca5a8c" providerId="ADAL" clId="{FDDBFC5A-5EA9-5330-BEB8-433D7E3B4C4E}"/>
+    <pc:docChg chg="undo custSel addSld modSld">
+      <pc:chgData name="Riccardo Berta" userId="c8694f89-bba4-4576-b0a8-456619ca5a8c" providerId="ADAL" clId="{FDDBFC5A-5EA9-5330-BEB8-433D7E3B4C4E}" dt="2025-09-05T09:09:40.726" v="1899" actId="113"/>
+      <pc:docMkLst>
+        <pc:docMk/>
+      </pc:docMkLst>
+      <pc:sldChg chg="modSp mod">
+        <pc:chgData name="Riccardo Berta" userId="c8694f89-bba4-4576-b0a8-456619ca5a8c" providerId="ADAL" clId="{FDDBFC5A-5EA9-5330-BEB8-433D7E3B4C4E}" dt="2025-09-04T12:16:35.202" v="1867" actId="12"/>
+        <pc:sldMkLst>
+          <pc:docMk/>
+          <pc:sldMk cId="0" sldId="257"/>
+        </pc:sldMkLst>
+        <pc:spChg chg="mod">
+          <ac:chgData name="Riccardo Berta" userId="c8694f89-bba4-4576-b0a8-456619ca5a8c" providerId="ADAL" clId="{FDDBFC5A-5EA9-5330-BEB8-433D7E3B4C4E}" dt="2025-09-04T12:16:35.202" v="1867" actId="12"/>
+          <ac:spMkLst>
+            <pc:docMk/>
+            <pc:sldMk cId="0" sldId="257"/>
+            <ac:spMk id="84" creationId="{00000000-0000-0000-0000-000000000000}"/>
+          </ac:spMkLst>
+        </pc:spChg>
+      </pc:sldChg>
+      <pc:sldChg chg="modSp mod">
+        <pc:chgData name="Riccardo Berta" userId="c8694f89-bba4-4576-b0a8-456619ca5a8c" providerId="ADAL" clId="{FDDBFC5A-5EA9-5330-BEB8-433D7E3B4C4E}" dt="2025-09-05T09:01:45.799" v="1896" actId="20577"/>
+        <pc:sldMkLst>
+          <pc:docMk/>
+          <pc:sldMk cId="3018556184" sldId="259"/>
+        </pc:sldMkLst>
+        <pc:spChg chg="mod">
+          <ac:chgData name="Riccardo Berta" userId="c8694f89-bba4-4576-b0a8-456619ca5a8c" providerId="ADAL" clId="{FDDBFC5A-5EA9-5330-BEB8-433D7E3B4C4E}" dt="2025-09-03T14:16:37.207" v="1657" actId="20577"/>
+          <ac:spMkLst>
+            <pc:docMk/>
+            <pc:sldMk cId="3018556184" sldId="259"/>
+            <ac:spMk id="2" creationId="{41268BF7-2F3B-A5C4-4F7E-1982399FCE62}"/>
+          </ac:spMkLst>
+        </pc:spChg>
+        <pc:spChg chg="mod">
+          <ac:chgData name="Riccardo Berta" userId="c8694f89-bba4-4576-b0a8-456619ca5a8c" providerId="ADAL" clId="{FDDBFC5A-5EA9-5330-BEB8-433D7E3B4C4E}" dt="2025-09-05T09:01:45.799" v="1896" actId="20577"/>
+          <ac:spMkLst>
+            <pc:docMk/>
+            <pc:sldMk cId="3018556184" sldId="259"/>
+            <ac:spMk id="3" creationId="{38BFAA1C-1163-169B-2D77-6FEF73CC8512}"/>
+          </ac:spMkLst>
+        </pc:spChg>
+      </pc:sldChg>
+      <pc:sldChg chg="modSp mod">
+        <pc:chgData name="Riccardo Berta" userId="c8694f89-bba4-4576-b0a8-456619ca5a8c" providerId="ADAL" clId="{FDDBFC5A-5EA9-5330-BEB8-433D7E3B4C4E}" dt="2025-09-04T12:19:47.239" v="1877" actId="14100"/>
+        <pc:sldMkLst>
+          <pc:docMk/>
+          <pc:sldMk cId="3239712184" sldId="260"/>
+        </pc:sldMkLst>
+        <pc:spChg chg="mod">
+          <ac:chgData name="Riccardo Berta" userId="c8694f89-bba4-4576-b0a8-456619ca5a8c" providerId="ADAL" clId="{FDDBFC5A-5EA9-5330-BEB8-433D7E3B4C4E}" dt="2025-09-04T12:19:47.239" v="1877" actId="14100"/>
+          <ac:spMkLst>
+            <pc:docMk/>
+            <pc:sldMk cId="3239712184" sldId="260"/>
+            <ac:spMk id="84" creationId="{00000000-0000-0000-0000-000000000000}"/>
+          </ac:spMkLst>
+        </pc:spChg>
+      </pc:sldChg>
+      <pc:sldChg chg="modSp mod">
+        <pc:chgData name="Riccardo Berta" userId="c8694f89-bba4-4576-b0a8-456619ca5a8c" providerId="ADAL" clId="{FDDBFC5A-5EA9-5330-BEB8-433D7E3B4C4E}" dt="2025-09-03T13:58:28.456" v="50" actId="14100"/>
+        <pc:sldMkLst>
+          <pc:docMk/>
+          <pc:sldMk cId="0" sldId="264"/>
+        </pc:sldMkLst>
+        <pc:spChg chg="mod">
+          <ac:chgData name="Riccardo Berta" userId="c8694f89-bba4-4576-b0a8-456619ca5a8c" providerId="ADAL" clId="{FDDBFC5A-5EA9-5330-BEB8-433D7E3B4C4E}" dt="2025-09-03T13:58:28.456" v="50" actId="14100"/>
+          <ac:spMkLst>
+            <pc:docMk/>
+            <pc:sldMk cId="0" sldId="264"/>
+            <ac:spMk id="84" creationId="{00000000-0000-0000-0000-000000000000}"/>
+          </ac:spMkLst>
+        </pc:spChg>
+      </pc:sldChg>
+      <pc:sldChg chg="modSp mod">
+        <pc:chgData name="Riccardo Berta" userId="c8694f89-bba4-4576-b0a8-456619ca5a8c" providerId="ADAL" clId="{FDDBFC5A-5EA9-5330-BEB8-433D7E3B4C4E}" dt="2025-09-05T09:01:15.445" v="1881" actId="20577"/>
+        <pc:sldMkLst>
+          <pc:docMk/>
+          <pc:sldMk cId="1621568873" sldId="275"/>
+        </pc:sldMkLst>
+        <pc:spChg chg="mod">
+          <ac:chgData name="Riccardo Berta" userId="c8694f89-bba4-4576-b0a8-456619ca5a8c" providerId="ADAL" clId="{FDDBFC5A-5EA9-5330-BEB8-433D7E3B4C4E}" dt="2025-09-05T09:01:15.445" v="1881" actId="20577"/>
+          <ac:spMkLst>
+            <pc:docMk/>
+            <pc:sldMk cId="1621568873" sldId="275"/>
+            <ac:spMk id="84" creationId="{00000000-0000-0000-0000-000000000000}"/>
+          </ac:spMkLst>
+        </pc:spChg>
+      </pc:sldChg>
+      <pc:sldChg chg="modSp add mod">
+        <pc:chgData name="Riccardo Berta" userId="c8694f89-bba4-4576-b0a8-456619ca5a8c" providerId="ADAL" clId="{FDDBFC5A-5EA9-5330-BEB8-433D7E3B4C4E}" dt="2025-09-05T09:09:40.726" v="1899" actId="113"/>
+        <pc:sldMkLst>
+          <pc:docMk/>
+          <pc:sldMk cId="3487546630" sldId="276"/>
+        </pc:sldMkLst>
+        <pc:spChg chg="mod">
+          <ac:chgData name="Riccardo Berta" userId="c8694f89-bba4-4576-b0a8-456619ca5a8c" providerId="ADAL" clId="{FDDBFC5A-5EA9-5330-BEB8-433D7E3B4C4E}" dt="2025-09-03T14:13:05.120" v="1092" actId="20577"/>
+          <ac:spMkLst>
+            <pc:docMk/>
+            <pc:sldMk cId="3487546630" sldId="276"/>
+            <ac:spMk id="2" creationId="{E0502114-F85B-A79A-F9B8-CB33C0D79FD7}"/>
+          </ac:spMkLst>
+        </pc:spChg>
+        <pc:spChg chg="mod">
+          <ac:chgData name="Riccardo Berta" userId="c8694f89-bba4-4576-b0a8-456619ca5a8c" providerId="ADAL" clId="{FDDBFC5A-5EA9-5330-BEB8-433D7E3B4C4E}" dt="2025-09-05T09:09:40.726" v="1899" actId="113"/>
+          <ac:spMkLst>
+            <pc:docMk/>
+            <pc:sldMk cId="3487546630" sldId="276"/>
+            <ac:spMk id="3" creationId="{46BD2FCA-8D76-10AF-554C-0604D61BE7BC}"/>
+          </ac:spMkLst>
+        </pc:spChg>
+      </pc:sldChg>
+      <pc:sldChg chg="modSp add mod">
+        <pc:chgData name="Riccardo Berta" userId="c8694f89-bba4-4576-b0a8-456619ca5a8c" providerId="ADAL" clId="{FDDBFC5A-5EA9-5330-BEB8-433D7E3B4C4E}" dt="2025-09-03T14:18:05.188" v="1705" actId="20577"/>
+        <pc:sldMkLst>
+          <pc:docMk/>
+          <pc:sldMk cId="268974731" sldId="277"/>
+        </pc:sldMkLst>
+        <pc:spChg chg="mod">
+          <ac:chgData name="Riccardo Berta" userId="c8694f89-bba4-4576-b0a8-456619ca5a8c" providerId="ADAL" clId="{FDDBFC5A-5EA9-5330-BEB8-433D7E3B4C4E}" dt="2025-09-03T14:17:39.447" v="1687" actId="20577"/>
+          <ac:spMkLst>
+            <pc:docMk/>
+            <pc:sldMk cId="268974731" sldId="277"/>
+            <ac:spMk id="2" creationId="{75493F50-5F29-88D5-3D9D-F708DBF89485}"/>
+          </ac:spMkLst>
+        </pc:spChg>
+        <pc:spChg chg="mod">
+          <ac:chgData name="Riccardo Berta" userId="c8694f89-bba4-4576-b0a8-456619ca5a8c" providerId="ADAL" clId="{FDDBFC5A-5EA9-5330-BEB8-433D7E3B4C4E}" dt="2025-09-03T14:18:05.188" v="1705" actId="20577"/>
+          <ac:spMkLst>
+            <pc:docMk/>
+            <pc:sldMk cId="268974731" sldId="277"/>
+            <ac:spMk id="3" creationId="{6249E97A-EA07-AA3C-2153-E8D9FB081437}"/>
+          </ac:spMkLst>
+        </pc:spChg>
+      </pc:sldChg>
+    </pc:docChg>
+  </pc:docChgLst>
+  <pc:docChgLst>
+    <pc:chgData name="Riccardo Berta" userId="c8694f89-bba4-4576-b0a8-456619ca5a8c" providerId="ADAL" clId="{35C5D11B-424E-5B41-A9C4-509DD0A59BFD}"/>
+    <pc:docChg chg="custSel delSld modSld sldOrd">
+      <pc:chgData name="Riccardo Berta" userId="c8694f89-bba4-4576-b0a8-456619ca5a8c" providerId="ADAL" clId="{35C5D11B-424E-5B41-A9C4-509DD0A59BFD}" dt="2022-04-01T12:12:56.906" v="135" actId="20577"/>
+      <pc:docMkLst>
+        <pc:docMk/>
+      </pc:docMkLst>
+      <pc:sldChg chg="modSp">
+        <pc:chgData name="Riccardo Berta" userId="c8694f89-bba4-4576-b0a8-456619ca5a8c" providerId="ADAL" clId="{35C5D11B-424E-5B41-A9C4-509DD0A59BFD}" dt="2022-03-22T07:34:03.014" v="5"/>
+        <pc:sldMkLst>
+          <pc:docMk/>
+          <pc:sldMk cId="0" sldId="257"/>
+        </pc:sldMkLst>
+      </pc:sldChg>
+      <pc:sldChg chg="modSp">
+        <pc:chgData name="Riccardo Berta" userId="c8694f89-bba4-4576-b0a8-456619ca5a8c" providerId="ADAL" clId="{35C5D11B-424E-5B41-A9C4-509DD0A59BFD}" dt="2022-03-22T07:34:23.187" v="6"/>
+        <pc:sldMkLst>
+          <pc:docMk/>
+          <pc:sldMk cId="1899110855" sldId="258"/>
+        </pc:sldMkLst>
+      </pc:sldChg>
+      <pc:sldChg chg="modSp">
+        <pc:chgData name="Riccardo Berta" userId="c8694f89-bba4-4576-b0a8-456619ca5a8c" providerId="ADAL" clId="{35C5D11B-424E-5B41-A9C4-509DD0A59BFD}" dt="2022-03-22T07:39:20.191" v="16"/>
+        <pc:sldMkLst>
+          <pc:docMk/>
+          <pc:sldMk cId="3018556184" sldId="259"/>
+        </pc:sldMkLst>
+      </pc:sldChg>
+      <pc:sldChg chg="modSp mod">
+        <pc:chgData name="Riccardo Berta" userId="c8694f89-bba4-4576-b0a8-456619ca5a8c" providerId="ADAL" clId="{35C5D11B-424E-5B41-A9C4-509DD0A59BFD}" dt="2022-03-23T07:58:19.601" v="41" actId="20577"/>
+        <pc:sldMkLst>
+          <pc:docMk/>
+          <pc:sldMk cId="1104208334" sldId="260"/>
+        </pc:sldMkLst>
+      </pc:sldChg>
+      <pc:sldChg chg="modSp">
+        <pc:chgData name="Riccardo Berta" userId="c8694f89-bba4-4576-b0a8-456619ca5a8c" providerId="ADAL" clId="{35C5D11B-424E-5B41-A9C4-509DD0A59BFD}" dt="2022-03-22T07:42:45.729" v="19"/>
+        <pc:sldMkLst>
+          <pc:docMk/>
+          <pc:sldMk cId="1290395919" sldId="261"/>
+        </pc:sldMkLst>
+      </pc:sldChg>
+      <pc:sldChg chg="modSp mod modNotes">
+        <pc:chgData name="Riccardo Berta" userId="c8694f89-bba4-4576-b0a8-456619ca5a8c" providerId="ADAL" clId="{35C5D11B-424E-5B41-A9C4-509DD0A59BFD}" dt="2022-03-25T14:38:53.205" v="88" actId="20577"/>
+        <pc:sldMkLst>
+          <pc:docMk/>
+          <pc:sldMk cId="4130549615" sldId="262"/>
+        </pc:sldMkLst>
+      </pc:sldChg>
+      <pc:sldChg chg="modSp">
+        <pc:chgData name="Riccardo Berta" userId="c8694f89-bba4-4576-b0a8-456619ca5a8c" providerId="ADAL" clId="{35C5D11B-424E-5B41-A9C4-509DD0A59BFD}" dt="2022-03-22T07:43:16.691" v="21"/>
+        <pc:sldMkLst>
+          <pc:docMk/>
+          <pc:sldMk cId="3102138681" sldId="263"/>
+        </pc:sldMkLst>
+      </pc:sldChg>
+      <pc:sldChg chg="modSp mod">
+        <pc:chgData name="Riccardo Berta" userId="c8694f89-bba4-4576-b0a8-456619ca5a8c" providerId="ADAL" clId="{35C5D11B-424E-5B41-A9C4-509DD0A59BFD}" dt="2022-03-25T15:16:54.434" v="126" actId="20577"/>
+        <pc:sldMkLst>
+          <pc:docMk/>
+          <pc:sldMk cId="2113557187" sldId="264"/>
+        </pc:sldMkLst>
+      </pc:sldChg>
+      <pc:sldChg chg="modSp">
+        <pc:chgData name="Riccardo Berta" userId="c8694f89-bba4-4576-b0a8-456619ca5a8c" providerId="ADAL" clId="{35C5D11B-424E-5B41-A9C4-509DD0A59BFD}" dt="2022-03-22T07:44:03.240" v="24"/>
+        <pc:sldMkLst>
+          <pc:docMk/>
+          <pc:sldMk cId="2045385232" sldId="265"/>
+        </pc:sldMkLst>
+      </pc:sldChg>
+      <pc:sldChg chg="modSp">
+        <pc:chgData name="Riccardo Berta" userId="c8694f89-bba4-4576-b0a8-456619ca5a8c" providerId="ADAL" clId="{35C5D11B-424E-5B41-A9C4-509DD0A59BFD}" dt="2022-03-22T07:44:22.734" v="25"/>
+        <pc:sldMkLst>
+          <pc:docMk/>
+          <pc:sldMk cId="4181844165" sldId="266"/>
+        </pc:sldMkLst>
+      </pc:sldChg>
+      <pc:sldChg chg="modSp mod">
+        <pc:chgData name="Riccardo Berta" userId="c8694f89-bba4-4576-b0a8-456619ca5a8c" providerId="ADAL" clId="{35C5D11B-424E-5B41-A9C4-509DD0A59BFD}" dt="2022-04-01T12:12:56.906" v="135" actId="20577"/>
+        <pc:sldMkLst>
+          <pc:docMk/>
+          <pc:sldMk cId="216455838" sldId="267"/>
+        </pc:sldMkLst>
+      </pc:sldChg>
+      <pc:sldChg chg="del">
+        <pc:chgData name="Riccardo Berta" userId="c8694f89-bba4-4576-b0a8-456619ca5a8c" providerId="ADAL" clId="{35C5D11B-424E-5B41-A9C4-509DD0A59BFD}" dt="2022-03-22T07:29:13.529" v="3" actId="2696"/>
+        <pc:sldMkLst>
+          <pc:docMk/>
+          <pc:sldMk cId="925286286" sldId="268"/>
+        </pc:sldMkLst>
+      </pc:sldChg>
+      <pc:sldChg chg="modSp">
+        <pc:chgData name="Riccardo Berta" userId="c8694f89-bba4-4576-b0a8-456619ca5a8c" providerId="ADAL" clId="{35C5D11B-424E-5B41-A9C4-509DD0A59BFD}" dt="2022-03-22T07:44:59.403" v="28"/>
+        <pc:sldMkLst>
+          <pc:docMk/>
+          <pc:sldMk cId="3471997037" sldId="269"/>
+        </pc:sldMkLst>
+      </pc:sldChg>
+      <pc:sldChg chg="modSp mod">
+        <pc:chgData name="Riccardo Berta" userId="c8694f89-bba4-4576-b0a8-456619ca5a8c" providerId="ADAL" clId="{35C5D11B-424E-5B41-A9C4-509DD0A59BFD}" dt="2022-03-22T07:47:03.443" v="33"/>
+        <pc:sldMkLst>
+          <pc:docMk/>
+          <pc:sldMk cId="3130917410" sldId="270"/>
+        </pc:sldMkLst>
+      </pc:sldChg>
+      <pc:sldChg chg="modSp mod">
+        <pc:chgData name="Riccardo Berta" userId="c8694f89-bba4-4576-b0a8-456619ca5a8c" providerId="ADAL" clId="{35C5D11B-424E-5B41-A9C4-509DD0A59BFD}" dt="2022-03-22T07:47:51.976" v="38"/>
+        <pc:sldMkLst>
+          <pc:docMk/>
+          <pc:sldMk cId="2266699268" sldId="271"/>
+        </pc:sldMkLst>
+      </pc:sldChg>
+      <pc:sldChg chg="modSp mod ord">
+        <pc:chgData name="Riccardo Berta" userId="c8694f89-bba4-4576-b0a8-456619ca5a8c" providerId="ADAL" clId="{35C5D11B-424E-5B41-A9C4-509DD0A59BFD}" dt="2022-03-22T07:29:04.952" v="2"/>
+        <pc:sldMkLst>
+          <pc:docMk/>
+          <pc:sldMk cId="993270251" sldId="272"/>
+        </pc:sldMkLst>
+      </pc:sldChg>
+      <pc:sldChg chg="modSp">
+        <pc:chgData name="Riccardo Berta" userId="c8694f89-bba4-4576-b0a8-456619ca5a8c" providerId="ADAL" clId="{35C5D11B-424E-5B41-A9C4-509DD0A59BFD}" dt="2022-03-22T07:48:04.230" v="39"/>
+        <pc:sldMkLst>
+          <pc:docMk/>
+          <pc:sldMk cId="3843819371" sldId="273"/>
+        </pc:sldMkLst>
+      </pc:sldChg>
+      <pc:sldChg chg="modSp">
+        <pc:chgData name="Riccardo Berta" userId="c8694f89-bba4-4576-b0a8-456619ca5a8c" providerId="ADAL" clId="{35C5D11B-424E-5B41-A9C4-509DD0A59BFD}" dt="2022-03-22T07:48:21.111" v="40"/>
+        <pc:sldMkLst>
+          <pc:docMk/>
+          <pc:sldMk cId="284781631" sldId="275"/>
+        </pc:sldMkLst>
+      </pc:sldChg>
+    </pc:docChg>
+  </pc:docChgLst>
+  <pc:docChgLst>
+    <pc:chgData name="Riccardo Berta" userId="c8694f89-bba4-4576-b0a8-456619ca5a8c" providerId="ADAL" clId="{F4AAAA8C-1CB2-214C-996A-F15BCA6CB64E}"/>
+    <pc:docChg chg="undo custSel addSld delSld modSld">
+      <pc:chgData name="Riccardo Berta" userId="c8694f89-bba4-4576-b0a8-456619ca5a8c" providerId="ADAL" clId="{F4AAAA8C-1CB2-214C-996A-F15BCA6CB64E}" dt="2022-07-29T16:21:50.628" v="2975" actId="1076"/>
+      <pc:docMkLst>
+        <pc:docMk/>
+      </pc:docMkLst>
+      <pc:sldChg chg="modSp mod">
+        <pc:chgData name="Riccardo Berta" userId="c8694f89-bba4-4576-b0a8-456619ca5a8c" providerId="ADAL" clId="{F4AAAA8C-1CB2-214C-996A-F15BCA6CB64E}" dt="2022-07-27T13:37:29.445" v="2" actId="20577"/>
+        <pc:sldMkLst>
+          <pc:docMk/>
+          <pc:sldMk cId="0" sldId="256"/>
+        </pc:sldMkLst>
+      </pc:sldChg>
+      <pc:sldChg chg="addSp modSp mod">
+        <pc:chgData name="Riccardo Berta" userId="c8694f89-bba4-4576-b0a8-456619ca5a8c" providerId="ADAL" clId="{F4AAAA8C-1CB2-214C-996A-F15BCA6CB64E}" dt="2022-07-27T13:43:23.760" v="162" actId="20577"/>
+        <pc:sldMkLst>
+          <pc:docMk/>
+          <pc:sldMk cId="0" sldId="257"/>
+        </pc:sldMkLst>
+      </pc:sldChg>
+      <pc:sldChg chg="modSp del">
+        <pc:chgData name="Riccardo Berta" userId="c8694f89-bba4-4576-b0a8-456619ca5a8c" providerId="ADAL" clId="{F4AAAA8C-1CB2-214C-996A-F15BCA6CB64E}" dt="2022-07-27T13:43:43.714" v="164" actId="2696"/>
+        <pc:sldMkLst>
+          <pc:docMk/>
+          <pc:sldMk cId="1899110855" sldId="258"/>
+        </pc:sldMkLst>
+      </pc:sldChg>
+      <pc:sldChg chg="addSp delSp modSp mod">
+        <pc:chgData name="Riccardo Berta" userId="c8694f89-bba4-4576-b0a8-456619ca5a8c" providerId="ADAL" clId="{F4AAAA8C-1CB2-214C-996A-F15BCA6CB64E}" dt="2022-07-29T16:13:43.411" v="2890" actId="20577"/>
+        <pc:sldMkLst>
+          <pc:docMk/>
+          <pc:sldMk cId="3018556184" sldId="259"/>
+        </pc:sldMkLst>
+      </pc:sldChg>
+      <pc:sldChg chg="del">
+        <pc:chgData name="Riccardo Berta" userId="c8694f89-bba4-4576-b0a8-456619ca5a8c" providerId="ADAL" clId="{F4AAAA8C-1CB2-214C-996A-F15BCA6CB64E}" dt="2022-07-27T13:43:45.045" v="165" actId="2696"/>
+        <pc:sldMkLst>
+          <pc:docMk/>
+          <pc:sldMk cId="1104208334" sldId="260"/>
+        </pc:sldMkLst>
+      </pc:sldChg>
+      <pc:sldChg chg="addSp delSp modSp add mod">
+        <pc:chgData name="Riccardo Berta" userId="c8694f89-bba4-4576-b0a8-456619ca5a8c" providerId="ADAL" clId="{F4AAAA8C-1CB2-214C-996A-F15BCA6CB64E}" dt="2022-07-28T05:47:21.216" v="337" actId="1076"/>
+        <pc:sldMkLst>
+          <pc:docMk/>
+          <pc:sldMk cId="2119751735" sldId="260"/>
+        </pc:sldMkLst>
+      </pc:sldChg>
+      <pc:sldChg chg="del">
+        <pc:chgData name="Riccardo Berta" userId="c8694f89-bba4-4576-b0a8-456619ca5a8c" providerId="ADAL" clId="{F4AAAA8C-1CB2-214C-996A-F15BCA6CB64E}" dt="2022-07-27T13:43:46.058" v="166" actId="2696"/>
+        <pc:sldMkLst>
+          <pc:docMk/>
+          <pc:sldMk cId="1290395919" sldId="261"/>
+        </pc:sldMkLst>
+      </pc:sldChg>
+      <pc:sldChg chg="delSp modSp add mod">
+        <pc:chgData name="Riccardo Berta" userId="c8694f89-bba4-4576-b0a8-456619ca5a8c" providerId="ADAL" clId="{F4AAAA8C-1CB2-214C-996A-F15BCA6CB64E}" dt="2022-07-28T06:08:36.900" v="979" actId="20577"/>
+        <pc:sldMkLst>
+          <pc:docMk/>
+          <pc:sldMk cId="2389937581" sldId="261"/>
+        </pc:sldMkLst>
+      </pc:sldChg>
+      <pc:sldChg chg="addSp delSp modSp add mod">
+        <pc:chgData name="Riccardo Berta" userId="c8694f89-bba4-4576-b0a8-456619ca5a8c" providerId="ADAL" clId="{F4AAAA8C-1CB2-214C-996A-F15BCA6CB64E}" dt="2022-07-28T06:20:33.799" v="1324" actId="58"/>
+        <pc:sldMkLst>
+          <pc:docMk/>
+          <pc:sldMk cId="1270389364" sldId="262"/>
+        </pc:sldMkLst>
+      </pc:sldChg>
+      <pc:sldChg chg="del">
+        <pc:chgData name="Riccardo Berta" userId="c8694f89-bba4-4576-b0a8-456619ca5a8c" providerId="ADAL" clId="{F4AAAA8C-1CB2-214C-996A-F15BCA6CB64E}" dt="2022-07-27T13:43:47.251" v="167" actId="2696"/>
+        <pc:sldMkLst>
+          <pc:docMk/>
+          <pc:sldMk cId="4130549615" sldId="262"/>
+        </pc:sldMkLst>
+      </pc:sldChg>
+      <pc:sldChg chg="modSp add mod">
+        <pc:chgData name="Riccardo Berta" userId="c8694f89-bba4-4576-b0a8-456619ca5a8c" providerId="ADAL" clId="{F4AAAA8C-1CB2-214C-996A-F15BCA6CB64E}" dt="2022-07-29T07:18:15.970" v="2126" actId="1076"/>
+        <pc:sldMkLst>
+          <pc:docMk/>
+          <pc:sldMk cId="2644872656" sldId="263"/>
+        </pc:sldMkLst>
+      </pc:sldChg>
+      <pc:sldChg chg="del">
+        <pc:chgData name="Riccardo Berta" userId="c8694f89-bba4-4576-b0a8-456619ca5a8c" providerId="ADAL" clId="{F4AAAA8C-1CB2-214C-996A-F15BCA6CB64E}" dt="2022-07-27T13:43:48.139" v="168" actId="2696"/>
+        <pc:sldMkLst>
+          <pc:docMk/>
+          <pc:sldMk cId="3102138681" sldId="263"/>
+        </pc:sldMkLst>
+      </pc:sldChg>
+      <pc:sldChg chg="modSp add mod">
+        <pc:chgData name="Riccardo Berta" userId="c8694f89-bba4-4576-b0a8-456619ca5a8c" providerId="ADAL" clId="{F4AAAA8C-1CB2-214C-996A-F15BCA6CB64E}" dt="2022-07-28T13:59:43.403" v="1794" actId="20577"/>
+        <pc:sldMkLst>
+          <pc:docMk/>
+          <pc:sldMk cId="1681389695" sldId="264"/>
+        </pc:sldMkLst>
+      </pc:sldChg>
+      <pc:sldChg chg="del">
+        <pc:chgData name="Riccardo Berta" userId="c8694f89-bba4-4576-b0a8-456619ca5a8c" providerId="ADAL" clId="{F4AAAA8C-1CB2-214C-996A-F15BCA6CB64E}" dt="2022-07-27T13:43:49.652" v="169" actId="2696"/>
+        <pc:sldMkLst>
+          <pc:docMk/>
+          <pc:sldMk cId="2113557187" sldId="264"/>
+        </pc:sldMkLst>
+      </pc:sldChg>
+      <pc:sldChg chg="del">
+        <pc:chgData name="Riccardo Berta" userId="c8694f89-bba4-4576-b0a8-456619ca5a8c" providerId="ADAL" clId="{F4AAAA8C-1CB2-214C-996A-F15BCA6CB64E}" dt="2022-07-27T13:43:57.658" v="170" actId="2696"/>
+        <pc:sldMkLst>
+          <pc:docMk/>
+          <pc:sldMk cId="2045385232" sldId="265"/>
+        </pc:sldMkLst>
+      </pc:sldChg>
+      <pc:sldChg chg="addSp modSp add mod">
+        <pc:chgData name="Riccardo Berta" userId="c8694f89-bba4-4576-b0a8-456619ca5a8c" providerId="ADAL" clId="{F4AAAA8C-1CB2-214C-996A-F15BCA6CB64E}" dt="2022-07-29T07:15:19.612" v="2059" actId="1037"/>
+        <pc:sldMkLst>
+          <pc:docMk/>
+          <pc:sldMk cId="2862573505" sldId="265"/>
+        </pc:sldMkLst>
+      </pc:sldChg>
+      <pc:sldChg chg="modSp add mod">
+        <pc:chgData name="Riccardo Berta" userId="c8694f89-bba4-4576-b0a8-456619ca5a8c" providerId="ADAL" clId="{F4AAAA8C-1CB2-214C-996A-F15BCA6CB64E}" dt="2022-07-29T15:42:16.243" v="2364" actId="404"/>
+        <pc:sldMkLst>
+          <pc:docMk/>
+          <pc:sldMk cId="4181844165" sldId="266"/>
+        </pc:sldMkLst>
+      </pc:sldChg>
+      <pc:sldChg chg="addSp delSp modSp add mod">
+        <pc:chgData name="Riccardo Berta" userId="c8694f89-bba4-4576-b0a8-456619ca5a8c" providerId="ADAL" clId="{F4AAAA8C-1CB2-214C-996A-F15BCA6CB64E}" dt="2022-07-29T16:21:50.628" v="2975" actId="1076"/>
+        <pc:sldMkLst>
+          <pc:docMk/>
+          <pc:sldMk cId="216455838" sldId="267"/>
+        </pc:sldMkLst>
+      </pc:sldChg>
+      <pc:sldChg chg="modSp add mod">
+        <pc:chgData name="Riccardo Berta" userId="c8694f89-bba4-4576-b0a8-456619ca5a8c" providerId="ADAL" clId="{F4AAAA8C-1CB2-214C-996A-F15BCA6CB64E}" dt="2022-07-29T16:13:07.544" v="2873" actId="20577"/>
+        <pc:sldMkLst>
+          <pc:docMk/>
+          <pc:sldMk cId="925286286" sldId="268"/>
+        </pc:sldMkLst>
+      </pc:sldChg>
+      <pc:sldChg chg="addSp modSp add mod">
+        <pc:chgData name="Riccardo Berta" userId="c8694f89-bba4-4576-b0a8-456619ca5a8c" providerId="ADAL" clId="{F4AAAA8C-1CB2-214C-996A-F15BCA6CB64E}" dt="2022-07-29T16:20:35.039" v="2951" actId="962"/>
+        <pc:sldMkLst>
+          <pc:docMk/>
+          <pc:sldMk cId="3471997037" sldId="269"/>
+        </pc:sldMkLst>
+      </pc:sldChg>
+      <pc:sldChg chg="add">
+        <pc:chgData name="Riccardo Berta" userId="c8694f89-bba4-4576-b0a8-456619ca5a8c" providerId="ADAL" clId="{F4AAAA8C-1CB2-214C-996A-F15BCA6CB64E}" dt="2022-07-28T14:01:20.148" v="1808"/>
+        <pc:sldMkLst>
+          <pc:docMk/>
+          <pc:sldMk cId="3130917410" sldId="270"/>
+        </pc:sldMkLst>
+      </pc:sldChg>
+      <pc:sldChg chg="add">
+        <pc:chgData name="Riccardo Berta" userId="c8694f89-bba4-4576-b0a8-456619ca5a8c" providerId="ADAL" clId="{F4AAAA8C-1CB2-214C-996A-F15BCA6CB64E}" dt="2022-07-28T14:01:20.483" v="1809"/>
+        <pc:sldMkLst>
+          <pc:docMk/>
+          <pc:sldMk cId="2266699268" sldId="271"/>
+        </pc:sldMkLst>
+      </pc:sldChg>
+    </pc:docChg>
+  </pc:docChgLst>
   <pc:docChgLst>
     <pc:chgData name="Riccardo Berta" userId="c8694f89-bba4-4576-b0a8-456619ca5a8c" providerId="ADAL" clId="{A8290FA7-622A-D149-8650-9DF3F18680D5}"/>
     <pc:docChg chg="undo redo custSel addSld delSld modSld sldOrd modMainMaster">
@@ -294,62 +731,6 @@
           <pc:docMk/>
           <pc:sldMk cId="0" sldId="256"/>
         </pc:sldMkLst>
-        <pc:spChg chg="mod">
-          <ac:chgData name="Riccardo Berta" userId="c8694f89-bba4-4576-b0a8-456619ca5a8c" providerId="ADAL" clId="{A8290FA7-622A-D149-8650-9DF3F18680D5}" dt="2022-07-27T13:35:14.530" v="2993" actId="20577"/>
-          <ac:spMkLst>
-            <pc:docMk/>
-            <pc:sldMk cId="0" sldId="256"/>
-            <ac:spMk id="62" creationId="{00000000-0000-0000-0000-000000000000}"/>
-          </ac:spMkLst>
-        </pc:spChg>
-        <pc:spChg chg="del">
-          <ac:chgData name="Riccardo Berta" userId="c8694f89-bba4-4576-b0a8-456619ca5a8c" providerId="ADAL" clId="{A8290FA7-622A-D149-8650-9DF3F18680D5}" dt="2022-07-18T11:40:08.016" v="50" actId="478"/>
-          <ac:spMkLst>
-            <pc:docMk/>
-            <pc:sldMk cId="0" sldId="256"/>
-            <ac:spMk id="78" creationId="{00000000-0000-0000-0000-000000000000}"/>
-          </ac:spMkLst>
-        </pc:spChg>
-        <pc:grpChg chg="del">
-          <ac:chgData name="Riccardo Berta" userId="c8694f89-bba4-4576-b0a8-456619ca5a8c" providerId="ADAL" clId="{A8290FA7-622A-D149-8650-9DF3F18680D5}" dt="2022-07-18T11:40:10.605" v="51" actId="478"/>
-          <ac:grpSpMkLst>
-            <pc:docMk/>
-            <pc:sldMk cId="0" sldId="256"/>
-            <ac:grpSpMk id="63" creationId="{00000000-0000-0000-0000-000000000000}"/>
-          </ac:grpSpMkLst>
-        </pc:grpChg>
-        <pc:cxnChg chg="mod">
-          <ac:chgData name="Riccardo Berta" userId="c8694f89-bba4-4576-b0a8-456619ca5a8c" providerId="ADAL" clId="{A8290FA7-622A-D149-8650-9DF3F18680D5}" dt="2022-07-18T11:40:10.605" v="51" actId="478"/>
-          <ac:cxnSpMkLst>
-            <pc:docMk/>
-            <pc:sldMk cId="0" sldId="256"/>
-            <ac:cxnSpMk id="66" creationId="{00000000-0000-0000-0000-000000000000}"/>
-          </ac:cxnSpMkLst>
-        </pc:cxnChg>
-        <pc:cxnChg chg="mod">
-          <ac:chgData name="Riccardo Berta" userId="c8694f89-bba4-4576-b0a8-456619ca5a8c" providerId="ADAL" clId="{A8290FA7-622A-D149-8650-9DF3F18680D5}" dt="2022-07-18T11:40:10.605" v="51" actId="478"/>
-          <ac:cxnSpMkLst>
-            <pc:docMk/>
-            <pc:sldMk cId="0" sldId="256"/>
-            <ac:cxnSpMk id="69" creationId="{00000000-0000-0000-0000-000000000000}"/>
-          </ac:cxnSpMkLst>
-        </pc:cxnChg>
-        <pc:cxnChg chg="mod">
-          <ac:chgData name="Riccardo Berta" userId="c8694f89-bba4-4576-b0a8-456619ca5a8c" providerId="ADAL" clId="{A8290FA7-622A-D149-8650-9DF3F18680D5}" dt="2022-07-18T11:40:10.605" v="51" actId="478"/>
-          <ac:cxnSpMkLst>
-            <pc:docMk/>
-            <pc:sldMk cId="0" sldId="256"/>
-            <ac:cxnSpMk id="74" creationId="{00000000-0000-0000-0000-000000000000}"/>
-          </ac:cxnSpMkLst>
-        </pc:cxnChg>
-        <pc:cxnChg chg="mod">
-          <ac:chgData name="Riccardo Berta" userId="c8694f89-bba4-4576-b0a8-456619ca5a8c" providerId="ADAL" clId="{A8290FA7-622A-D149-8650-9DF3F18680D5}" dt="2022-07-18T11:40:10.605" v="51" actId="478"/>
-          <ac:cxnSpMkLst>
-            <pc:docMk/>
-            <pc:sldMk cId="0" sldId="256"/>
-            <ac:cxnSpMk id="75" creationId="{00000000-0000-0000-0000-000000000000}"/>
-          </ac:cxnSpMkLst>
-        </pc:cxnChg>
       </pc:sldChg>
       <pc:sldChg chg="delSp modSp mod">
         <pc:chgData name="Riccardo Berta" userId="c8694f89-bba4-4576-b0a8-456619ca5a8c" providerId="ADAL" clId="{A8290FA7-622A-D149-8650-9DF3F18680D5}" dt="2022-07-27T08:46:23.569" v="1166" actId="948"/>
@@ -357,30 +738,6 @@
           <pc:docMk/>
           <pc:sldMk cId="0" sldId="257"/>
         </pc:sldMkLst>
-        <pc:spChg chg="mod">
-          <ac:chgData name="Riccardo Berta" userId="c8694f89-bba4-4576-b0a8-456619ca5a8c" providerId="ADAL" clId="{A8290FA7-622A-D149-8650-9DF3F18680D5}" dt="2022-07-27T07:46:33.325" v="171" actId="20577"/>
-          <ac:spMkLst>
-            <pc:docMk/>
-            <pc:sldMk cId="0" sldId="257"/>
-            <ac:spMk id="83" creationId="{00000000-0000-0000-0000-000000000000}"/>
-          </ac:spMkLst>
-        </pc:spChg>
-        <pc:spChg chg="mod">
-          <ac:chgData name="Riccardo Berta" userId="c8694f89-bba4-4576-b0a8-456619ca5a8c" providerId="ADAL" clId="{A8290FA7-622A-D149-8650-9DF3F18680D5}" dt="2022-07-27T08:46:23.569" v="1166" actId="948"/>
-          <ac:spMkLst>
-            <pc:docMk/>
-            <pc:sldMk cId="0" sldId="257"/>
-            <ac:spMk id="84" creationId="{00000000-0000-0000-0000-000000000000}"/>
-          </ac:spMkLst>
-        </pc:spChg>
-        <pc:picChg chg="del">
-          <ac:chgData name="Riccardo Berta" userId="c8694f89-bba4-4576-b0a8-456619ca5a8c" providerId="ADAL" clId="{A8290FA7-622A-D149-8650-9DF3F18680D5}" dt="2022-07-18T11:39:52.245" v="18" actId="478"/>
-          <ac:picMkLst>
-            <pc:docMk/>
-            <pc:sldMk cId="0" sldId="257"/>
-            <ac:picMk id="85" creationId="{00000000-0000-0000-0000-000000000000}"/>
-          </ac:picMkLst>
-        </pc:picChg>
       </pc:sldChg>
       <pc:sldChg chg="addSp modSp new mod modNotes">
         <pc:chgData name="Riccardo Berta" userId="c8694f89-bba4-4576-b0a8-456619ca5a8c" providerId="ADAL" clId="{A8290FA7-622A-D149-8650-9DF3F18680D5}" dt="2022-07-27T08:52:46.755" v="1313" actId="113"/>
@@ -388,30 +745,6 @@
           <pc:docMk/>
           <pc:sldMk cId="1899110855" sldId="258"/>
         </pc:sldMkLst>
-        <pc:spChg chg="mod">
-          <ac:chgData name="Riccardo Berta" userId="c8694f89-bba4-4576-b0a8-456619ca5a8c" providerId="ADAL" clId="{A8290FA7-622A-D149-8650-9DF3F18680D5}" dt="2022-07-27T08:44:23.725" v="1124"/>
-          <ac:spMkLst>
-            <pc:docMk/>
-            <pc:sldMk cId="1899110855" sldId="258"/>
-            <ac:spMk id="2" creationId="{9A367158-2E24-E90C-7ECC-502AB323ED05}"/>
-          </ac:spMkLst>
-        </pc:spChg>
-        <pc:spChg chg="mod">
-          <ac:chgData name="Riccardo Berta" userId="c8694f89-bba4-4576-b0a8-456619ca5a8c" providerId="ADAL" clId="{A8290FA7-622A-D149-8650-9DF3F18680D5}" dt="2022-07-27T08:52:46.755" v="1313" actId="113"/>
-          <ac:spMkLst>
-            <pc:docMk/>
-            <pc:sldMk cId="1899110855" sldId="258"/>
-            <ac:spMk id="3" creationId="{3F2C94B7-5C82-7750-8B45-751562B2B6D0}"/>
-          </ac:spMkLst>
-        </pc:spChg>
-        <pc:picChg chg="add mod">
-          <ac:chgData name="Riccardo Berta" userId="c8694f89-bba4-4576-b0a8-456619ca5a8c" providerId="ADAL" clId="{A8290FA7-622A-D149-8650-9DF3F18680D5}" dt="2022-07-27T08:50:59.788" v="1228" actId="1076"/>
-          <ac:picMkLst>
-            <pc:docMk/>
-            <pc:sldMk cId="1899110855" sldId="258"/>
-            <ac:picMk id="4" creationId="{1FB36129-1438-3CA3-2875-A711720E74DA}"/>
-          </ac:picMkLst>
-        </pc:picChg>
       </pc:sldChg>
       <pc:sldChg chg="new del">
         <pc:chgData name="Riccardo Berta" userId="c8694f89-bba4-4576-b0a8-456619ca5a8c" providerId="ADAL" clId="{A8290FA7-622A-D149-8650-9DF3F18680D5}" dt="2022-07-27T07:48:28.832" v="223" actId="2696"/>
@@ -426,22 +759,6 @@
           <pc:docMk/>
           <pc:sldMk cId="3018556184" sldId="259"/>
         </pc:sldMkLst>
-        <pc:spChg chg="mod">
-          <ac:chgData name="Riccardo Berta" userId="c8694f89-bba4-4576-b0a8-456619ca5a8c" providerId="ADAL" clId="{A8290FA7-622A-D149-8650-9DF3F18680D5}" dt="2022-07-27T08:44:23.725" v="1124"/>
-          <ac:spMkLst>
-            <pc:docMk/>
-            <pc:sldMk cId="3018556184" sldId="259"/>
-            <ac:spMk id="2" creationId="{41268BF7-2F3B-A5C4-4F7E-1982399FCE62}"/>
-          </ac:spMkLst>
-        </pc:spChg>
-        <pc:spChg chg="mod">
-          <ac:chgData name="Riccardo Berta" userId="c8694f89-bba4-4576-b0a8-456619ca5a8c" providerId="ADAL" clId="{A8290FA7-622A-D149-8650-9DF3F18680D5}" dt="2022-07-27T13:36:04.688" v="2998"/>
-          <ac:spMkLst>
-            <pc:docMk/>
-            <pc:sldMk cId="3018556184" sldId="259"/>
-            <ac:spMk id="3" creationId="{38BFAA1C-1163-169B-2D77-6FEF73CC8512}"/>
-          </ac:spMkLst>
-        </pc:spChg>
       </pc:sldChg>
       <pc:sldChg chg="addSp modSp new mod">
         <pc:chgData name="Riccardo Berta" userId="c8694f89-bba4-4576-b0a8-456619ca5a8c" providerId="ADAL" clId="{A8290FA7-622A-D149-8650-9DF3F18680D5}" dt="2022-07-27T08:48:59.292" v="1210" actId="1076"/>
@@ -449,30 +766,6 @@
           <pc:docMk/>
           <pc:sldMk cId="1104208334" sldId="260"/>
         </pc:sldMkLst>
-        <pc:spChg chg="mod">
-          <ac:chgData name="Riccardo Berta" userId="c8694f89-bba4-4576-b0a8-456619ca5a8c" providerId="ADAL" clId="{A8290FA7-622A-D149-8650-9DF3F18680D5}" dt="2022-07-27T08:44:23.725" v="1124"/>
-          <ac:spMkLst>
-            <pc:docMk/>
-            <pc:sldMk cId="1104208334" sldId="260"/>
-            <ac:spMk id="2" creationId="{BCB44347-B705-702C-8C13-25742F95F00E}"/>
-          </ac:spMkLst>
-        </pc:spChg>
-        <pc:spChg chg="mod">
-          <ac:chgData name="Riccardo Berta" userId="c8694f89-bba4-4576-b0a8-456619ca5a8c" providerId="ADAL" clId="{A8290FA7-622A-D149-8650-9DF3F18680D5}" dt="2022-07-27T08:48:34.600" v="1207" actId="20577"/>
-          <ac:spMkLst>
-            <pc:docMk/>
-            <pc:sldMk cId="1104208334" sldId="260"/>
-            <ac:spMk id="3" creationId="{1C462C8B-759C-C2C7-EA44-1505F85DD073}"/>
-          </ac:spMkLst>
-        </pc:spChg>
-        <pc:picChg chg="add mod">
-          <ac:chgData name="Riccardo Berta" userId="c8694f89-bba4-4576-b0a8-456619ca5a8c" providerId="ADAL" clId="{A8290FA7-622A-D149-8650-9DF3F18680D5}" dt="2022-07-27T08:48:59.292" v="1210" actId="1076"/>
-          <ac:picMkLst>
-            <pc:docMk/>
-            <pc:sldMk cId="1104208334" sldId="260"/>
-            <ac:picMk id="1026" creationId="{B4CA9CEF-2B94-4431-1046-06B5B4A61164}"/>
-          </ac:picMkLst>
-        </pc:picChg>
       </pc:sldChg>
       <pc:sldChg chg="del">
         <pc:chgData name="Riccardo Berta" userId="c8694f89-bba4-4576-b0a8-456619ca5a8c" providerId="ADAL" clId="{A8290FA7-622A-D149-8650-9DF3F18680D5}" dt="2022-07-18T11:39:58.142" v="25" actId="2696"/>
@@ -480,22 +773,6 @@
           <pc:docMk/>
           <pc:sldMk cId="1290395919" sldId="261"/>
         </pc:sldMkLst>
-        <pc:spChg chg="mod">
-          <ac:chgData name="Riccardo Berta" userId="c8694f89-bba4-4576-b0a8-456619ca5a8c" providerId="ADAL" clId="{A8290FA7-622A-D149-8650-9DF3F18680D5}" dt="2022-07-27T09:02:55.174" v="1405" actId="313"/>
-          <ac:spMkLst>
-            <pc:docMk/>
-            <pc:sldMk cId="1290395919" sldId="261"/>
-            <ac:spMk id="2" creationId="{7ACF5050-2FE7-D51A-3B42-49745B74F8BD}"/>
-          </ac:spMkLst>
-        </pc:spChg>
-        <pc:spChg chg="mod">
-          <ac:chgData name="Riccardo Berta" userId="c8694f89-bba4-4576-b0a8-456619ca5a8c" providerId="ADAL" clId="{A8290FA7-622A-D149-8650-9DF3F18680D5}" dt="2022-07-27T10:13:59.822" v="1768" actId="20577"/>
-          <ac:spMkLst>
-            <pc:docMk/>
-            <pc:sldMk cId="1290395919" sldId="261"/>
-            <ac:spMk id="3" creationId="{443CA410-E246-EACE-351E-80C846A06F66}"/>
-          </ac:spMkLst>
-        </pc:spChg>
       </pc:sldChg>
       <pc:sldChg chg="new del">
         <pc:chgData name="Riccardo Berta" userId="c8694f89-bba4-4576-b0a8-456619ca5a8c" providerId="ADAL" clId="{A8290FA7-622A-D149-8650-9DF3F18680D5}" dt="2022-07-27T10:14:34.151" v="1776" actId="2696"/>
@@ -510,38 +787,6 @@
           <pc:docMk/>
           <pc:sldMk cId="4130549615" sldId="262"/>
         </pc:sldMkLst>
-        <pc:spChg chg="mod">
-          <ac:chgData name="Riccardo Berta" userId="c8694f89-bba4-4576-b0a8-456619ca5a8c" providerId="ADAL" clId="{A8290FA7-622A-D149-8650-9DF3F18680D5}" dt="2022-07-27T10:14:47.805" v="1801" actId="20577"/>
-          <ac:spMkLst>
-            <pc:docMk/>
-            <pc:sldMk cId="4130549615" sldId="262"/>
-            <ac:spMk id="83" creationId="{00000000-0000-0000-0000-000000000000}"/>
-          </ac:spMkLst>
-        </pc:spChg>
-        <pc:spChg chg="mod">
-          <ac:chgData name="Riccardo Berta" userId="c8694f89-bba4-4576-b0a8-456619ca5a8c" providerId="ADAL" clId="{A8290FA7-622A-D149-8650-9DF3F18680D5}" dt="2022-07-27T10:42:13.820" v="2230" actId="113"/>
-          <ac:spMkLst>
-            <pc:docMk/>
-            <pc:sldMk cId="4130549615" sldId="262"/>
-            <ac:spMk id="84" creationId="{00000000-0000-0000-0000-000000000000}"/>
-          </ac:spMkLst>
-        </pc:spChg>
-        <pc:picChg chg="add mod">
-          <ac:chgData name="Riccardo Berta" userId="c8694f89-bba4-4576-b0a8-456619ca5a8c" providerId="ADAL" clId="{A8290FA7-622A-D149-8650-9DF3F18680D5}" dt="2022-07-27T10:41:57.614" v="2224" actId="1076"/>
-          <ac:picMkLst>
-            <pc:docMk/>
-            <pc:sldMk cId="4130549615" sldId="262"/>
-            <ac:picMk id="2" creationId="{DE7BB65F-08A4-B6D2-CED9-F0FFBD5CDBF9}"/>
-          </ac:picMkLst>
-        </pc:picChg>
-        <pc:picChg chg="add mod">
-          <ac:chgData name="Riccardo Berta" userId="c8694f89-bba4-4576-b0a8-456619ca5a8c" providerId="ADAL" clId="{A8290FA7-622A-D149-8650-9DF3F18680D5}" dt="2022-07-27T10:42:07.380" v="2229" actId="1076"/>
-          <ac:picMkLst>
-            <pc:docMk/>
-            <pc:sldMk cId="4130549615" sldId="262"/>
-            <ac:picMk id="3" creationId="{8F10188F-1192-CC5C-9229-6680F9B1F8A4}"/>
-          </ac:picMkLst>
-        </pc:picChg>
       </pc:sldChg>
       <pc:sldChg chg="new del">
         <pc:chgData name="Riccardo Berta" userId="c8694f89-bba4-4576-b0a8-456619ca5a8c" providerId="ADAL" clId="{A8290FA7-622A-D149-8650-9DF3F18680D5}" dt="2022-07-27T10:14:17.648" v="1770" actId="2696"/>
@@ -556,14 +801,6 @@
           <pc:docMk/>
           <pc:sldMk cId="2702540954" sldId="263"/>
         </pc:sldMkLst>
-        <pc:spChg chg="add del mod">
-          <ac:chgData name="Riccardo Berta" userId="c8694f89-bba4-4576-b0a8-456619ca5a8c" providerId="ADAL" clId="{A8290FA7-622A-D149-8650-9DF3F18680D5}" dt="2022-07-27T10:14:34.058" v="1775"/>
-          <ac:spMkLst>
-            <pc:docMk/>
-            <pc:sldMk cId="2702540954" sldId="263"/>
-            <ac:spMk id="3" creationId="{3202F38C-70E9-B11B-4CF4-DD7C2BF1118A}"/>
-          </ac:spMkLst>
-        </pc:spChg>
       </pc:sldChg>
       <pc:sldChg chg="del">
         <pc:chgData name="Riccardo Berta" userId="c8694f89-bba4-4576-b0a8-456619ca5a8c" providerId="ADAL" clId="{A8290FA7-622A-D149-8650-9DF3F18680D5}" dt="2022-07-18T11:39:58.451" v="27" actId="2696"/>
@@ -571,94 +808,6 @@
           <pc:docMk/>
           <pc:sldMk cId="3102138681" sldId="263"/>
         </pc:sldMkLst>
-        <pc:spChg chg="add mod">
-          <ac:chgData name="Riccardo Berta" userId="c8694f89-bba4-4576-b0a8-456619ca5a8c" providerId="ADAL" clId="{A8290FA7-622A-D149-8650-9DF3F18680D5}" dt="2022-07-27T13:25:04.866" v="2759" actId="113"/>
-          <ac:spMkLst>
-            <pc:docMk/>
-            <pc:sldMk cId="3102138681" sldId="263"/>
-            <ac:spMk id="4" creationId="{F4D09BBD-B357-6547-1869-C5A2382FCC8B}"/>
-          </ac:spMkLst>
-        </pc:spChg>
-        <pc:spChg chg="add del mod">
-          <ac:chgData name="Riccardo Berta" userId="c8694f89-bba4-4576-b0a8-456619ca5a8c" providerId="ADAL" clId="{A8290FA7-622A-D149-8650-9DF3F18680D5}" dt="2022-07-27T11:15:39.262" v="2505" actId="478"/>
-          <ac:spMkLst>
-            <pc:docMk/>
-            <pc:sldMk cId="3102138681" sldId="263"/>
-            <ac:spMk id="5" creationId="{23AC3424-715D-3F08-932D-C2CF108A7059}"/>
-          </ac:spMkLst>
-        </pc:spChg>
-        <pc:spChg chg="add mod">
-          <ac:chgData name="Riccardo Berta" userId="c8694f89-bba4-4576-b0a8-456619ca5a8c" providerId="ADAL" clId="{A8290FA7-622A-D149-8650-9DF3F18680D5}" dt="2022-07-27T11:16:53.879" v="2519" actId="1076"/>
-          <ac:spMkLst>
-            <pc:docMk/>
-            <pc:sldMk cId="3102138681" sldId="263"/>
-            <ac:spMk id="6" creationId="{E6A53417-994D-A7A5-6B3C-BE4F99893522}"/>
-          </ac:spMkLst>
-        </pc:spChg>
-        <pc:spChg chg="add mod">
-          <ac:chgData name="Riccardo Berta" userId="c8694f89-bba4-4576-b0a8-456619ca5a8c" providerId="ADAL" clId="{A8290FA7-622A-D149-8650-9DF3F18680D5}" dt="2022-07-27T11:16:53.879" v="2519" actId="1076"/>
-          <ac:spMkLst>
-            <pc:docMk/>
-            <pc:sldMk cId="3102138681" sldId="263"/>
-            <ac:spMk id="7" creationId="{A40D36EA-EE11-0232-DF5A-70C2463FA6D7}"/>
-          </ac:spMkLst>
-        </pc:spChg>
-        <pc:spChg chg="mod">
-          <ac:chgData name="Riccardo Berta" userId="c8694f89-bba4-4576-b0a8-456619ca5a8c" providerId="ADAL" clId="{A8290FA7-622A-D149-8650-9DF3F18680D5}" dt="2022-07-27T10:48:03.941" v="2323" actId="20577"/>
-          <ac:spMkLst>
-            <pc:docMk/>
-            <pc:sldMk cId="3102138681" sldId="263"/>
-            <ac:spMk id="83" creationId="{00000000-0000-0000-0000-000000000000}"/>
-          </ac:spMkLst>
-        </pc:spChg>
-        <pc:spChg chg="mod">
-          <ac:chgData name="Riccardo Berta" userId="c8694f89-bba4-4576-b0a8-456619ca5a8c" providerId="ADAL" clId="{A8290FA7-622A-D149-8650-9DF3F18680D5}" dt="2022-07-27T10:48:06.788" v="2324" actId="20577"/>
-          <ac:spMkLst>
-            <pc:docMk/>
-            <pc:sldMk cId="3102138681" sldId="263"/>
-            <ac:spMk id="84" creationId="{00000000-0000-0000-0000-000000000000}"/>
-          </ac:spMkLst>
-        </pc:spChg>
-        <pc:grpChg chg="add del mod">
-          <ac:chgData name="Riccardo Berta" userId="c8694f89-bba4-4576-b0a8-456619ca5a8c" providerId="ADAL" clId="{A8290FA7-622A-D149-8650-9DF3F18680D5}" dt="2022-07-27T11:18:00.757" v="2523" actId="478"/>
-          <ac:grpSpMkLst>
-            <pc:docMk/>
-            <pc:sldMk cId="3102138681" sldId="263"/>
-            <ac:grpSpMk id="8" creationId="{197E1684-FF9E-2244-C365-B25FF288C192}"/>
-          </ac:grpSpMkLst>
-        </pc:grpChg>
-        <pc:picChg chg="del">
-          <ac:chgData name="Riccardo Berta" userId="c8694f89-bba4-4576-b0a8-456619ca5a8c" providerId="ADAL" clId="{A8290FA7-622A-D149-8650-9DF3F18680D5}" dt="2022-07-27T10:43:13.465" v="2245" actId="478"/>
-          <ac:picMkLst>
-            <pc:docMk/>
-            <pc:sldMk cId="3102138681" sldId="263"/>
-            <ac:picMk id="2" creationId="{DE7BB65F-08A4-B6D2-CED9-F0FFBD5CDBF9}"/>
-          </ac:picMkLst>
-        </pc:picChg>
-        <pc:picChg chg="del">
-          <ac:chgData name="Riccardo Berta" userId="c8694f89-bba4-4576-b0a8-456619ca5a8c" providerId="ADAL" clId="{A8290FA7-622A-D149-8650-9DF3F18680D5}" dt="2022-07-27T10:43:13.005" v="2244" actId="478"/>
-          <ac:picMkLst>
-            <pc:docMk/>
-            <pc:sldMk cId="3102138681" sldId="263"/>
-            <ac:picMk id="3" creationId="{8F10188F-1192-CC5C-9229-6680F9B1F8A4}"/>
-          </ac:picMkLst>
-        </pc:picChg>
-        <pc:picChg chg="add mod">
-          <ac:chgData name="Riccardo Berta" userId="c8694f89-bba4-4576-b0a8-456619ca5a8c" providerId="ADAL" clId="{A8290FA7-622A-D149-8650-9DF3F18680D5}" dt="2022-07-27T13:24:53.552" v="2751" actId="1076"/>
-          <ac:picMkLst>
-            <pc:docMk/>
-            <pc:sldMk cId="3102138681" sldId="263"/>
-            <ac:picMk id="10" creationId="{0E81828B-E89F-25E9-3F87-0F05B85C6E21}"/>
-          </ac:picMkLst>
-        </pc:picChg>
-        <pc:picChg chg="add mod">
-          <ac:chgData name="Riccardo Berta" userId="c8694f89-bba4-4576-b0a8-456619ca5a8c" providerId="ADAL" clId="{A8290FA7-622A-D149-8650-9DF3F18680D5}" dt="2022-07-27T11:16:53.879" v="2519" actId="1076"/>
-          <ac:picMkLst>
-            <pc:docMk/>
-            <pc:sldMk cId="3102138681" sldId="263"/>
-            <ac:picMk id="2050" creationId="{A53CAF74-1BDF-FAC7-6840-B2596884FF7F}"/>
-          </ac:picMkLst>
-        </pc:picChg>
       </pc:sldChg>
       <pc:sldChg chg="addSp modSp add del mod">
         <pc:chgData name="Riccardo Berta" userId="c8694f89-bba4-4576-b0a8-456619ca5a8c" providerId="ADAL" clId="{A8290FA7-622A-D149-8650-9DF3F18680D5}" dt="2022-07-27T10:42:20.886" v="2231" actId="2696"/>
@@ -666,38 +815,6 @@
           <pc:docMk/>
           <pc:sldMk cId="3911169705" sldId="263"/>
         </pc:sldMkLst>
-        <pc:spChg chg="mod">
-          <ac:chgData name="Riccardo Berta" userId="c8694f89-bba4-4576-b0a8-456619ca5a8c" providerId="ADAL" clId="{A8290FA7-622A-D149-8650-9DF3F18680D5}" dt="2022-07-27T10:33:15.496" v="2048" actId="20577"/>
-          <ac:spMkLst>
-            <pc:docMk/>
-            <pc:sldMk cId="3911169705" sldId="263"/>
-            <ac:spMk id="83" creationId="{00000000-0000-0000-0000-000000000000}"/>
-          </ac:spMkLst>
-        </pc:spChg>
-        <pc:spChg chg="mod">
-          <ac:chgData name="Riccardo Berta" userId="c8694f89-bba4-4576-b0a8-456619ca5a8c" providerId="ADAL" clId="{A8290FA7-622A-D149-8650-9DF3F18680D5}" dt="2022-07-27T10:34:05.441" v="2067" actId="20577"/>
-          <ac:spMkLst>
-            <pc:docMk/>
-            <pc:sldMk cId="3911169705" sldId="263"/>
-            <ac:spMk id="84" creationId="{00000000-0000-0000-0000-000000000000}"/>
-          </ac:spMkLst>
-        </pc:spChg>
-        <pc:picChg chg="add mod">
-          <ac:chgData name="Riccardo Berta" userId="c8694f89-bba4-4576-b0a8-456619ca5a8c" providerId="ADAL" clId="{A8290FA7-622A-D149-8650-9DF3F18680D5}" dt="2022-07-27T10:33:53.682" v="2062" actId="14100"/>
-          <ac:picMkLst>
-            <pc:docMk/>
-            <pc:sldMk cId="3911169705" sldId="263"/>
-            <ac:picMk id="2" creationId="{D4B2A0E7-4B4D-E6BD-CA2B-E156742EB348}"/>
-          </ac:picMkLst>
-        </pc:picChg>
-        <pc:picChg chg="add mod">
-          <ac:chgData name="Riccardo Berta" userId="c8694f89-bba4-4576-b0a8-456619ca5a8c" providerId="ADAL" clId="{A8290FA7-622A-D149-8650-9DF3F18680D5}" dt="2022-07-27T10:34:01.183" v="2064" actId="1076"/>
-          <ac:picMkLst>
-            <pc:docMk/>
-            <pc:sldMk cId="3911169705" sldId="263"/>
-            <ac:picMk id="3" creationId="{DB1314C3-2E54-D0A9-2C2E-0B14369A70D5}"/>
-          </ac:picMkLst>
-        </pc:picChg>
       </pc:sldChg>
       <pc:sldChg chg="del">
         <pc:chgData name="Riccardo Berta" userId="c8694f89-bba4-4576-b0a8-456619ca5a8c" providerId="ADAL" clId="{A8290FA7-622A-D149-8650-9DF3F18680D5}" dt="2022-07-18T11:39:58.616" v="28" actId="2696"/>
@@ -705,46 +822,6 @@
           <pc:docMk/>
           <pc:sldMk cId="2113557187" sldId="264"/>
         </pc:sldMkLst>
-        <pc:spChg chg="add del">
-          <ac:chgData name="Riccardo Berta" userId="c8694f89-bba4-4576-b0a8-456619ca5a8c" providerId="ADAL" clId="{A8290FA7-622A-D149-8650-9DF3F18680D5}" dt="2022-07-27T11:59:11.727" v="2638" actId="478"/>
-          <ac:spMkLst>
-            <pc:docMk/>
-            <pc:sldMk cId="2113557187" sldId="264"/>
-            <ac:spMk id="3" creationId="{BC1FDF23-921F-5E18-9CFF-ACCFCF450821}"/>
-          </ac:spMkLst>
-        </pc:spChg>
-        <pc:spChg chg="mod">
-          <ac:chgData name="Riccardo Berta" userId="c8694f89-bba4-4576-b0a8-456619ca5a8c" providerId="ADAL" clId="{A8290FA7-622A-D149-8650-9DF3F18680D5}" dt="2022-07-27T11:59:29.324" v="2645" actId="5793"/>
-          <ac:spMkLst>
-            <pc:docMk/>
-            <pc:sldMk cId="2113557187" sldId="264"/>
-            <ac:spMk id="4" creationId="{F4D09BBD-B357-6547-1869-C5A2382FCC8B}"/>
-          </ac:spMkLst>
-        </pc:spChg>
-        <pc:spChg chg="add del">
-          <ac:chgData name="Riccardo Berta" userId="c8694f89-bba4-4576-b0a8-456619ca5a8c" providerId="ADAL" clId="{A8290FA7-622A-D149-8650-9DF3F18680D5}" dt="2022-07-27T11:59:15.052" v="2640" actId="478"/>
-          <ac:spMkLst>
-            <pc:docMk/>
-            <pc:sldMk cId="2113557187" sldId="264"/>
-            <ac:spMk id="6" creationId="{2CCFB366-8A7D-5E7E-B99E-3A97CFF1730F}"/>
-          </ac:spMkLst>
-        </pc:spChg>
-        <pc:picChg chg="del">
-          <ac:chgData name="Riccardo Berta" userId="c8694f89-bba4-4576-b0a8-456619ca5a8c" providerId="ADAL" clId="{A8290FA7-622A-D149-8650-9DF3F18680D5}" dt="2022-07-27T11:59:09.596" v="2636" actId="478"/>
-          <ac:picMkLst>
-            <pc:docMk/>
-            <pc:sldMk cId="2113557187" sldId="264"/>
-            <ac:picMk id="10" creationId="{0E81828B-E89F-25E9-3F87-0F05B85C6E21}"/>
-          </ac:picMkLst>
-        </pc:picChg>
-        <pc:picChg chg="add mod">
-          <ac:chgData name="Riccardo Berta" userId="c8694f89-bba4-4576-b0a8-456619ca5a8c" providerId="ADAL" clId="{A8290FA7-622A-D149-8650-9DF3F18680D5}" dt="2022-07-27T13:22:18.527" v="2647" actId="14100"/>
-          <ac:picMkLst>
-            <pc:docMk/>
-            <pc:sldMk cId="2113557187" sldId="264"/>
-            <ac:picMk id="3074" creationId="{9CA02893-40B1-CBA3-7B52-7B9773D440DD}"/>
-          </ac:picMkLst>
-        </pc:picChg>
       </pc:sldChg>
       <pc:sldChg chg="del">
         <pc:chgData name="Riccardo Berta" userId="c8694f89-bba4-4576-b0a8-456619ca5a8c" providerId="ADAL" clId="{A8290FA7-622A-D149-8650-9DF3F18680D5}" dt="2022-07-18T11:39:58.749" v="29" actId="2696"/>
@@ -752,30 +829,6 @@
           <pc:docMk/>
           <pc:sldMk cId="2045385232" sldId="265"/>
         </pc:sldMkLst>
-        <pc:spChg chg="mod">
-          <ac:chgData name="Riccardo Berta" userId="c8694f89-bba4-4576-b0a8-456619ca5a8c" providerId="ADAL" clId="{A8290FA7-622A-D149-8650-9DF3F18680D5}" dt="2022-07-27T13:28:40.287" v="2835" actId="20577"/>
-          <ac:spMkLst>
-            <pc:docMk/>
-            <pc:sldMk cId="2045385232" sldId="265"/>
-            <ac:spMk id="2" creationId="{7ACF5050-2FE7-D51A-3B42-49745B74F8BD}"/>
-          </ac:spMkLst>
-        </pc:spChg>
-        <pc:spChg chg="mod">
-          <ac:chgData name="Riccardo Berta" userId="c8694f89-bba4-4576-b0a8-456619ca5a8c" providerId="ADAL" clId="{A8290FA7-622A-D149-8650-9DF3F18680D5}" dt="2022-07-27T13:34:43.252" v="2978" actId="20577"/>
-          <ac:spMkLst>
-            <pc:docMk/>
-            <pc:sldMk cId="2045385232" sldId="265"/>
-            <ac:spMk id="3" creationId="{443CA410-E246-EACE-351E-80C846A06F66}"/>
-          </ac:spMkLst>
-        </pc:spChg>
-        <pc:picChg chg="add mod">
-          <ac:chgData name="Riccardo Berta" userId="c8694f89-bba4-4576-b0a8-456619ca5a8c" providerId="ADAL" clId="{A8290FA7-622A-D149-8650-9DF3F18680D5}" dt="2022-07-27T13:29:04.301" v="2839" actId="1076"/>
-          <ac:picMkLst>
-            <pc:docMk/>
-            <pc:sldMk cId="2045385232" sldId="265"/>
-            <ac:picMk id="5" creationId="{6F2A372C-E4F3-6EB3-7011-0A41077F7959}"/>
-          </ac:picMkLst>
-        </pc:picChg>
       </pc:sldChg>
       <pc:sldChg chg="del">
         <pc:chgData name="Riccardo Berta" userId="c8694f89-bba4-4576-b0a8-456619ca5a8c" providerId="ADAL" clId="{A8290FA7-622A-D149-8650-9DF3F18680D5}" dt="2022-07-18T11:39:58.869" v="30" actId="2696"/>
@@ -846,14 +899,6 @@
           <pc:docMk/>
           <pc:sldMasterMk cId="0" sldId="2147483659"/>
         </pc:sldMasterMkLst>
-        <pc:spChg chg="mod">
-          <ac:chgData name="Riccardo Berta" userId="c8694f89-bba4-4576-b0a8-456619ca5a8c" providerId="ADAL" clId="{A8290FA7-622A-D149-8650-9DF3F18680D5}" dt="2022-07-27T08:45:00.853" v="1135" actId="20577"/>
-          <ac:spMkLst>
-            <pc:docMk/>
-            <pc:sldMasterMk cId="0" sldId="2147483659"/>
-            <ac:spMk id="7" creationId="{00000000-0000-0000-0000-000000000000}"/>
-          </ac:spMkLst>
-        </pc:spChg>
         <pc:sldLayoutChg chg="del">
           <pc:chgData name="Riccardo Berta" userId="c8694f89-bba4-4576-b0a8-456619ca5a8c" providerId="ADAL" clId="{A8290FA7-622A-D149-8650-9DF3F18680D5}" dt="2022-07-27T07:48:28.832" v="223" actId="2696"/>
           <pc:sldLayoutMkLst>
@@ -869,17 +914,31 @@
             <pc:sldMasterMk cId="0" sldId="2147483659"/>
             <pc:sldLayoutMk cId="0" sldId="2147483650"/>
           </pc:sldLayoutMkLst>
-          <pc:spChg chg="del">
-            <ac:chgData name="Riccardo Berta" userId="c8694f89-bba4-4576-b0a8-456619ca5a8c" providerId="ADAL" clId="{A8290FA7-622A-D149-8650-9DF3F18680D5}" dt="2022-07-27T08:44:23.725" v="1124"/>
-            <ac:spMkLst>
-              <pc:docMk/>
-              <pc:sldMasterMk cId="0" sldId="2147483659"/>
-              <pc:sldLayoutMk cId="0" sldId="2147483650"/>
-              <ac:spMk id="22" creationId="{00000000-0000-0000-0000-000000000000}"/>
-            </ac:spMkLst>
-          </pc:spChg>
         </pc:sldLayoutChg>
       </pc:sldMasterChg>
+    </pc:docChg>
+  </pc:docChgLst>
+  <pc:docChgLst>
+    <pc:chgData name="Riccardo Berta" userId="c8694f89-bba4-4576-b0a8-456619ca5a8c" providerId="ADAL" clId="{285D91C1-4BF4-0841-A283-B28F698AE366}"/>
+    <pc:docChg chg="custSel addSld modSld">
+      <pc:chgData name="Riccardo Berta" userId="c8694f89-bba4-4576-b0a8-456619ca5a8c" providerId="ADAL" clId="{285D91C1-4BF4-0841-A283-B28F698AE366}" dt="2022-08-26T17:01:29.210" v="222" actId="20577"/>
+      <pc:docMkLst>
+        <pc:docMk/>
+      </pc:docMkLst>
+      <pc:sldChg chg="addSp delSp modSp add mod">
+        <pc:chgData name="Riccardo Berta" userId="c8694f89-bba4-4576-b0a8-456619ca5a8c" providerId="ADAL" clId="{285D91C1-4BF4-0841-A283-B28F698AE366}" dt="2022-08-26T17:01:29.210" v="222" actId="20577"/>
+        <pc:sldMkLst>
+          <pc:docMk/>
+          <pc:sldMk cId="1388305878" sldId="277"/>
+        </pc:sldMkLst>
+      </pc:sldChg>
+      <pc:sldChg chg="addSp delSp modSp add mod">
+        <pc:chgData name="Riccardo Berta" userId="c8694f89-bba4-4576-b0a8-456619ca5a8c" providerId="ADAL" clId="{285D91C1-4BF4-0841-A283-B28F698AE366}" dt="2022-08-26T17:01:19.085" v="220" actId="1076"/>
+        <pc:sldMkLst>
+          <pc:docMk/>
+          <pc:sldMk cId="2276488042" sldId="278"/>
+        </pc:sldMkLst>
+      </pc:sldChg>
     </pc:docChg>
   </pc:docChgLst>
   <pc:docChgLst>
@@ -895,14 +954,6 @@
           <pc:docMk/>
           <pc:sldMk cId="0" sldId="256"/>
         </pc:sldMkLst>
-        <pc:spChg chg="mod">
-          <ac:chgData name="Riccardo Berta" userId="c8694f89-bba4-4576-b0a8-456619ca5a8c" providerId="ADAL" clId="{58424B7E-67A2-E24B-9516-C248AFA19009}" dt="2022-08-30T09:38:38.114" v="1432" actId="790"/>
-          <ac:spMkLst>
-            <pc:docMk/>
-            <pc:sldMk cId="0" sldId="256"/>
-            <ac:spMk id="62" creationId="{00000000-0000-0000-0000-000000000000}"/>
-          </ac:spMkLst>
-        </pc:spChg>
       </pc:sldChg>
       <pc:sldChg chg="addSp modSp mod">
         <pc:chgData name="Riccardo Berta" userId="c8694f89-bba4-4576-b0a8-456619ca5a8c" providerId="ADAL" clId="{58424B7E-67A2-E24B-9516-C248AFA19009}" dt="2022-08-30T09:37:52.468" v="1397" actId="20577"/>
@@ -910,38 +961,6 @@
           <pc:docMk/>
           <pc:sldMk cId="0" sldId="257"/>
         </pc:sldMkLst>
-        <pc:spChg chg="mod">
-          <ac:chgData name="Riccardo Berta" userId="c8694f89-bba4-4576-b0a8-456619ca5a8c" providerId="ADAL" clId="{58424B7E-67A2-E24B-9516-C248AFA19009}" dt="2022-08-30T09:37:52.468" v="1397" actId="20577"/>
-          <ac:spMkLst>
-            <pc:docMk/>
-            <pc:sldMk cId="0" sldId="257"/>
-            <ac:spMk id="83" creationId="{00000000-0000-0000-0000-000000000000}"/>
-          </ac:spMkLst>
-        </pc:spChg>
-        <pc:spChg chg="mod">
-          <ac:chgData name="Riccardo Berta" userId="c8694f89-bba4-4576-b0a8-456619ca5a8c" providerId="ADAL" clId="{58424B7E-67A2-E24B-9516-C248AFA19009}" dt="2022-08-30T08:54:17.949" v="242" actId="20577"/>
-          <ac:spMkLst>
-            <pc:docMk/>
-            <pc:sldMk cId="0" sldId="257"/>
-            <ac:spMk id="84" creationId="{00000000-0000-0000-0000-000000000000}"/>
-          </ac:spMkLst>
-        </pc:spChg>
-        <pc:picChg chg="add mod">
-          <ac:chgData name="Riccardo Berta" userId="c8694f89-bba4-4576-b0a8-456619ca5a8c" providerId="ADAL" clId="{58424B7E-67A2-E24B-9516-C248AFA19009}" dt="2022-08-30T08:54:52.448" v="247" actId="1076"/>
-          <ac:picMkLst>
-            <pc:docMk/>
-            <pc:sldMk cId="0" sldId="257"/>
-            <ac:picMk id="3" creationId="{EE0D0F3E-A843-92E5-ABBC-F41E3CA3C922}"/>
-          </ac:picMkLst>
-        </pc:picChg>
-        <pc:picChg chg="add mod">
-          <ac:chgData name="Riccardo Berta" userId="c8694f89-bba4-4576-b0a8-456619ca5a8c" providerId="ADAL" clId="{58424B7E-67A2-E24B-9516-C248AFA19009}" dt="2022-08-30T08:54:40.649" v="245" actId="1076"/>
-          <ac:picMkLst>
-            <pc:docMk/>
-            <pc:sldMk cId="0" sldId="257"/>
-            <ac:picMk id="5" creationId="{692F2B73-F6B6-F2AC-BB2A-2B1020944694}"/>
-          </ac:picMkLst>
-        </pc:picChg>
       </pc:sldChg>
       <pc:sldChg chg="modSp mod">
         <pc:chgData name="Riccardo Berta" userId="c8694f89-bba4-4576-b0a8-456619ca5a8c" providerId="ADAL" clId="{58424B7E-67A2-E24B-9516-C248AFA19009}" dt="2022-08-30T09:41:00.751" v="1457" actId="20577"/>
@@ -949,22 +968,6 @@
           <pc:docMk/>
           <pc:sldMk cId="3018556184" sldId="259"/>
         </pc:sldMkLst>
-        <pc:spChg chg="mod">
-          <ac:chgData name="Riccardo Berta" userId="c8694f89-bba4-4576-b0a8-456619ca5a8c" providerId="ADAL" clId="{58424B7E-67A2-E24B-9516-C248AFA19009}" dt="2022-08-30T09:40:55.801" v="1443" actId="20577"/>
-          <ac:spMkLst>
-            <pc:docMk/>
-            <pc:sldMk cId="3018556184" sldId="259"/>
-            <ac:spMk id="2" creationId="{41268BF7-2F3B-A5C4-4F7E-1982399FCE62}"/>
-          </ac:spMkLst>
-        </pc:spChg>
-        <pc:spChg chg="mod">
-          <ac:chgData name="Riccardo Berta" userId="c8694f89-bba4-4576-b0a8-456619ca5a8c" providerId="ADAL" clId="{58424B7E-67A2-E24B-9516-C248AFA19009}" dt="2022-08-30T09:41:00.751" v="1457" actId="20577"/>
-          <ac:spMkLst>
-            <pc:docMk/>
-            <pc:sldMk cId="3018556184" sldId="259"/>
-            <ac:spMk id="3" creationId="{38BFAA1C-1163-169B-2D77-6FEF73CC8512}"/>
-          </ac:spMkLst>
-        </pc:spChg>
       </pc:sldChg>
       <pc:sldChg chg="del">
         <pc:chgData name="Riccardo Berta" userId="c8694f89-bba4-4576-b0a8-456619ca5a8c" providerId="ADAL" clId="{58424B7E-67A2-E24B-9516-C248AFA19009}" dt="2022-08-30T08:44:09.932" v="12" actId="2696"/>
@@ -979,46 +982,6 @@
           <pc:docMk/>
           <pc:sldMk cId="3692252167" sldId="260"/>
         </pc:sldMkLst>
-        <pc:spChg chg="mod">
-          <ac:chgData name="Riccardo Berta" userId="c8694f89-bba4-4576-b0a8-456619ca5a8c" providerId="ADAL" clId="{58424B7E-67A2-E24B-9516-C248AFA19009}" dt="2022-08-30T09:38:04.406" v="1411" actId="20577"/>
-          <ac:spMkLst>
-            <pc:docMk/>
-            <pc:sldMk cId="3692252167" sldId="260"/>
-            <ac:spMk id="83" creationId="{00000000-0000-0000-0000-000000000000}"/>
-          </ac:spMkLst>
-        </pc:spChg>
-        <pc:spChg chg="mod">
-          <ac:chgData name="Riccardo Berta" userId="c8694f89-bba4-4576-b0a8-456619ca5a8c" providerId="ADAL" clId="{58424B7E-67A2-E24B-9516-C248AFA19009}" dt="2022-08-30T09:04:35.320" v="520" actId="20577"/>
-          <ac:spMkLst>
-            <pc:docMk/>
-            <pc:sldMk cId="3692252167" sldId="260"/>
-            <ac:spMk id="84" creationId="{00000000-0000-0000-0000-000000000000}"/>
-          </ac:spMkLst>
-        </pc:spChg>
-        <pc:picChg chg="add mod">
-          <ac:chgData name="Riccardo Berta" userId="c8694f89-bba4-4576-b0a8-456619ca5a8c" providerId="ADAL" clId="{58424B7E-67A2-E24B-9516-C248AFA19009}" dt="2022-08-30T09:05:43.669" v="528" actId="1076"/>
-          <ac:picMkLst>
-            <pc:docMk/>
-            <pc:sldMk cId="3692252167" sldId="260"/>
-            <ac:picMk id="3" creationId="{26020D26-A3D1-87FF-6D23-30510A8347CA}"/>
-          </ac:picMkLst>
-        </pc:picChg>
-        <pc:picChg chg="add mod">
-          <ac:chgData name="Riccardo Berta" userId="c8694f89-bba4-4576-b0a8-456619ca5a8c" providerId="ADAL" clId="{58424B7E-67A2-E24B-9516-C248AFA19009}" dt="2022-08-30T09:05:45.736" v="529" actId="1076"/>
-          <ac:picMkLst>
-            <pc:docMk/>
-            <pc:sldMk cId="3692252167" sldId="260"/>
-            <ac:picMk id="5" creationId="{9FA419C2-E609-741E-D65C-C1D117A7308B}"/>
-          </ac:picMkLst>
-        </pc:picChg>
-        <pc:picChg chg="add mod">
-          <ac:chgData name="Riccardo Berta" userId="c8694f89-bba4-4576-b0a8-456619ca5a8c" providerId="ADAL" clId="{58424B7E-67A2-E24B-9516-C248AFA19009}" dt="2022-08-30T09:05:50.436" v="530" actId="1076"/>
-          <ac:picMkLst>
-            <pc:docMk/>
-            <pc:sldMk cId="3692252167" sldId="260"/>
-            <ac:picMk id="7" creationId="{3ECFDE7C-5996-8F77-AAD8-C21E11379B42}"/>
-          </ac:picMkLst>
-        </pc:picChg>
       </pc:sldChg>
       <pc:sldChg chg="addSp modSp add mod">
         <pc:chgData name="Riccardo Berta" userId="c8694f89-bba4-4576-b0a8-456619ca5a8c" providerId="ADAL" clId="{58424B7E-67A2-E24B-9516-C248AFA19009}" dt="2022-08-30T09:35:29.211" v="1307" actId="21"/>
@@ -1026,30 +989,6 @@
           <pc:docMk/>
           <pc:sldMk cId="846979211" sldId="261"/>
         </pc:sldMkLst>
-        <pc:spChg chg="mod">
-          <ac:chgData name="Riccardo Berta" userId="c8694f89-bba4-4576-b0a8-456619ca5a8c" providerId="ADAL" clId="{58424B7E-67A2-E24B-9516-C248AFA19009}" dt="2022-08-30T09:06:58.258" v="533" actId="20577"/>
-          <ac:spMkLst>
-            <pc:docMk/>
-            <pc:sldMk cId="846979211" sldId="261"/>
-            <ac:spMk id="83" creationId="{00000000-0000-0000-0000-000000000000}"/>
-          </ac:spMkLst>
-        </pc:spChg>
-        <pc:spChg chg="mod">
-          <ac:chgData name="Riccardo Berta" userId="c8694f89-bba4-4576-b0a8-456619ca5a8c" providerId="ADAL" clId="{58424B7E-67A2-E24B-9516-C248AFA19009}" dt="2022-08-30T09:35:29.211" v="1307" actId="21"/>
-          <ac:spMkLst>
-            <pc:docMk/>
-            <pc:sldMk cId="846979211" sldId="261"/>
-            <ac:spMk id="84" creationId="{00000000-0000-0000-0000-000000000000}"/>
-          </ac:spMkLst>
-        </pc:spChg>
-        <pc:picChg chg="add mod">
-          <ac:chgData name="Riccardo Berta" userId="c8694f89-bba4-4576-b0a8-456619ca5a8c" providerId="ADAL" clId="{58424B7E-67A2-E24B-9516-C248AFA19009}" dt="2022-08-30T09:08:52.432" v="561" actId="1076"/>
-          <ac:picMkLst>
-            <pc:docMk/>
-            <pc:sldMk cId="846979211" sldId="261"/>
-            <ac:picMk id="3" creationId="{ABE3CA87-0B25-2C79-A596-21112343DAEC}"/>
-          </ac:picMkLst>
-        </pc:picChg>
       </pc:sldChg>
       <pc:sldChg chg="modSp add mod">
         <pc:chgData name="Riccardo Berta" userId="c8694f89-bba4-4576-b0a8-456619ca5a8c" providerId="ADAL" clId="{58424B7E-67A2-E24B-9516-C248AFA19009}" dt="2022-08-30T09:19:27.119" v="830" actId="20577"/>
@@ -1057,22 +996,6 @@
           <pc:docMk/>
           <pc:sldMk cId="447929702" sldId="262"/>
         </pc:sldMkLst>
-        <pc:spChg chg="mod">
-          <ac:chgData name="Riccardo Berta" userId="c8694f89-bba4-4576-b0a8-456619ca5a8c" providerId="ADAL" clId="{58424B7E-67A2-E24B-9516-C248AFA19009}" dt="2022-08-30T09:09:40.371" v="566" actId="20577"/>
-          <ac:spMkLst>
-            <pc:docMk/>
-            <pc:sldMk cId="447929702" sldId="262"/>
-            <ac:spMk id="83" creationId="{00000000-0000-0000-0000-000000000000}"/>
-          </ac:spMkLst>
-        </pc:spChg>
-        <pc:spChg chg="mod">
-          <ac:chgData name="Riccardo Berta" userId="c8694f89-bba4-4576-b0a8-456619ca5a8c" providerId="ADAL" clId="{58424B7E-67A2-E24B-9516-C248AFA19009}" dt="2022-08-30T09:19:27.119" v="830" actId="20577"/>
-          <ac:spMkLst>
-            <pc:docMk/>
-            <pc:sldMk cId="447929702" sldId="262"/>
-            <ac:spMk id="84" creationId="{00000000-0000-0000-0000-000000000000}"/>
-          </ac:spMkLst>
-        </pc:spChg>
       </pc:sldChg>
       <pc:sldChg chg="addSp modSp add mod ord">
         <pc:chgData name="Riccardo Berta" userId="c8694f89-bba4-4576-b0a8-456619ca5a8c" providerId="ADAL" clId="{58424B7E-67A2-E24B-9516-C248AFA19009}" dt="2022-08-30T09:40:40.663" v="1434" actId="20578"/>
@@ -1080,62 +1003,6 @@
           <pc:docMk/>
           <pc:sldMk cId="11402927" sldId="263"/>
         </pc:sldMkLst>
-        <pc:spChg chg="mod">
-          <ac:chgData name="Riccardo Berta" userId="c8694f89-bba4-4576-b0a8-456619ca5a8c" providerId="ADAL" clId="{58424B7E-67A2-E24B-9516-C248AFA19009}" dt="2022-08-30T09:26:18.243" v="1009" actId="20577"/>
-          <ac:spMkLst>
-            <pc:docMk/>
-            <pc:sldMk cId="11402927" sldId="263"/>
-            <ac:spMk id="83" creationId="{00000000-0000-0000-0000-000000000000}"/>
-          </ac:spMkLst>
-        </pc:spChg>
-        <pc:spChg chg="mod">
-          <ac:chgData name="Riccardo Berta" userId="c8694f89-bba4-4576-b0a8-456619ca5a8c" providerId="ADAL" clId="{58424B7E-67A2-E24B-9516-C248AFA19009}" dt="2022-08-30T09:32:06.516" v="1199" actId="404"/>
-          <ac:spMkLst>
-            <pc:docMk/>
-            <pc:sldMk cId="11402927" sldId="263"/>
-            <ac:spMk id="84" creationId="{00000000-0000-0000-0000-000000000000}"/>
-          </ac:spMkLst>
-        </pc:spChg>
-        <pc:picChg chg="add mod">
-          <ac:chgData name="Riccardo Berta" userId="c8694f89-bba4-4576-b0a8-456619ca5a8c" providerId="ADAL" clId="{58424B7E-67A2-E24B-9516-C248AFA19009}" dt="2022-08-30T09:29:03.309" v="1117" actId="1076"/>
-          <ac:picMkLst>
-            <pc:docMk/>
-            <pc:sldMk cId="11402927" sldId="263"/>
-            <ac:picMk id="3" creationId="{F3D401DB-61B8-1C3E-9105-7EC9ACE0FC92}"/>
-          </ac:picMkLst>
-        </pc:picChg>
-        <pc:picChg chg="add mod">
-          <ac:chgData name="Riccardo Berta" userId="c8694f89-bba4-4576-b0a8-456619ca5a8c" providerId="ADAL" clId="{58424B7E-67A2-E24B-9516-C248AFA19009}" dt="2022-08-30T09:32:36.205" v="1204" actId="1076"/>
-          <ac:picMkLst>
-            <pc:docMk/>
-            <pc:sldMk cId="11402927" sldId="263"/>
-            <ac:picMk id="5" creationId="{5D828C5A-E211-5917-F0A3-478949F392AF}"/>
-          </ac:picMkLst>
-        </pc:picChg>
-        <pc:picChg chg="add mod">
-          <ac:chgData name="Riccardo Berta" userId="c8694f89-bba4-4576-b0a8-456619ca5a8c" providerId="ADAL" clId="{58424B7E-67A2-E24B-9516-C248AFA19009}" dt="2022-08-30T09:32:25.306" v="1202" actId="1076"/>
-          <ac:picMkLst>
-            <pc:docMk/>
-            <pc:sldMk cId="11402927" sldId="263"/>
-            <ac:picMk id="7" creationId="{0C7BE3E7-6868-19EE-3253-53A71F868074}"/>
-          </ac:picMkLst>
-        </pc:picChg>
-        <pc:picChg chg="add mod">
-          <ac:chgData name="Riccardo Berta" userId="c8694f89-bba4-4576-b0a8-456619ca5a8c" providerId="ADAL" clId="{58424B7E-67A2-E24B-9516-C248AFA19009}" dt="2022-08-30T09:32:20.372" v="1201" actId="1076"/>
-          <ac:picMkLst>
-            <pc:docMk/>
-            <pc:sldMk cId="11402927" sldId="263"/>
-            <ac:picMk id="9" creationId="{4FF45D8D-E910-4192-97BD-DEBE87AA0D7F}"/>
-          </ac:picMkLst>
-        </pc:picChg>
-        <pc:picChg chg="add mod">
-          <ac:chgData name="Riccardo Berta" userId="c8694f89-bba4-4576-b0a8-456619ca5a8c" providerId="ADAL" clId="{58424B7E-67A2-E24B-9516-C248AFA19009}" dt="2022-08-30T09:32:16.472" v="1200" actId="1076"/>
-          <ac:picMkLst>
-            <pc:docMk/>
-            <pc:sldMk cId="11402927" sldId="263"/>
-            <ac:picMk id="11" creationId="{85A08A20-9095-CFB9-3040-825FE39CFB8A}"/>
-          </ac:picMkLst>
-        </pc:picChg>
       </pc:sldChg>
       <pc:sldChg chg="del">
         <pc:chgData name="Riccardo Berta" userId="c8694f89-bba4-4576-b0a8-456619ca5a8c" providerId="ADAL" clId="{58424B7E-67A2-E24B-9516-C248AFA19009}" dt="2022-08-30T08:44:10.781" v="14" actId="2696"/>
@@ -1150,22 +1017,6 @@
           <pc:docMk/>
           <pc:sldMk cId="2794482370" sldId="264"/>
         </pc:sldMkLst>
-        <pc:spChg chg="mod">
-          <ac:chgData name="Riccardo Berta" userId="c8694f89-bba4-4576-b0a8-456619ca5a8c" providerId="ADAL" clId="{58424B7E-67A2-E24B-9516-C248AFA19009}" dt="2022-08-30T09:35:37.505" v="1317" actId="20577"/>
-          <ac:spMkLst>
-            <pc:docMk/>
-            <pc:sldMk cId="2794482370" sldId="264"/>
-            <ac:spMk id="83" creationId="{00000000-0000-0000-0000-000000000000}"/>
-          </ac:spMkLst>
-        </pc:spChg>
-        <pc:spChg chg="mod">
-          <ac:chgData name="Riccardo Berta" userId="c8694f89-bba4-4576-b0a8-456619ca5a8c" providerId="ADAL" clId="{58424B7E-67A2-E24B-9516-C248AFA19009}" dt="2022-08-30T09:37:23.887" v="1369" actId="20577"/>
-          <ac:spMkLst>
-            <pc:docMk/>
-            <pc:sldMk cId="2794482370" sldId="264"/>
-            <ac:spMk id="84" creationId="{00000000-0000-0000-0000-000000000000}"/>
-          </ac:spMkLst>
-        </pc:spChg>
       </pc:sldChg>
       <pc:sldChg chg="del">
         <pc:chgData name="Riccardo Berta" userId="c8694f89-bba4-4576-b0a8-456619ca5a8c" providerId="ADAL" clId="{58424B7E-67A2-E24B-9516-C248AFA19009}" dt="2022-08-30T08:44:11.185" v="15" actId="2696"/>
@@ -1313,1010 +1164,8 @@
             <pc:sldMasterMk cId="0" sldId="2147483659"/>
             <pc:sldLayoutMk cId="0" sldId="2147483650"/>
           </pc:sldLayoutMkLst>
-          <pc:spChg chg="mod">
-            <ac:chgData name="Riccardo Berta" userId="c8694f89-bba4-4576-b0a8-456619ca5a8c" providerId="ADAL" clId="{58424B7E-67A2-E24B-9516-C248AFA19009}" dt="2022-08-30T08:51:17.059" v="152" actId="948"/>
-            <ac:spMkLst>
-              <pc:docMk/>
-              <pc:sldMasterMk cId="0" sldId="2147483659"/>
-              <pc:sldLayoutMk cId="0" sldId="2147483650"/>
-              <ac:spMk id="23" creationId="{00000000-0000-0000-0000-000000000000}"/>
-            </ac:spMkLst>
-          </pc:spChg>
         </pc:sldLayoutChg>
       </pc:sldMasterChg>
-    </pc:docChg>
-  </pc:docChgLst>
-  <pc:docChgLst>
-    <pc:chgData name="Riccardo Berta" userId="c8694f89-bba4-4576-b0a8-456619ca5a8c" providerId="ADAL" clId="{F4AAAA8C-1CB2-214C-996A-F15BCA6CB64E}"/>
-    <pc:docChg chg="undo custSel addSld delSld modSld">
-      <pc:chgData name="Riccardo Berta" userId="c8694f89-bba4-4576-b0a8-456619ca5a8c" providerId="ADAL" clId="{F4AAAA8C-1CB2-214C-996A-F15BCA6CB64E}" dt="2022-07-29T16:21:50.628" v="2975" actId="1076"/>
-      <pc:docMkLst>
-        <pc:docMk/>
-      </pc:docMkLst>
-      <pc:sldChg chg="modSp mod">
-        <pc:chgData name="Riccardo Berta" userId="c8694f89-bba4-4576-b0a8-456619ca5a8c" providerId="ADAL" clId="{F4AAAA8C-1CB2-214C-996A-F15BCA6CB64E}" dt="2022-07-27T13:37:29.445" v="2" actId="20577"/>
-        <pc:sldMkLst>
-          <pc:docMk/>
-          <pc:sldMk cId="0" sldId="256"/>
-        </pc:sldMkLst>
-        <pc:spChg chg="mod">
-          <ac:chgData name="Riccardo Berta" userId="c8694f89-bba4-4576-b0a8-456619ca5a8c" providerId="ADAL" clId="{F4AAAA8C-1CB2-214C-996A-F15BCA6CB64E}" dt="2022-07-27T13:37:29.445" v="2" actId="20577"/>
-          <ac:spMkLst>
-            <pc:docMk/>
-            <pc:sldMk cId="0" sldId="256"/>
-            <ac:spMk id="62" creationId="{00000000-0000-0000-0000-000000000000}"/>
-          </ac:spMkLst>
-        </pc:spChg>
-      </pc:sldChg>
-      <pc:sldChg chg="addSp modSp mod">
-        <pc:chgData name="Riccardo Berta" userId="c8694f89-bba4-4576-b0a8-456619ca5a8c" providerId="ADAL" clId="{F4AAAA8C-1CB2-214C-996A-F15BCA6CB64E}" dt="2022-07-27T13:43:23.760" v="162" actId="20577"/>
-        <pc:sldMkLst>
-          <pc:docMk/>
-          <pc:sldMk cId="0" sldId="257"/>
-        </pc:sldMkLst>
-        <pc:spChg chg="mod">
-          <ac:chgData name="Riccardo Berta" userId="c8694f89-bba4-4576-b0a8-456619ca5a8c" providerId="ADAL" clId="{F4AAAA8C-1CB2-214C-996A-F15BCA6CB64E}" dt="2022-07-27T13:38:19.538" v="24" actId="20577"/>
-          <ac:spMkLst>
-            <pc:docMk/>
-            <pc:sldMk cId="0" sldId="257"/>
-            <ac:spMk id="83" creationId="{00000000-0000-0000-0000-000000000000}"/>
-          </ac:spMkLst>
-        </pc:spChg>
-        <pc:spChg chg="mod">
-          <ac:chgData name="Riccardo Berta" userId="c8694f89-bba4-4576-b0a8-456619ca5a8c" providerId="ADAL" clId="{F4AAAA8C-1CB2-214C-996A-F15BCA6CB64E}" dt="2022-07-27T13:43:23.760" v="162" actId="20577"/>
-          <ac:spMkLst>
-            <pc:docMk/>
-            <pc:sldMk cId="0" sldId="257"/>
-            <ac:spMk id="84" creationId="{00000000-0000-0000-0000-000000000000}"/>
-          </ac:spMkLst>
-        </pc:spChg>
-        <pc:picChg chg="add mod">
-          <ac:chgData name="Riccardo Berta" userId="c8694f89-bba4-4576-b0a8-456619ca5a8c" providerId="ADAL" clId="{F4AAAA8C-1CB2-214C-996A-F15BCA6CB64E}" dt="2022-07-27T13:43:02.813" v="153" actId="1076"/>
-          <ac:picMkLst>
-            <pc:docMk/>
-            <pc:sldMk cId="0" sldId="257"/>
-            <ac:picMk id="3" creationId="{E337B85C-FAA8-CC41-92F2-13E0228E3B65}"/>
-          </ac:picMkLst>
-        </pc:picChg>
-      </pc:sldChg>
-      <pc:sldChg chg="modSp del">
-        <pc:chgData name="Riccardo Berta" userId="c8694f89-bba4-4576-b0a8-456619ca5a8c" providerId="ADAL" clId="{F4AAAA8C-1CB2-214C-996A-F15BCA6CB64E}" dt="2022-07-27T13:43:43.714" v="164" actId="2696"/>
-        <pc:sldMkLst>
-          <pc:docMk/>
-          <pc:sldMk cId="1899110855" sldId="258"/>
-        </pc:sldMkLst>
-        <pc:spChg chg="mod">
-          <ac:chgData name="Riccardo Berta" userId="c8694f89-bba4-4576-b0a8-456619ca5a8c" providerId="ADAL" clId="{F4AAAA8C-1CB2-214C-996A-F15BCA6CB64E}" dt="2022-07-27T13:43:40.189" v="163"/>
-          <ac:spMkLst>
-            <pc:docMk/>
-            <pc:sldMk cId="1899110855" sldId="258"/>
-            <ac:spMk id="2" creationId="{9A367158-2E24-E90C-7ECC-502AB323ED05}"/>
-          </ac:spMkLst>
-        </pc:spChg>
-      </pc:sldChg>
-      <pc:sldChg chg="addSp delSp modSp mod">
-        <pc:chgData name="Riccardo Berta" userId="c8694f89-bba4-4576-b0a8-456619ca5a8c" providerId="ADAL" clId="{F4AAAA8C-1CB2-214C-996A-F15BCA6CB64E}" dt="2022-07-29T16:13:43.411" v="2890" actId="20577"/>
-        <pc:sldMkLst>
-          <pc:docMk/>
-          <pc:sldMk cId="3018556184" sldId="259"/>
-        </pc:sldMkLst>
-        <pc:spChg chg="mod">
-          <ac:chgData name="Riccardo Berta" userId="c8694f89-bba4-4576-b0a8-456619ca5a8c" providerId="ADAL" clId="{F4AAAA8C-1CB2-214C-996A-F15BCA6CB64E}" dt="2022-07-29T16:13:43.411" v="2890" actId="20577"/>
-          <ac:spMkLst>
-            <pc:docMk/>
-            <pc:sldMk cId="3018556184" sldId="259"/>
-            <ac:spMk id="3" creationId="{38BFAA1C-1163-169B-2D77-6FEF73CC8512}"/>
-          </ac:spMkLst>
-        </pc:spChg>
-        <pc:picChg chg="add del mod">
-          <ac:chgData name="Riccardo Berta" userId="c8694f89-bba4-4576-b0a8-456619ca5a8c" providerId="ADAL" clId="{F4AAAA8C-1CB2-214C-996A-F15BCA6CB64E}" dt="2022-07-29T07:13:37.040" v="2021" actId="21"/>
-          <ac:picMkLst>
-            <pc:docMk/>
-            <pc:sldMk cId="3018556184" sldId="259"/>
-            <ac:picMk id="5" creationId="{3D57D188-F23C-A5F1-8770-234AC5C0F8CD}"/>
-          </ac:picMkLst>
-        </pc:picChg>
-      </pc:sldChg>
-      <pc:sldChg chg="del">
-        <pc:chgData name="Riccardo Berta" userId="c8694f89-bba4-4576-b0a8-456619ca5a8c" providerId="ADAL" clId="{F4AAAA8C-1CB2-214C-996A-F15BCA6CB64E}" dt="2022-07-27T13:43:45.045" v="165" actId="2696"/>
-        <pc:sldMkLst>
-          <pc:docMk/>
-          <pc:sldMk cId="1104208334" sldId="260"/>
-        </pc:sldMkLst>
-      </pc:sldChg>
-      <pc:sldChg chg="addSp delSp modSp add mod">
-        <pc:chgData name="Riccardo Berta" userId="c8694f89-bba4-4576-b0a8-456619ca5a8c" providerId="ADAL" clId="{F4AAAA8C-1CB2-214C-996A-F15BCA6CB64E}" dt="2022-07-28T05:47:21.216" v="337" actId="1076"/>
-        <pc:sldMkLst>
-          <pc:docMk/>
-          <pc:sldMk cId="2119751735" sldId="260"/>
-        </pc:sldMkLst>
-        <pc:spChg chg="mod">
-          <ac:chgData name="Riccardo Berta" userId="c8694f89-bba4-4576-b0a8-456619ca5a8c" providerId="ADAL" clId="{F4AAAA8C-1CB2-214C-996A-F15BCA6CB64E}" dt="2022-07-27T13:45:31.917" v="177" actId="20577"/>
-          <ac:spMkLst>
-            <pc:docMk/>
-            <pc:sldMk cId="2119751735" sldId="260"/>
-            <ac:spMk id="83" creationId="{00000000-0000-0000-0000-000000000000}"/>
-          </ac:spMkLst>
-        </pc:spChg>
-        <pc:spChg chg="mod">
-          <ac:chgData name="Riccardo Berta" userId="c8694f89-bba4-4576-b0a8-456619ca5a8c" providerId="ADAL" clId="{F4AAAA8C-1CB2-214C-996A-F15BCA6CB64E}" dt="2022-07-28T05:46:51.692" v="332" actId="20577"/>
-          <ac:spMkLst>
-            <pc:docMk/>
-            <pc:sldMk cId="2119751735" sldId="260"/>
-            <ac:spMk id="84" creationId="{00000000-0000-0000-0000-000000000000}"/>
-          </ac:spMkLst>
-        </pc:spChg>
-        <pc:grpChg chg="add mod">
-          <ac:chgData name="Riccardo Berta" userId="c8694f89-bba4-4576-b0a8-456619ca5a8c" providerId="ADAL" clId="{F4AAAA8C-1CB2-214C-996A-F15BCA6CB64E}" dt="2022-07-28T05:47:21.216" v="337" actId="1076"/>
-          <ac:grpSpMkLst>
-            <pc:docMk/>
-            <pc:sldMk cId="2119751735" sldId="260"/>
-            <ac:grpSpMk id="7" creationId="{489CA0CE-5F21-4BF4-5B0C-E98A8FC5FDD8}"/>
-          </ac:grpSpMkLst>
-        </pc:grpChg>
-        <pc:picChg chg="del">
-          <ac:chgData name="Riccardo Berta" userId="c8694f89-bba4-4576-b0a8-456619ca5a8c" providerId="ADAL" clId="{F4AAAA8C-1CB2-214C-996A-F15BCA6CB64E}" dt="2022-07-27T13:45:46.742" v="181" actId="478"/>
-          <ac:picMkLst>
-            <pc:docMk/>
-            <pc:sldMk cId="2119751735" sldId="260"/>
-            <ac:picMk id="3" creationId="{E337B85C-FAA8-CC41-92F2-13E0228E3B65}"/>
-          </ac:picMkLst>
-        </pc:picChg>
-        <pc:picChg chg="add mod">
-          <ac:chgData name="Riccardo Berta" userId="c8694f89-bba4-4576-b0a8-456619ca5a8c" providerId="ADAL" clId="{F4AAAA8C-1CB2-214C-996A-F15BCA6CB64E}" dt="2022-07-28T05:45:35.354" v="315" actId="164"/>
-          <ac:picMkLst>
-            <pc:docMk/>
-            <pc:sldMk cId="2119751735" sldId="260"/>
-            <ac:picMk id="4" creationId="{BEB555A5-8E8F-EF63-4BD5-BDB8C5B0448C}"/>
-          </ac:picMkLst>
-        </pc:picChg>
-        <pc:picChg chg="add mod">
-          <ac:chgData name="Riccardo Berta" userId="c8694f89-bba4-4576-b0a8-456619ca5a8c" providerId="ADAL" clId="{F4AAAA8C-1CB2-214C-996A-F15BCA6CB64E}" dt="2022-07-28T05:45:35.354" v="315" actId="164"/>
-          <ac:picMkLst>
-            <pc:docMk/>
-            <pc:sldMk cId="2119751735" sldId="260"/>
-            <ac:picMk id="6" creationId="{177C8D6D-02B1-C754-62AE-4DE123A1F0A3}"/>
-          </ac:picMkLst>
-        </pc:picChg>
-        <pc:picChg chg="add mod">
-          <ac:chgData name="Riccardo Berta" userId="c8694f89-bba4-4576-b0a8-456619ca5a8c" providerId="ADAL" clId="{F4AAAA8C-1CB2-214C-996A-F15BCA6CB64E}" dt="2022-07-28T05:47:04.885" v="335" actId="167"/>
-          <ac:picMkLst>
-            <pc:docMk/>
-            <pc:sldMk cId="2119751735" sldId="260"/>
-            <ac:picMk id="9" creationId="{B47B7D50-84FB-AA7F-8A99-66D4AF7E0E9D}"/>
-          </ac:picMkLst>
-        </pc:picChg>
-      </pc:sldChg>
-      <pc:sldChg chg="del">
-        <pc:chgData name="Riccardo Berta" userId="c8694f89-bba4-4576-b0a8-456619ca5a8c" providerId="ADAL" clId="{F4AAAA8C-1CB2-214C-996A-F15BCA6CB64E}" dt="2022-07-27T13:43:46.058" v="166" actId="2696"/>
-        <pc:sldMkLst>
-          <pc:docMk/>
-          <pc:sldMk cId="1290395919" sldId="261"/>
-        </pc:sldMkLst>
-      </pc:sldChg>
-      <pc:sldChg chg="delSp modSp add mod">
-        <pc:chgData name="Riccardo Berta" userId="c8694f89-bba4-4576-b0a8-456619ca5a8c" providerId="ADAL" clId="{F4AAAA8C-1CB2-214C-996A-F15BCA6CB64E}" dt="2022-07-28T06:08:36.900" v="979" actId="20577"/>
-        <pc:sldMkLst>
-          <pc:docMk/>
-          <pc:sldMk cId="2389937581" sldId="261"/>
-        </pc:sldMkLst>
-        <pc:spChg chg="mod">
-          <ac:chgData name="Riccardo Berta" userId="c8694f89-bba4-4576-b0a8-456619ca5a8c" providerId="ADAL" clId="{F4AAAA8C-1CB2-214C-996A-F15BCA6CB64E}" dt="2022-07-28T05:48:31.210" v="384" actId="20577"/>
-          <ac:spMkLst>
-            <pc:docMk/>
-            <pc:sldMk cId="2389937581" sldId="261"/>
-            <ac:spMk id="83" creationId="{00000000-0000-0000-0000-000000000000}"/>
-          </ac:spMkLst>
-        </pc:spChg>
-        <pc:spChg chg="mod">
-          <ac:chgData name="Riccardo Berta" userId="c8694f89-bba4-4576-b0a8-456619ca5a8c" providerId="ADAL" clId="{F4AAAA8C-1CB2-214C-996A-F15BCA6CB64E}" dt="2022-07-28T06:08:36.900" v="979" actId="20577"/>
-          <ac:spMkLst>
-            <pc:docMk/>
-            <pc:sldMk cId="2389937581" sldId="261"/>
-            <ac:spMk id="84" creationId="{00000000-0000-0000-0000-000000000000}"/>
-          </ac:spMkLst>
-        </pc:spChg>
-        <pc:picChg chg="del">
-          <ac:chgData name="Riccardo Berta" userId="c8694f89-bba4-4576-b0a8-456619ca5a8c" providerId="ADAL" clId="{F4AAAA8C-1CB2-214C-996A-F15BCA6CB64E}" dt="2022-07-28T05:48:38.627" v="386" actId="478"/>
-          <ac:picMkLst>
-            <pc:docMk/>
-            <pc:sldMk cId="2389937581" sldId="261"/>
-            <ac:picMk id="3" creationId="{E337B85C-FAA8-CC41-92F2-13E0228E3B65}"/>
-          </ac:picMkLst>
-        </pc:picChg>
-      </pc:sldChg>
-      <pc:sldChg chg="addSp delSp modSp add mod">
-        <pc:chgData name="Riccardo Berta" userId="c8694f89-bba4-4576-b0a8-456619ca5a8c" providerId="ADAL" clId="{F4AAAA8C-1CB2-214C-996A-F15BCA6CB64E}" dt="2022-07-28T06:20:33.799" v="1324" actId="58"/>
-        <pc:sldMkLst>
-          <pc:docMk/>
-          <pc:sldMk cId="1270389364" sldId="262"/>
-        </pc:sldMkLst>
-        <pc:spChg chg="mod">
-          <ac:chgData name="Riccardo Berta" userId="c8694f89-bba4-4576-b0a8-456619ca5a8c" providerId="ADAL" clId="{F4AAAA8C-1CB2-214C-996A-F15BCA6CB64E}" dt="2022-07-28T06:09:05.210" v="991" actId="20577"/>
-          <ac:spMkLst>
-            <pc:docMk/>
-            <pc:sldMk cId="1270389364" sldId="262"/>
-            <ac:spMk id="83" creationId="{00000000-0000-0000-0000-000000000000}"/>
-          </ac:spMkLst>
-        </pc:spChg>
-        <pc:spChg chg="mod">
-          <ac:chgData name="Riccardo Berta" userId="c8694f89-bba4-4576-b0a8-456619ca5a8c" providerId="ADAL" clId="{F4AAAA8C-1CB2-214C-996A-F15BCA6CB64E}" dt="2022-07-28T06:20:33.799" v="1324" actId="58"/>
-          <ac:spMkLst>
-            <pc:docMk/>
-            <pc:sldMk cId="1270389364" sldId="262"/>
-            <ac:spMk id="84" creationId="{00000000-0000-0000-0000-000000000000}"/>
-          </ac:spMkLst>
-        </pc:spChg>
-        <pc:picChg chg="del">
-          <ac:chgData name="Riccardo Berta" userId="c8694f89-bba4-4576-b0a8-456619ca5a8c" providerId="ADAL" clId="{F4AAAA8C-1CB2-214C-996A-F15BCA6CB64E}" dt="2022-07-28T06:09:15.678" v="996" actId="478"/>
-          <ac:picMkLst>
-            <pc:docMk/>
-            <pc:sldMk cId="1270389364" sldId="262"/>
-            <ac:picMk id="3" creationId="{E337B85C-FAA8-CC41-92F2-13E0228E3B65}"/>
-          </ac:picMkLst>
-        </pc:picChg>
-        <pc:picChg chg="add mod">
-          <ac:chgData name="Riccardo Berta" userId="c8694f89-bba4-4576-b0a8-456619ca5a8c" providerId="ADAL" clId="{F4AAAA8C-1CB2-214C-996A-F15BCA6CB64E}" dt="2022-07-28T06:17:50.208" v="1230" actId="1036"/>
-          <ac:picMkLst>
-            <pc:docMk/>
-            <pc:sldMk cId="1270389364" sldId="262"/>
-            <ac:picMk id="4" creationId="{AB9A4B8B-5326-C7E4-06B6-378D995D5B26}"/>
-          </ac:picMkLst>
-        </pc:picChg>
-      </pc:sldChg>
-      <pc:sldChg chg="del">
-        <pc:chgData name="Riccardo Berta" userId="c8694f89-bba4-4576-b0a8-456619ca5a8c" providerId="ADAL" clId="{F4AAAA8C-1CB2-214C-996A-F15BCA6CB64E}" dt="2022-07-27T13:43:47.251" v="167" actId="2696"/>
-        <pc:sldMkLst>
-          <pc:docMk/>
-          <pc:sldMk cId="4130549615" sldId="262"/>
-        </pc:sldMkLst>
-      </pc:sldChg>
-      <pc:sldChg chg="modSp add mod">
-        <pc:chgData name="Riccardo Berta" userId="c8694f89-bba4-4576-b0a8-456619ca5a8c" providerId="ADAL" clId="{F4AAAA8C-1CB2-214C-996A-F15BCA6CB64E}" dt="2022-07-29T07:18:15.970" v="2126" actId="1076"/>
-        <pc:sldMkLst>
-          <pc:docMk/>
-          <pc:sldMk cId="2644872656" sldId="263"/>
-        </pc:sldMkLst>
-        <pc:spChg chg="mod">
-          <ac:chgData name="Riccardo Berta" userId="c8694f89-bba4-4576-b0a8-456619ca5a8c" providerId="ADAL" clId="{F4AAAA8C-1CB2-214C-996A-F15BCA6CB64E}" dt="2022-07-28T13:41:46.191" v="1354" actId="20577"/>
-          <ac:spMkLst>
-            <pc:docMk/>
-            <pc:sldMk cId="2644872656" sldId="263"/>
-            <ac:spMk id="83" creationId="{00000000-0000-0000-0000-000000000000}"/>
-          </ac:spMkLst>
-        </pc:spChg>
-        <pc:spChg chg="mod">
-          <ac:chgData name="Riccardo Berta" userId="c8694f89-bba4-4576-b0a8-456619ca5a8c" providerId="ADAL" clId="{F4AAAA8C-1CB2-214C-996A-F15BCA6CB64E}" dt="2022-07-29T07:18:15.970" v="2126" actId="1076"/>
-          <ac:spMkLst>
-            <pc:docMk/>
-            <pc:sldMk cId="2644872656" sldId="263"/>
-            <ac:spMk id="84" creationId="{00000000-0000-0000-0000-000000000000}"/>
-          </ac:spMkLst>
-        </pc:spChg>
-      </pc:sldChg>
-      <pc:sldChg chg="del">
-        <pc:chgData name="Riccardo Berta" userId="c8694f89-bba4-4576-b0a8-456619ca5a8c" providerId="ADAL" clId="{F4AAAA8C-1CB2-214C-996A-F15BCA6CB64E}" dt="2022-07-27T13:43:48.139" v="168" actId="2696"/>
-        <pc:sldMkLst>
-          <pc:docMk/>
-          <pc:sldMk cId="3102138681" sldId="263"/>
-        </pc:sldMkLst>
-      </pc:sldChg>
-      <pc:sldChg chg="modSp add mod">
-        <pc:chgData name="Riccardo Berta" userId="c8694f89-bba4-4576-b0a8-456619ca5a8c" providerId="ADAL" clId="{F4AAAA8C-1CB2-214C-996A-F15BCA6CB64E}" dt="2022-07-28T13:59:43.403" v="1794" actId="20577"/>
-        <pc:sldMkLst>
-          <pc:docMk/>
-          <pc:sldMk cId="1681389695" sldId="264"/>
-        </pc:sldMkLst>
-        <pc:spChg chg="mod">
-          <ac:chgData name="Riccardo Berta" userId="c8694f89-bba4-4576-b0a8-456619ca5a8c" providerId="ADAL" clId="{F4AAAA8C-1CB2-214C-996A-F15BCA6CB64E}" dt="2022-07-28T13:55:27.771" v="1667" actId="20577"/>
-          <ac:spMkLst>
-            <pc:docMk/>
-            <pc:sldMk cId="1681389695" sldId="264"/>
-            <ac:spMk id="83" creationId="{00000000-0000-0000-0000-000000000000}"/>
-          </ac:spMkLst>
-        </pc:spChg>
-        <pc:spChg chg="mod">
-          <ac:chgData name="Riccardo Berta" userId="c8694f89-bba4-4576-b0a8-456619ca5a8c" providerId="ADAL" clId="{F4AAAA8C-1CB2-214C-996A-F15BCA6CB64E}" dt="2022-07-28T13:59:43.403" v="1794" actId="20577"/>
-          <ac:spMkLst>
-            <pc:docMk/>
-            <pc:sldMk cId="1681389695" sldId="264"/>
-            <ac:spMk id="84" creationId="{00000000-0000-0000-0000-000000000000}"/>
-          </ac:spMkLst>
-        </pc:spChg>
-      </pc:sldChg>
-      <pc:sldChg chg="del">
-        <pc:chgData name="Riccardo Berta" userId="c8694f89-bba4-4576-b0a8-456619ca5a8c" providerId="ADAL" clId="{F4AAAA8C-1CB2-214C-996A-F15BCA6CB64E}" dt="2022-07-27T13:43:49.652" v="169" actId="2696"/>
-        <pc:sldMkLst>
-          <pc:docMk/>
-          <pc:sldMk cId="2113557187" sldId="264"/>
-        </pc:sldMkLst>
-      </pc:sldChg>
-      <pc:sldChg chg="del">
-        <pc:chgData name="Riccardo Berta" userId="c8694f89-bba4-4576-b0a8-456619ca5a8c" providerId="ADAL" clId="{F4AAAA8C-1CB2-214C-996A-F15BCA6CB64E}" dt="2022-07-27T13:43:57.658" v="170" actId="2696"/>
-        <pc:sldMkLst>
-          <pc:docMk/>
-          <pc:sldMk cId="2045385232" sldId="265"/>
-        </pc:sldMkLst>
-      </pc:sldChg>
-      <pc:sldChg chg="addSp modSp add mod">
-        <pc:chgData name="Riccardo Berta" userId="c8694f89-bba4-4576-b0a8-456619ca5a8c" providerId="ADAL" clId="{F4AAAA8C-1CB2-214C-996A-F15BCA6CB64E}" dt="2022-07-29T07:15:19.612" v="2059" actId="1037"/>
-        <pc:sldMkLst>
-          <pc:docMk/>
-          <pc:sldMk cId="2862573505" sldId="265"/>
-        </pc:sldMkLst>
-        <pc:spChg chg="mod">
-          <ac:chgData name="Riccardo Berta" userId="c8694f89-bba4-4576-b0a8-456619ca5a8c" providerId="ADAL" clId="{F4AAAA8C-1CB2-214C-996A-F15BCA6CB64E}" dt="2022-07-28T14:01:34.242" v="1824" actId="20577"/>
-          <ac:spMkLst>
-            <pc:docMk/>
-            <pc:sldMk cId="2862573505" sldId="265"/>
-            <ac:spMk id="83" creationId="{00000000-0000-0000-0000-000000000000}"/>
-          </ac:spMkLst>
-        </pc:spChg>
-        <pc:spChg chg="mod">
-          <ac:chgData name="Riccardo Berta" userId="c8694f89-bba4-4576-b0a8-456619ca5a8c" providerId="ADAL" clId="{F4AAAA8C-1CB2-214C-996A-F15BCA6CB64E}" dt="2022-07-29T07:14:51.920" v="2043" actId="1076"/>
-          <ac:spMkLst>
-            <pc:docMk/>
-            <pc:sldMk cId="2862573505" sldId="265"/>
-            <ac:spMk id="84" creationId="{00000000-0000-0000-0000-000000000000}"/>
-          </ac:spMkLst>
-        </pc:spChg>
-        <pc:picChg chg="add mod">
-          <ac:chgData name="Riccardo Berta" userId="c8694f89-bba4-4576-b0a8-456619ca5a8c" providerId="ADAL" clId="{F4AAAA8C-1CB2-214C-996A-F15BCA6CB64E}" dt="2022-07-29T07:14:07.899" v="2027" actId="1076"/>
-          <ac:picMkLst>
-            <pc:docMk/>
-            <pc:sldMk cId="2862573505" sldId="265"/>
-            <ac:picMk id="3" creationId="{E5BCAA50-F768-A24F-D65F-DC7B97A8A06C}"/>
-          </ac:picMkLst>
-        </pc:picChg>
-        <pc:picChg chg="add mod">
-          <ac:chgData name="Riccardo Berta" userId="c8694f89-bba4-4576-b0a8-456619ca5a8c" providerId="ADAL" clId="{F4AAAA8C-1CB2-214C-996A-F15BCA6CB64E}" dt="2022-07-29T07:15:19.612" v="2059" actId="1037"/>
-          <ac:picMkLst>
-            <pc:docMk/>
-            <pc:sldMk cId="2862573505" sldId="265"/>
-            <ac:picMk id="5" creationId="{743A1BA3-6E04-AB8A-9650-4CD776CB6A72}"/>
-          </ac:picMkLst>
-        </pc:picChg>
-        <pc:picChg chg="add mod">
-          <ac:chgData name="Riccardo Berta" userId="c8694f89-bba4-4576-b0a8-456619ca5a8c" providerId="ADAL" clId="{F4AAAA8C-1CB2-214C-996A-F15BCA6CB64E}" dt="2022-07-29T07:15:08.710" v="2051" actId="1037"/>
-          <ac:picMkLst>
-            <pc:docMk/>
-            <pc:sldMk cId="2862573505" sldId="265"/>
-            <ac:picMk id="6" creationId="{9C1ABB64-8085-F0EF-1388-6AF4DB3909BB}"/>
-          </ac:picMkLst>
-        </pc:picChg>
-      </pc:sldChg>
-      <pc:sldChg chg="modSp add mod">
-        <pc:chgData name="Riccardo Berta" userId="c8694f89-bba4-4576-b0a8-456619ca5a8c" providerId="ADAL" clId="{F4AAAA8C-1CB2-214C-996A-F15BCA6CB64E}" dt="2022-07-29T15:42:16.243" v="2364" actId="404"/>
-        <pc:sldMkLst>
-          <pc:docMk/>
-          <pc:sldMk cId="4181844165" sldId="266"/>
-        </pc:sldMkLst>
-        <pc:spChg chg="mod">
-          <ac:chgData name="Riccardo Berta" userId="c8694f89-bba4-4576-b0a8-456619ca5a8c" providerId="ADAL" clId="{F4AAAA8C-1CB2-214C-996A-F15BCA6CB64E}" dt="2022-07-29T07:11:57.611" v="2016"/>
-          <ac:spMkLst>
-            <pc:docMk/>
-            <pc:sldMk cId="4181844165" sldId="266"/>
-            <ac:spMk id="83" creationId="{00000000-0000-0000-0000-000000000000}"/>
-          </ac:spMkLst>
-        </pc:spChg>
-        <pc:spChg chg="mod">
-          <ac:chgData name="Riccardo Berta" userId="c8694f89-bba4-4576-b0a8-456619ca5a8c" providerId="ADAL" clId="{F4AAAA8C-1CB2-214C-996A-F15BCA6CB64E}" dt="2022-07-29T15:42:16.243" v="2364" actId="404"/>
-          <ac:spMkLst>
-            <pc:docMk/>
-            <pc:sldMk cId="4181844165" sldId="266"/>
-            <ac:spMk id="84" creationId="{00000000-0000-0000-0000-000000000000}"/>
-          </ac:spMkLst>
-        </pc:spChg>
-      </pc:sldChg>
-      <pc:sldChg chg="addSp delSp modSp add mod">
-        <pc:chgData name="Riccardo Berta" userId="c8694f89-bba4-4576-b0a8-456619ca5a8c" providerId="ADAL" clId="{F4AAAA8C-1CB2-214C-996A-F15BCA6CB64E}" dt="2022-07-29T16:21:50.628" v="2975" actId="1076"/>
-        <pc:sldMkLst>
-          <pc:docMk/>
-          <pc:sldMk cId="216455838" sldId="267"/>
-        </pc:sldMkLst>
-        <pc:spChg chg="mod">
-          <ac:chgData name="Riccardo Berta" userId="c8694f89-bba4-4576-b0a8-456619ca5a8c" providerId="ADAL" clId="{F4AAAA8C-1CB2-214C-996A-F15BCA6CB64E}" dt="2022-07-29T16:21:40.165" v="2974" actId="20577"/>
-          <ac:spMkLst>
-            <pc:docMk/>
-            <pc:sldMk cId="216455838" sldId="267"/>
-            <ac:spMk id="83" creationId="{00000000-0000-0000-0000-000000000000}"/>
-          </ac:spMkLst>
-        </pc:spChg>
-        <pc:spChg chg="mod">
-          <ac:chgData name="Riccardo Berta" userId="c8694f89-bba4-4576-b0a8-456619ca5a8c" providerId="ADAL" clId="{F4AAAA8C-1CB2-214C-996A-F15BCA6CB64E}" dt="2022-07-29T16:21:04.813" v="2957" actId="20577"/>
-          <ac:spMkLst>
-            <pc:docMk/>
-            <pc:sldMk cId="216455838" sldId="267"/>
-            <ac:spMk id="84" creationId="{00000000-0000-0000-0000-000000000000}"/>
-          </ac:spMkLst>
-        </pc:spChg>
-        <pc:picChg chg="add del">
-          <ac:chgData name="Riccardo Berta" userId="c8694f89-bba4-4576-b0a8-456619ca5a8c" providerId="ADAL" clId="{F4AAAA8C-1CB2-214C-996A-F15BCA6CB64E}" dt="2022-07-29T15:53:24.645" v="2396" actId="478"/>
-          <ac:picMkLst>
-            <pc:docMk/>
-            <pc:sldMk cId="216455838" sldId="267"/>
-            <ac:picMk id="2" creationId="{F4FCEF60-8194-3CD6-BE60-E133D5DF313E}"/>
-          </ac:picMkLst>
-        </pc:picChg>
-        <pc:picChg chg="add mod">
-          <ac:chgData name="Riccardo Berta" userId="c8694f89-bba4-4576-b0a8-456619ca5a8c" providerId="ADAL" clId="{F4AAAA8C-1CB2-214C-996A-F15BCA6CB64E}" dt="2022-07-29T16:21:09.630" v="2958" actId="1076"/>
-          <ac:picMkLst>
-            <pc:docMk/>
-            <pc:sldMk cId="216455838" sldId="267"/>
-            <ac:picMk id="4" creationId="{E6F64BDC-73CD-7216-BA09-69DDCB93F9D4}"/>
-          </ac:picMkLst>
-        </pc:picChg>
-        <pc:picChg chg="add mod">
-          <ac:chgData name="Riccardo Berta" userId="c8694f89-bba4-4576-b0a8-456619ca5a8c" providerId="ADAL" clId="{F4AAAA8C-1CB2-214C-996A-F15BCA6CB64E}" dt="2022-07-29T16:21:50.628" v="2975" actId="1076"/>
-          <ac:picMkLst>
-            <pc:docMk/>
-            <pc:sldMk cId="216455838" sldId="267"/>
-            <ac:picMk id="5" creationId="{3ACC4B13-0F8B-1CAD-68C4-DF5DFDB1BD88}"/>
-          </ac:picMkLst>
-        </pc:picChg>
-      </pc:sldChg>
-      <pc:sldChg chg="modSp add mod">
-        <pc:chgData name="Riccardo Berta" userId="c8694f89-bba4-4576-b0a8-456619ca5a8c" providerId="ADAL" clId="{F4AAAA8C-1CB2-214C-996A-F15BCA6CB64E}" dt="2022-07-29T16:13:07.544" v="2873" actId="20577"/>
-        <pc:sldMkLst>
-          <pc:docMk/>
-          <pc:sldMk cId="925286286" sldId="268"/>
-        </pc:sldMkLst>
-        <pc:spChg chg="mod">
-          <ac:chgData name="Riccardo Berta" userId="c8694f89-bba4-4576-b0a8-456619ca5a8c" providerId="ADAL" clId="{F4AAAA8C-1CB2-214C-996A-F15BCA6CB64E}" dt="2022-07-29T16:00:31.322" v="2504"/>
-          <ac:spMkLst>
-            <pc:docMk/>
-            <pc:sldMk cId="925286286" sldId="268"/>
-            <ac:spMk id="83" creationId="{00000000-0000-0000-0000-000000000000}"/>
-          </ac:spMkLst>
-        </pc:spChg>
-        <pc:spChg chg="mod">
-          <ac:chgData name="Riccardo Berta" userId="c8694f89-bba4-4576-b0a8-456619ca5a8c" providerId="ADAL" clId="{F4AAAA8C-1CB2-214C-996A-F15BCA6CB64E}" dt="2022-07-29T16:13:07.544" v="2873" actId="20577"/>
-          <ac:spMkLst>
-            <pc:docMk/>
-            <pc:sldMk cId="925286286" sldId="268"/>
-            <ac:spMk id="84" creationId="{00000000-0000-0000-0000-000000000000}"/>
-          </ac:spMkLst>
-        </pc:spChg>
-      </pc:sldChg>
-      <pc:sldChg chg="addSp modSp add mod">
-        <pc:chgData name="Riccardo Berta" userId="c8694f89-bba4-4576-b0a8-456619ca5a8c" providerId="ADAL" clId="{F4AAAA8C-1CB2-214C-996A-F15BCA6CB64E}" dt="2022-07-29T16:20:35.039" v="2951" actId="962"/>
-        <pc:sldMkLst>
-          <pc:docMk/>
-          <pc:sldMk cId="3471997037" sldId="269"/>
-        </pc:sldMkLst>
-        <pc:spChg chg="mod">
-          <ac:chgData name="Riccardo Berta" userId="c8694f89-bba4-4576-b0a8-456619ca5a8c" providerId="ADAL" clId="{F4AAAA8C-1CB2-214C-996A-F15BCA6CB64E}" dt="2022-07-29T16:17:02.750" v="2922" actId="20577"/>
-          <ac:spMkLst>
-            <pc:docMk/>
-            <pc:sldMk cId="3471997037" sldId="269"/>
-            <ac:spMk id="83" creationId="{00000000-0000-0000-0000-000000000000}"/>
-          </ac:spMkLst>
-        </pc:spChg>
-        <pc:spChg chg="mod">
-          <ac:chgData name="Riccardo Berta" userId="c8694f89-bba4-4576-b0a8-456619ca5a8c" providerId="ADAL" clId="{F4AAAA8C-1CB2-214C-996A-F15BCA6CB64E}" dt="2022-07-29T16:18:45.638" v="2948" actId="20577"/>
-          <ac:spMkLst>
-            <pc:docMk/>
-            <pc:sldMk cId="3471997037" sldId="269"/>
-            <ac:spMk id="84" creationId="{00000000-0000-0000-0000-000000000000}"/>
-          </ac:spMkLst>
-        </pc:spChg>
-        <pc:picChg chg="add mod">
-          <ac:chgData name="Riccardo Berta" userId="c8694f89-bba4-4576-b0a8-456619ca5a8c" providerId="ADAL" clId="{F4AAAA8C-1CB2-214C-996A-F15BCA6CB64E}" dt="2022-07-29T16:20:35.039" v="2951" actId="962"/>
-          <ac:picMkLst>
-            <pc:docMk/>
-            <pc:sldMk cId="3471997037" sldId="269"/>
-            <ac:picMk id="3" creationId="{471AFF0B-7713-10C4-E8A3-3EDBC8FE0FD9}"/>
-          </ac:picMkLst>
-        </pc:picChg>
-      </pc:sldChg>
-      <pc:sldChg chg="add">
-        <pc:chgData name="Riccardo Berta" userId="c8694f89-bba4-4576-b0a8-456619ca5a8c" providerId="ADAL" clId="{F4AAAA8C-1CB2-214C-996A-F15BCA6CB64E}" dt="2022-07-28T14:01:20.148" v="1808"/>
-        <pc:sldMkLst>
-          <pc:docMk/>
-          <pc:sldMk cId="3130917410" sldId="270"/>
-        </pc:sldMkLst>
-      </pc:sldChg>
-      <pc:sldChg chg="add">
-        <pc:chgData name="Riccardo Berta" userId="c8694f89-bba4-4576-b0a8-456619ca5a8c" providerId="ADAL" clId="{F4AAAA8C-1CB2-214C-996A-F15BCA6CB64E}" dt="2022-07-28T14:01:20.483" v="1809"/>
-        <pc:sldMkLst>
-          <pc:docMk/>
-          <pc:sldMk cId="2266699268" sldId="271"/>
-        </pc:sldMkLst>
-      </pc:sldChg>
-    </pc:docChg>
-  </pc:docChgLst>
-  <pc:docChgLst>
-    <pc:chgData name="Riccardo Berta" userId="c8694f89-bba4-4576-b0a8-456619ca5a8c" providerId="ADAL" clId="{285D91C1-4BF4-0841-A283-B28F698AE366}"/>
-    <pc:docChg chg="custSel addSld modSld">
-      <pc:chgData name="Riccardo Berta" userId="c8694f89-bba4-4576-b0a8-456619ca5a8c" providerId="ADAL" clId="{285D91C1-4BF4-0841-A283-B28F698AE366}" dt="2022-08-26T17:01:29.210" v="222" actId="20577"/>
-      <pc:docMkLst>
-        <pc:docMk/>
-      </pc:docMkLst>
-      <pc:sldChg chg="addSp delSp modSp add mod">
-        <pc:chgData name="Riccardo Berta" userId="c8694f89-bba4-4576-b0a8-456619ca5a8c" providerId="ADAL" clId="{285D91C1-4BF4-0841-A283-B28F698AE366}" dt="2022-08-26T17:01:29.210" v="222" actId="20577"/>
-        <pc:sldMkLst>
-          <pc:docMk/>
-          <pc:sldMk cId="1388305878" sldId="277"/>
-        </pc:sldMkLst>
-        <pc:spChg chg="mod">
-          <ac:chgData name="Riccardo Berta" userId="c8694f89-bba4-4576-b0a8-456619ca5a8c" providerId="ADAL" clId="{285D91C1-4BF4-0841-A283-B28F698AE366}" dt="2022-08-26T11:06:53.297" v="2" actId="20577"/>
-          <ac:spMkLst>
-            <pc:docMk/>
-            <pc:sldMk cId="1388305878" sldId="277"/>
-            <ac:spMk id="83" creationId="{00000000-0000-0000-0000-000000000000}"/>
-          </ac:spMkLst>
-        </pc:spChg>
-        <pc:spChg chg="mod">
-          <ac:chgData name="Riccardo Berta" userId="c8694f89-bba4-4576-b0a8-456619ca5a8c" providerId="ADAL" clId="{285D91C1-4BF4-0841-A283-B28F698AE366}" dt="2022-08-26T17:01:29.210" v="222" actId="20577"/>
-          <ac:spMkLst>
-            <pc:docMk/>
-            <pc:sldMk cId="1388305878" sldId="277"/>
-            <ac:spMk id="84" creationId="{00000000-0000-0000-0000-000000000000}"/>
-          </ac:spMkLst>
-        </pc:spChg>
-        <pc:picChg chg="add mod">
-          <ac:chgData name="Riccardo Berta" userId="c8694f89-bba4-4576-b0a8-456619ca5a8c" providerId="ADAL" clId="{285D91C1-4BF4-0841-A283-B28F698AE366}" dt="2022-08-26T11:13:04.169" v="129" actId="1035"/>
-          <ac:picMkLst>
-            <pc:docMk/>
-            <pc:sldMk cId="1388305878" sldId="277"/>
-            <ac:picMk id="3" creationId="{94F1A503-7FFE-557A-BCB0-DC1D9F0CDB3C}"/>
-          </ac:picMkLst>
-        </pc:picChg>
-        <pc:picChg chg="del">
-          <ac:chgData name="Riccardo Berta" userId="c8694f89-bba4-4576-b0a8-456619ca5a8c" providerId="ADAL" clId="{285D91C1-4BF4-0841-A283-B28F698AE366}" dt="2022-08-26T11:06:59.121" v="7" actId="478"/>
-          <ac:picMkLst>
-            <pc:docMk/>
-            <pc:sldMk cId="1388305878" sldId="277"/>
-            <ac:picMk id="4" creationId="{B37C8976-E86A-4EAB-21EA-45CA6D160B6E}"/>
-          </ac:picMkLst>
-        </pc:picChg>
-        <pc:picChg chg="add mod">
-          <ac:chgData name="Riccardo Berta" userId="c8694f89-bba4-4576-b0a8-456619ca5a8c" providerId="ADAL" clId="{285D91C1-4BF4-0841-A283-B28F698AE366}" dt="2022-08-26T11:13:15.479" v="133" actId="1035"/>
-          <ac:picMkLst>
-            <pc:docMk/>
-            <pc:sldMk cId="1388305878" sldId="277"/>
-            <ac:picMk id="6" creationId="{55622F76-3F69-85DA-DB04-2F9FA718C471}"/>
-          </ac:picMkLst>
-        </pc:picChg>
-      </pc:sldChg>
-      <pc:sldChg chg="addSp delSp modSp add mod">
-        <pc:chgData name="Riccardo Berta" userId="c8694f89-bba4-4576-b0a8-456619ca5a8c" providerId="ADAL" clId="{285D91C1-4BF4-0841-A283-B28F698AE366}" dt="2022-08-26T17:01:19.085" v="220" actId="1076"/>
-        <pc:sldMkLst>
-          <pc:docMk/>
-          <pc:sldMk cId="2276488042" sldId="278"/>
-        </pc:sldMkLst>
-        <pc:spChg chg="mod">
-          <ac:chgData name="Riccardo Berta" userId="c8694f89-bba4-4576-b0a8-456619ca5a8c" providerId="ADAL" clId="{285D91C1-4BF4-0841-A283-B28F698AE366}" dt="2022-08-26T11:13:29.102" v="137" actId="20577"/>
-          <ac:spMkLst>
-            <pc:docMk/>
-            <pc:sldMk cId="2276488042" sldId="278"/>
-            <ac:spMk id="83" creationId="{00000000-0000-0000-0000-000000000000}"/>
-          </ac:spMkLst>
-        </pc:spChg>
-        <pc:spChg chg="mod">
-          <ac:chgData name="Riccardo Berta" userId="c8694f89-bba4-4576-b0a8-456619ca5a8c" providerId="ADAL" clId="{285D91C1-4BF4-0841-A283-B28F698AE366}" dt="2022-08-26T11:21:06.057" v="217" actId="20577"/>
-          <ac:spMkLst>
-            <pc:docMk/>
-            <pc:sldMk cId="2276488042" sldId="278"/>
-            <ac:spMk id="84" creationId="{00000000-0000-0000-0000-000000000000}"/>
-          </ac:spMkLst>
-        </pc:spChg>
-        <pc:picChg chg="del">
-          <ac:chgData name="Riccardo Berta" userId="c8694f89-bba4-4576-b0a8-456619ca5a8c" providerId="ADAL" clId="{285D91C1-4BF4-0841-A283-B28F698AE366}" dt="2022-08-26T11:15:29.168" v="157" actId="478"/>
-          <ac:picMkLst>
-            <pc:docMk/>
-            <pc:sldMk cId="2276488042" sldId="278"/>
-            <ac:picMk id="3" creationId="{94F1A503-7FFE-557A-BCB0-DC1D9F0CDB3C}"/>
-          </ac:picMkLst>
-        </pc:picChg>
-        <pc:picChg chg="add del mod">
-          <ac:chgData name="Riccardo Berta" userId="c8694f89-bba4-4576-b0a8-456619ca5a8c" providerId="ADAL" clId="{285D91C1-4BF4-0841-A283-B28F698AE366}" dt="2022-08-26T11:17:51.407" v="196" actId="478"/>
-          <ac:picMkLst>
-            <pc:docMk/>
-            <pc:sldMk cId="2276488042" sldId="278"/>
-            <ac:picMk id="4" creationId="{60504E6C-6A9E-9C37-40B0-D19295DDEEC3}"/>
-          </ac:picMkLst>
-        </pc:picChg>
-        <pc:picChg chg="del">
-          <ac:chgData name="Riccardo Berta" userId="c8694f89-bba4-4576-b0a8-456619ca5a8c" providerId="ADAL" clId="{285D91C1-4BF4-0841-A283-B28F698AE366}" dt="2022-08-26T11:15:30.021" v="158" actId="478"/>
-          <ac:picMkLst>
-            <pc:docMk/>
-            <pc:sldMk cId="2276488042" sldId="278"/>
-            <ac:picMk id="6" creationId="{55622F76-3F69-85DA-DB04-2F9FA718C471}"/>
-          </ac:picMkLst>
-        </pc:picChg>
-        <pc:picChg chg="add mod">
-          <ac:chgData name="Riccardo Berta" userId="c8694f89-bba4-4576-b0a8-456619ca5a8c" providerId="ADAL" clId="{285D91C1-4BF4-0841-A283-B28F698AE366}" dt="2022-08-26T17:01:19.085" v="220" actId="1076"/>
-          <ac:picMkLst>
-            <pc:docMk/>
-            <pc:sldMk cId="2276488042" sldId="278"/>
-            <ac:picMk id="7" creationId="{12A38CB3-9C82-D386-6AEC-F799DFDA4DBA}"/>
-          </ac:picMkLst>
-        </pc:picChg>
-      </pc:sldChg>
-    </pc:docChg>
-  </pc:docChgLst>
-  <pc:docChgLst>
-    <pc:chgData name="Riccardo Berta" userId="c8694f89-bba4-4576-b0a8-456619ca5a8c" providerId="ADAL" clId="{35C5D11B-424E-5B41-A9C4-509DD0A59BFD}"/>
-    <pc:docChg chg="custSel delSld modSld sldOrd">
-      <pc:chgData name="Riccardo Berta" userId="c8694f89-bba4-4576-b0a8-456619ca5a8c" providerId="ADAL" clId="{35C5D11B-424E-5B41-A9C4-509DD0A59BFD}" dt="2022-04-01T12:12:56.906" v="135" actId="20577"/>
-      <pc:docMkLst>
-        <pc:docMk/>
-      </pc:docMkLst>
-      <pc:sldChg chg="modSp">
-        <pc:chgData name="Riccardo Berta" userId="c8694f89-bba4-4576-b0a8-456619ca5a8c" providerId="ADAL" clId="{35C5D11B-424E-5B41-A9C4-509DD0A59BFD}" dt="2022-03-22T07:34:03.014" v="5"/>
-        <pc:sldMkLst>
-          <pc:docMk/>
-          <pc:sldMk cId="0" sldId="257"/>
-        </pc:sldMkLst>
-        <pc:picChg chg="mod">
-          <ac:chgData name="Riccardo Berta" userId="c8694f89-bba4-4576-b0a8-456619ca5a8c" providerId="ADAL" clId="{35C5D11B-424E-5B41-A9C4-509DD0A59BFD}" dt="2022-03-22T07:34:03.014" v="5"/>
-          <ac:picMkLst>
-            <pc:docMk/>
-            <pc:sldMk cId="0" sldId="257"/>
-            <ac:picMk id="85" creationId="{00000000-0000-0000-0000-000000000000}"/>
-          </ac:picMkLst>
-        </pc:picChg>
-      </pc:sldChg>
-      <pc:sldChg chg="modSp">
-        <pc:chgData name="Riccardo Berta" userId="c8694f89-bba4-4576-b0a8-456619ca5a8c" providerId="ADAL" clId="{35C5D11B-424E-5B41-A9C4-509DD0A59BFD}" dt="2022-03-22T07:34:23.187" v="6"/>
-        <pc:sldMkLst>
-          <pc:docMk/>
-          <pc:sldMk cId="1899110855" sldId="258"/>
-        </pc:sldMkLst>
-        <pc:picChg chg="mod">
-          <ac:chgData name="Riccardo Berta" userId="c8694f89-bba4-4576-b0a8-456619ca5a8c" providerId="ADAL" clId="{35C5D11B-424E-5B41-A9C4-509DD0A59BFD}" dt="2022-03-22T07:34:23.187" v="6"/>
-          <ac:picMkLst>
-            <pc:docMk/>
-            <pc:sldMk cId="1899110855" sldId="258"/>
-            <ac:picMk id="92" creationId="{00000000-0000-0000-0000-000000000000}"/>
-          </ac:picMkLst>
-        </pc:picChg>
-      </pc:sldChg>
-      <pc:sldChg chg="modSp">
-        <pc:chgData name="Riccardo Berta" userId="c8694f89-bba4-4576-b0a8-456619ca5a8c" providerId="ADAL" clId="{35C5D11B-424E-5B41-A9C4-509DD0A59BFD}" dt="2022-03-22T07:39:20.191" v="16"/>
-        <pc:sldMkLst>
-          <pc:docMk/>
-          <pc:sldMk cId="3018556184" sldId="259"/>
-        </pc:sldMkLst>
-        <pc:picChg chg="mod">
-          <ac:chgData name="Riccardo Berta" userId="c8694f89-bba4-4576-b0a8-456619ca5a8c" providerId="ADAL" clId="{35C5D11B-424E-5B41-A9C4-509DD0A59BFD}" dt="2022-03-22T07:38:22.524" v="12"/>
-          <ac:picMkLst>
-            <pc:docMk/>
-            <pc:sldMk cId="3018556184" sldId="259"/>
-            <ac:picMk id="99" creationId="{00000000-0000-0000-0000-000000000000}"/>
-          </ac:picMkLst>
-        </pc:picChg>
-        <pc:picChg chg="mod">
-          <ac:chgData name="Riccardo Berta" userId="c8694f89-bba4-4576-b0a8-456619ca5a8c" providerId="ADAL" clId="{35C5D11B-424E-5B41-A9C4-509DD0A59BFD}" dt="2022-03-22T07:38:34.539" v="13"/>
-          <ac:picMkLst>
-            <pc:docMk/>
-            <pc:sldMk cId="3018556184" sldId="259"/>
-            <ac:picMk id="100" creationId="{00000000-0000-0000-0000-000000000000}"/>
-          </ac:picMkLst>
-        </pc:picChg>
-        <pc:picChg chg="mod">
-          <ac:chgData name="Riccardo Berta" userId="c8694f89-bba4-4576-b0a8-456619ca5a8c" providerId="ADAL" clId="{35C5D11B-424E-5B41-A9C4-509DD0A59BFD}" dt="2022-03-22T07:38:47.480" v="14"/>
-          <ac:picMkLst>
-            <pc:docMk/>
-            <pc:sldMk cId="3018556184" sldId="259"/>
-            <ac:picMk id="101" creationId="{00000000-0000-0000-0000-000000000000}"/>
-          </ac:picMkLst>
-        </pc:picChg>
-        <pc:picChg chg="mod">
-          <ac:chgData name="Riccardo Berta" userId="c8694f89-bba4-4576-b0a8-456619ca5a8c" providerId="ADAL" clId="{35C5D11B-424E-5B41-A9C4-509DD0A59BFD}" dt="2022-03-22T07:38:59.538" v="15"/>
-          <ac:picMkLst>
-            <pc:docMk/>
-            <pc:sldMk cId="3018556184" sldId="259"/>
-            <ac:picMk id="102" creationId="{00000000-0000-0000-0000-000000000000}"/>
-          </ac:picMkLst>
-        </pc:picChg>
-        <pc:picChg chg="mod">
-          <ac:chgData name="Riccardo Berta" userId="c8694f89-bba4-4576-b0a8-456619ca5a8c" providerId="ADAL" clId="{35C5D11B-424E-5B41-A9C4-509DD0A59BFD}" dt="2022-03-22T07:39:20.191" v="16"/>
-          <ac:picMkLst>
-            <pc:docMk/>
-            <pc:sldMk cId="3018556184" sldId="259"/>
-            <ac:picMk id="103" creationId="{00000000-0000-0000-0000-000000000000}"/>
-          </ac:picMkLst>
-        </pc:picChg>
-      </pc:sldChg>
-      <pc:sldChg chg="modSp mod">
-        <pc:chgData name="Riccardo Berta" userId="c8694f89-bba4-4576-b0a8-456619ca5a8c" providerId="ADAL" clId="{35C5D11B-424E-5B41-A9C4-509DD0A59BFD}" dt="2022-03-23T07:58:19.601" v="41" actId="20577"/>
-        <pc:sldMkLst>
-          <pc:docMk/>
-          <pc:sldMk cId="1104208334" sldId="260"/>
-        </pc:sldMkLst>
-        <pc:spChg chg="mod">
-          <ac:chgData name="Riccardo Berta" userId="c8694f89-bba4-4576-b0a8-456619ca5a8c" providerId="ADAL" clId="{35C5D11B-424E-5B41-A9C4-509DD0A59BFD}" dt="2022-03-23T07:58:19.601" v="41" actId="20577"/>
-          <ac:spMkLst>
-            <pc:docMk/>
-            <pc:sldMk cId="1104208334" sldId="260"/>
-            <ac:spMk id="109" creationId="{00000000-0000-0000-0000-000000000000}"/>
-          </ac:spMkLst>
-        </pc:spChg>
-        <pc:picChg chg="mod">
-          <ac:chgData name="Riccardo Berta" userId="c8694f89-bba4-4576-b0a8-456619ca5a8c" providerId="ADAL" clId="{35C5D11B-424E-5B41-A9C4-509DD0A59BFD}" dt="2022-03-22T07:40:02.780" v="18"/>
-          <ac:picMkLst>
-            <pc:docMk/>
-            <pc:sldMk cId="1104208334" sldId="260"/>
-            <ac:picMk id="110" creationId="{00000000-0000-0000-0000-000000000000}"/>
-          </ac:picMkLst>
-        </pc:picChg>
-        <pc:picChg chg="mod">
-          <ac:chgData name="Riccardo Berta" userId="c8694f89-bba4-4576-b0a8-456619ca5a8c" providerId="ADAL" clId="{35C5D11B-424E-5B41-A9C4-509DD0A59BFD}" dt="2022-03-22T07:39:46.143" v="17"/>
-          <ac:picMkLst>
-            <pc:docMk/>
-            <pc:sldMk cId="1104208334" sldId="260"/>
-            <ac:picMk id="111" creationId="{00000000-0000-0000-0000-000000000000}"/>
-          </ac:picMkLst>
-        </pc:picChg>
-      </pc:sldChg>
-      <pc:sldChg chg="modSp">
-        <pc:chgData name="Riccardo Berta" userId="c8694f89-bba4-4576-b0a8-456619ca5a8c" providerId="ADAL" clId="{35C5D11B-424E-5B41-A9C4-509DD0A59BFD}" dt="2022-03-22T07:42:45.729" v="19"/>
-        <pc:sldMkLst>
-          <pc:docMk/>
-          <pc:sldMk cId="1290395919" sldId="261"/>
-        </pc:sldMkLst>
-        <pc:picChg chg="mod">
-          <ac:chgData name="Riccardo Berta" userId="c8694f89-bba4-4576-b0a8-456619ca5a8c" providerId="ADAL" clId="{35C5D11B-424E-5B41-A9C4-509DD0A59BFD}" dt="2022-03-22T07:42:45.729" v="19"/>
-          <ac:picMkLst>
-            <pc:docMk/>
-            <pc:sldMk cId="1290395919" sldId="261"/>
-            <ac:picMk id="119" creationId="{00000000-0000-0000-0000-000000000000}"/>
-          </ac:picMkLst>
-        </pc:picChg>
-      </pc:sldChg>
-      <pc:sldChg chg="modSp mod modNotes">
-        <pc:chgData name="Riccardo Berta" userId="c8694f89-bba4-4576-b0a8-456619ca5a8c" providerId="ADAL" clId="{35C5D11B-424E-5B41-A9C4-509DD0A59BFD}" dt="2022-03-25T14:38:53.205" v="88" actId="20577"/>
-        <pc:sldMkLst>
-          <pc:docMk/>
-          <pc:sldMk cId="4130549615" sldId="262"/>
-        </pc:sldMkLst>
-        <pc:spChg chg="mod">
-          <ac:chgData name="Riccardo Berta" userId="c8694f89-bba4-4576-b0a8-456619ca5a8c" providerId="ADAL" clId="{35C5D11B-424E-5B41-A9C4-509DD0A59BFD}" dt="2022-03-25T14:38:53.205" v="88" actId="20577"/>
-          <ac:spMkLst>
-            <pc:docMk/>
-            <pc:sldMk cId="4130549615" sldId="262"/>
-            <ac:spMk id="125" creationId="{00000000-0000-0000-0000-000000000000}"/>
-          </ac:spMkLst>
-        </pc:spChg>
-        <pc:picChg chg="mod">
-          <ac:chgData name="Riccardo Berta" userId="c8694f89-bba4-4576-b0a8-456619ca5a8c" providerId="ADAL" clId="{35C5D11B-424E-5B41-A9C4-509DD0A59BFD}" dt="2022-03-22T07:43:02.767" v="20"/>
-          <ac:picMkLst>
-            <pc:docMk/>
-            <pc:sldMk cId="4130549615" sldId="262"/>
-            <ac:picMk id="126" creationId="{00000000-0000-0000-0000-000000000000}"/>
-          </ac:picMkLst>
-        </pc:picChg>
-      </pc:sldChg>
-      <pc:sldChg chg="modSp">
-        <pc:chgData name="Riccardo Berta" userId="c8694f89-bba4-4576-b0a8-456619ca5a8c" providerId="ADAL" clId="{35C5D11B-424E-5B41-A9C4-509DD0A59BFD}" dt="2022-03-22T07:43:16.691" v="21"/>
-        <pc:sldMkLst>
-          <pc:docMk/>
-          <pc:sldMk cId="3102138681" sldId="263"/>
-        </pc:sldMkLst>
-        <pc:picChg chg="mod">
-          <ac:chgData name="Riccardo Berta" userId="c8694f89-bba4-4576-b0a8-456619ca5a8c" providerId="ADAL" clId="{35C5D11B-424E-5B41-A9C4-509DD0A59BFD}" dt="2022-03-22T07:43:16.691" v="21"/>
-          <ac:picMkLst>
-            <pc:docMk/>
-            <pc:sldMk cId="3102138681" sldId="263"/>
-            <ac:picMk id="133" creationId="{00000000-0000-0000-0000-000000000000}"/>
-          </ac:picMkLst>
-        </pc:picChg>
-      </pc:sldChg>
-      <pc:sldChg chg="modSp mod">
-        <pc:chgData name="Riccardo Berta" userId="c8694f89-bba4-4576-b0a8-456619ca5a8c" providerId="ADAL" clId="{35C5D11B-424E-5B41-A9C4-509DD0A59BFD}" dt="2022-03-25T15:16:54.434" v="126" actId="20577"/>
-        <pc:sldMkLst>
-          <pc:docMk/>
-          <pc:sldMk cId="2113557187" sldId="264"/>
-        </pc:sldMkLst>
-        <pc:spChg chg="mod">
-          <ac:chgData name="Riccardo Berta" userId="c8694f89-bba4-4576-b0a8-456619ca5a8c" providerId="ADAL" clId="{35C5D11B-424E-5B41-A9C4-509DD0A59BFD}" dt="2022-03-25T15:16:54.434" v="126" actId="20577"/>
-          <ac:spMkLst>
-            <pc:docMk/>
-            <pc:sldMk cId="2113557187" sldId="264"/>
-            <ac:spMk id="139" creationId="{00000000-0000-0000-0000-000000000000}"/>
-          </ac:spMkLst>
-        </pc:spChg>
-        <pc:picChg chg="mod">
-          <ac:chgData name="Riccardo Berta" userId="c8694f89-bba4-4576-b0a8-456619ca5a8c" providerId="ADAL" clId="{35C5D11B-424E-5B41-A9C4-509DD0A59BFD}" dt="2022-03-22T07:43:33.267" v="22"/>
-          <ac:picMkLst>
-            <pc:docMk/>
-            <pc:sldMk cId="2113557187" sldId="264"/>
-            <ac:picMk id="141" creationId="{00000000-0000-0000-0000-000000000000}"/>
-          </ac:picMkLst>
-        </pc:picChg>
-        <pc:picChg chg="mod">
-          <ac:chgData name="Riccardo Berta" userId="c8694f89-bba4-4576-b0a8-456619ca5a8c" providerId="ADAL" clId="{35C5D11B-424E-5B41-A9C4-509DD0A59BFD}" dt="2022-03-22T07:43:50.362" v="23"/>
-          <ac:picMkLst>
-            <pc:docMk/>
-            <pc:sldMk cId="2113557187" sldId="264"/>
-            <ac:picMk id="142" creationId="{00000000-0000-0000-0000-000000000000}"/>
-          </ac:picMkLst>
-        </pc:picChg>
-      </pc:sldChg>
-      <pc:sldChg chg="modSp">
-        <pc:chgData name="Riccardo Berta" userId="c8694f89-bba4-4576-b0a8-456619ca5a8c" providerId="ADAL" clId="{35C5D11B-424E-5B41-A9C4-509DD0A59BFD}" dt="2022-03-22T07:44:03.240" v="24"/>
-        <pc:sldMkLst>
-          <pc:docMk/>
-          <pc:sldMk cId="2045385232" sldId="265"/>
-        </pc:sldMkLst>
-        <pc:picChg chg="mod">
-          <ac:chgData name="Riccardo Berta" userId="c8694f89-bba4-4576-b0a8-456619ca5a8c" providerId="ADAL" clId="{35C5D11B-424E-5B41-A9C4-509DD0A59BFD}" dt="2022-03-22T07:44:03.240" v="24"/>
-          <ac:picMkLst>
-            <pc:docMk/>
-            <pc:sldMk cId="2045385232" sldId="265"/>
-            <ac:picMk id="149" creationId="{00000000-0000-0000-0000-000000000000}"/>
-          </ac:picMkLst>
-        </pc:picChg>
-      </pc:sldChg>
-      <pc:sldChg chg="modSp">
-        <pc:chgData name="Riccardo Berta" userId="c8694f89-bba4-4576-b0a8-456619ca5a8c" providerId="ADAL" clId="{35C5D11B-424E-5B41-A9C4-509DD0A59BFD}" dt="2022-03-22T07:44:22.734" v="25"/>
-        <pc:sldMkLst>
-          <pc:docMk/>
-          <pc:sldMk cId="4181844165" sldId="266"/>
-        </pc:sldMkLst>
-        <pc:picChg chg="mod">
-          <ac:chgData name="Riccardo Berta" userId="c8694f89-bba4-4576-b0a8-456619ca5a8c" providerId="ADAL" clId="{35C5D11B-424E-5B41-A9C4-509DD0A59BFD}" dt="2022-03-22T07:44:22.734" v="25"/>
-          <ac:picMkLst>
-            <pc:docMk/>
-            <pc:sldMk cId="4181844165" sldId="266"/>
-            <ac:picMk id="156" creationId="{00000000-0000-0000-0000-000000000000}"/>
-          </ac:picMkLst>
-        </pc:picChg>
-      </pc:sldChg>
-      <pc:sldChg chg="modSp mod">
-        <pc:chgData name="Riccardo Berta" userId="c8694f89-bba4-4576-b0a8-456619ca5a8c" providerId="ADAL" clId="{35C5D11B-424E-5B41-A9C4-509DD0A59BFD}" dt="2022-04-01T12:12:56.906" v="135" actId="20577"/>
-        <pc:sldMkLst>
-          <pc:docMk/>
-          <pc:sldMk cId="216455838" sldId="267"/>
-        </pc:sldMkLst>
-        <pc:spChg chg="mod">
-          <ac:chgData name="Riccardo Berta" userId="c8694f89-bba4-4576-b0a8-456619ca5a8c" providerId="ADAL" clId="{35C5D11B-424E-5B41-A9C4-509DD0A59BFD}" dt="2022-04-01T12:12:56.906" v="135" actId="20577"/>
-          <ac:spMkLst>
-            <pc:docMk/>
-            <pc:sldMk cId="216455838" sldId="267"/>
-            <ac:spMk id="162" creationId="{00000000-0000-0000-0000-000000000000}"/>
-          </ac:spMkLst>
-        </pc:spChg>
-        <pc:picChg chg="mod">
-          <ac:chgData name="Riccardo Berta" userId="c8694f89-bba4-4576-b0a8-456619ca5a8c" providerId="ADAL" clId="{35C5D11B-424E-5B41-A9C4-509DD0A59BFD}" dt="2022-03-22T07:44:34.392" v="26"/>
-          <ac:picMkLst>
-            <pc:docMk/>
-            <pc:sldMk cId="216455838" sldId="267"/>
-            <ac:picMk id="163" creationId="{00000000-0000-0000-0000-000000000000}"/>
-          </ac:picMkLst>
-        </pc:picChg>
-      </pc:sldChg>
-      <pc:sldChg chg="del">
-        <pc:chgData name="Riccardo Berta" userId="c8694f89-bba4-4576-b0a8-456619ca5a8c" providerId="ADAL" clId="{35C5D11B-424E-5B41-A9C4-509DD0A59BFD}" dt="2022-03-22T07:29:13.529" v="3" actId="2696"/>
-        <pc:sldMkLst>
-          <pc:docMk/>
-          <pc:sldMk cId="925286286" sldId="268"/>
-        </pc:sldMkLst>
-      </pc:sldChg>
-      <pc:sldChg chg="modSp">
-        <pc:chgData name="Riccardo Berta" userId="c8694f89-bba4-4576-b0a8-456619ca5a8c" providerId="ADAL" clId="{35C5D11B-424E-5B41-A9C4-509DD0A59BFD}" dt="2022-03-22T07:44:59.403" v="28"/>
-        <pc:sldMkLst>
-          <pc:docMk/>
-          <pc:sldMk cId="3471997037" sldId="269"/>
-        </pc:sldMkLst>
-        <pc:picChg chg="mod">
-          <ac:chgData name="Riccardo Berta" userId="c8694f89-bba4-4576-b0a8-456619ca5a8c" providerId="ADAL" clId="{35C5D11B-424E-5B41-A9C4-509DD0A59BFD}" dt="2022-03-22T07:44:47.754" v="27"/>
-          <ac:picMkLst>
-            <pc:docMk/>
-            <pc:sldMk cId="3471997037" sldId="269"/>
-            <ac:picMk id="176" creationId="{00000000-0000-0000-0000-000000000000}"/>
-          </ac:picMkLst>
-        </pc:picChg>
-        <pc:picChg chg="mod">
-          <ac:chgData name="Riccardo Berta" userId="c8694f89-bba4-4576-b0a8-456619ca5a8c" providerId="ADAL" clId="{35C5D11B-424E-5B41-A9C4-509DD0A59BFD}" dt="2022-03-22T07:44:59.403" v="28"/>
-          <ac:picMkLst>
-            <pc:docMk/>
-            <pc:sldMk cId="3471997037" sldId="269"/>
-            <ac:picMk id="177" creationId="{00000000-0000-0000-0000-000000000000}"/>
-          </ac:picMkLst>
-        </pc:picChg>
-      </pc:sldChg>
-      <pc:sldChg chg="modSp mod">
-        <pc:chgData name="Riccardo Berta" userId="c8694f89-bba4-4576-b0a8-456619ca5a8c" providerId="ADAL" clId="{35C5D11B-424E-5B41-A9C4-509DD0A59BFD}" dt="2022-03-22T07:47:03.443" v="33"/>
-        <pc:sldMkLst>
-          <pc:docMk/>
-          <pc:sldMk cId="3130917410" sldId="270"/>
-        </pc:sldMkLst>
-        <pc:picChg chg="mod">
-          <ac:chgData name="Riccardo Berta" userId="c8694f89-bba4-4576-b0a8-456619ca5a8c" providerId="ADAL" clId="{35C5D11B-424E-5B41-A9C4-509DD0A59BFD}" dt="2022-03-22T07:46:52.226" v="32"/>
-          <ac:picMkLst>
-            <pc:docMk/>
-            <pc:sldMk cId="3130917410" sldId="270"/>
-            <ac:picMk id="184" creationId="{00000000-0000-0000-0000-000000000000}"/>
-          </ac:picMkLst>
-        </pc:picChg>
-        <pc:picChg chg="mod">
-          <ac:chgData name="Riccardo Berta" userId="c8694f89-bba4-4576-b0a8-456619ca5a8c" providerId="ADAL" clId="{35C5D11B-424E-5B41-A9C4-509DD0A59BFD}" dt="2022-03-22T07:47:03.443" v="33"/>
-          <ac:picMkLst>
-            <pc:docMk/>
-            <pc:sldMk cId="3130917410" sldId="270"/>
-            <ac:picMk id="185" creationId="{00000000-0000-0000-0000-000000000000}"/>
-          </ac:picMkLst>
-        </pc:picChg>
-      </pc:sldChg>
-      <pc:sldChg chg="modSp mod">
-        <pc:chgData name="Riccardo Berta" userId="c8694f89-bba4-4576-b0a8-456619ca5a8c" providerId="ADAL" clId="{35C5D11B-424E-5B41-A9C4-509DD0A59BFD}" dt="2022-03-22T07:47:51.976" v="38"/>
-        <pc:sldMkLst>
-          <pc:docMk/>
-          <pc:sldMk cId="2266699268" sldId="271"/>
-        </pc:sldMkLst>
-        <pc:picChg chg="mod">
-          <ac:chgData name="Riccardo Berta" userId="c8694f89-bba4-4576-b0a8-456619ca5a8c" providerId="ADAL" clId="{35C5D11B-424E-5B41-A9C4-509DD0A59BFD}" dt="2022-03-22T07:47:14.728" v="34"/>
-          <ac:picMkLst>
-            <pc:docMk/>
-            <pc:sldMk cId="2266699268" sldId="271"/>
-            <ac:picMk id="193" creationId="{00000000-0000-0000-0000-000000000000}"/>
-          </ac:picMkLst>
-        </pc:picChg>
-        <pc:picChg chg="mod">
-          <ac:chgData name="Riccardo Berta" userId="c8694f89-bba4-4576-b0a8-456619ca5a8c" providerId="ADAL" clId="{35C5D11B-424E-5B41-A9C4-509DD0A59BFD}" dt="2022-03-22T07:47:31.485" v="36"/>
-          <ac:picMkLst>
-            <pc:docMk/>
-            <pc:sldMk cId="2266699268" sldId="271"/>
-            <ac:picMk id="194" creationId="{00000000-0000-0000-0000-000000000000}"/>
-          </ac:picMkLst>
-        </pc:picChg>
-        <pc:picChg chg="mod">
-          <ac:chgData name="Riccardo Berta" userId="c8694f89-bba4-4576-b0a8-456619ca5a8c" providerId="ADAL" clId="{35C5D11B-424E-5B41-A9C4-509DD0A59BFD}" dt="2022-03-22T07:47:51.976" v="38"/>
-          <ac:picMkLst>
-            <pc:docMk/>
-            <pc:sldMk cId="2266699268" sldId="271"/>
-            <ac:picMk id="195" creationId="{00000000-0000-0000-0000-000000000000}"/>
-          </ac:picMkLst>
-        </pc:picChg>
-      </pc:sldChg>
-      <pc:sldChg chg="modSp mod ord">
-        <pc:chgData name="Riccardo Berta" userId="c8694f89-bba4-4576-b0a8-456619ca5a8c" providerId="ADAL" clId="{35C5D11B-424E-5B41-A9C4-509DD0A59BFD}" dt="2022-03-22T07:29:04.952" v="2"/>
-        <pc:sldMkLst>
-          <pc:docMk/>
-          <pc:sldMk cId="993270251" sldId="272"/>
-        </pc:sldMkLst>
-        <pc:spChg chg="mod">
-          <ac:chgData name="Riccardo Berta" userId="c8694f89-bba4-4576-b0a8-456619ca5a8c" providerId="ADAL" clId="{35C5D11B-424E-5B41-A9C4-509DD0A59BFD}" dt="2022-03-22T07:29:04.952" v="2"/>
-          <ac:spMkLst>
-            <pc:docMk/>
-            <pc:sldMk cId="993270251" sldId="272"/>
-            <ac:spMk id="201" creationId="{00000000-0000-0000-0000-000000000000}"/>
-          </ac:spMkLst>
-        </pc:spChg>
-      </pc:sldChg>
-      <pc:sldChg chg="modSp">
-        <pc:chgData name="Riccardo Berta" userId="c8694f89-bba4-4576-b0a8-456619ca5a8c" providerId="ADAL" clId="{35C5D11B-424E-5B41-A9C4-509DD0A59BFD}" dt="2022-03-22T07:48:04.230" v="39"/>
-        <pc:sldMkLst>
-          <pc:docMk/>
-          <pc:sldMk cId="3843819371" sldId="273"/>
-        </pc:sldMkLst>
-        <pc:picChg chg="mod">
-          <ac:chgData name="Riccardo Berta" userId="c8694f89-bba4-4576-b0a8-456619ca5a8c" providerId="ADAL" clId="{35C5D11B-424E-5B41-A9C4-509DD0A59BFD}" dt="2022-03-22T07:48:04.230" v="39"/>
-          <ac:picMkLst>
-            <pc:docMk/>
-            <pc:sldMk cId="3843819371" sldId="273"/>
-            <ac:picMk id="210" creationId="{00000000-0000-0000-0000-000000000000}"/>
-          </ac:picMkLst>
-        </pc:picChg>
-      </pc:sldChg>
-      <pc:sldChg chg="modSp">
-        <pc:chgData name="Riccardo Berta" userId="c8694f89-bba4-4576-b0a8-456619ca5a8c" providerId="ADAL" clId="{35C5D11B-424E-5B41-A9C4-509DD0A59BFD}" dt="2022-03-22T07:48:21.111" v="40"/>
-        <pc:sldMkLst>
-          <pc:docMk/>
-          <pc:sldMk cId="284781631" sldId="275"/>
-        </pc:sldMkLst>
-        <pc:picChg chg="mod">
-          <ac:chgData name="Riccardo Berta" userId="c8694f89-bba4-4576-b0a8-456619ca5a8c" providerId="ADAL" clId="{35C5D11B-424E-5B41-A9C4-509DD0A59BFD}" dt="2022-03-22T07:48:21.111" v="40"/>
-          <ac:picMkLst>
-            <pc:docMk/>
-            <pc:sldMk cId="284781631" sldId="275"/>
-            <ac:picMk id="224" creationId="{00000000-0000-0000-0000-000000000000}"/>
-          </ac:picMkLst>
-        </pc:picChg>
-      </pc:sldChg>
     </pc:docChg>
   </pc:docChgLst>
   <pc:docChgLst>
@@ -2332,14 +1181,6 @@
           <pc:docMk/>
           <pc:sldMk cId="0" sldId="256"/>
         </pc:sldMkLst>
-        <pc:spChg chg="mod">
-          <ac:chgData name="Riccardo Berta" userId="c8694f89-bba4-4576-b0a8-456619ca5a8c" providerId="ADAL" clId="{89457721-8AF9-BB44-BAF2-46F7B0D7D7E8}" dt="2022-08-30T09:54:06.379" v="7" actId="20577"/>
-          <ac:spMkLst>
-            <pc:docMk/>
-            <pc:sldMk cId="0" sldId="256"/>
-            <ac:spMk id="62" creationId="{00000000-0000-0000-0000-000000000000}"/>
-          </ac:spMkLst>
-        </pc:spChg>
       </pc:sldChg>
       <pc:sldChg chg="delSp modSp mod">
         <pc:chgData name="Riccardo Berta" userId="c8694f89-bba4-4576-b0a8-456619ca5a8c" providerId="ADAL" clId="{89457721-8AF9-BB44-BAF2-46F7B0D7D7E8}" dt="2022-08-30T09:54:23.221" v="18" actId="478"/>
@@ -2347,38 +1188,6 @@
           <pc:docMk/>
           <pc:sldMk cId="0" sldId="257"/>
         </pc:sldMkLst>
-        <pc:spChg chg="mod">
-          <ac:chgData name="Riccardo Berta" userId="c8694f89-bba4-4576-b0a8-456619ca5a8c" providerId="ADAL" clId="{89457721-8AF9-BB44-BAF2-46F7B0D7D7E8}" dt="2022-08-30T09:54:14.367" v="13" actId="20577"/>
-          <ac:spMkLst>
-            <pc:docMk/>
-            <pc:sldMk cId="0" sldId="257"/>
-            <ac:spMk id="83" creationId="{00000000-0000-0000-0000-000000000000}"/>
-          </ac:spMkLst>
-        </pc:spChg>
-        <pc:spChg chg="mod">
-          <ac:chgData name="Riccardo Berta" userId="c8694f89-bba4-4576-b0a8-456619ca5a8c" providerId="ADAL" clId="{89457721-8AF9-BB44-BAF2-46F7B0D7D7E8}" dt="2022-08-30T09:54:19.217" v="17" actId="20577"/>
-          <ac:spMkLst>
-            <pc:docMk/>
-            <pc:sldMk cId="0" sldId="257"/>
-            <ac:spMk id="84" creationId="{00000000-0000-0000-0000-000000000000}"/>
-          </ac:spMkLst>
-        </pc:spChg>
-        <pc:picChg chg="del">
-          <ac:chgData name="Riccardo Berta" userId="c8694f89-bba4-4576-b0a8-456619ca5a8c" providerId="ADAL" clId="{89457721-8AF9-BB44-BAF2-46F7B0D7D7E8}" dt="2022-08-30T09:54:23.221" v="18" actId="478"/>
-          <ac:picMkLst>
-            <pc:docMk/>
-            <pc:sldMk cId="0" sldId="257"/>
-            <ac:picMk id="3" creationId="{EE0D0F3E-A843-92E5-ABBC-F41E3CA3C922}"/>
-          </ac:picMkLst>
-        </pc:picChg>
-        <pc:picChg chg="del">
-          <ac:chgData name="Riccardo Berta" userId="c8694f89-bba4-4576-b0a8-456619ca5a8c" providerId="ADAL" clId="{89457721-8AF9-BB44-BAF2-46F7B0D7D7E8}" dt="2022-08-30T09:54:16.325" v="14" actId="478"/>
-          <ac:picMkLst>
-            <pc:docMk/>
-            <pc:sldMk cId="0" sldId="257"/>
-            <ac:picMk id="5" creationId="{692F2B73-F6B6-F2AC-BB2A-2B1020944694}"/>
-          </ac:picMkLst>
-        </pc:picChg>
       </pc:sldChg>
       <pc:sldChg chg="modSp mod">
         <pc:chgData name="Riccardo Berta" userId="c8694f89-bba4-4576-b0a8-456619ca5a8c" providerId="ADAL" clId="{89457721-8AF9-BB44-BAF2-46F7B0D7D7E8}" dt="2022-08-30T09:54:11.362" v="10" actId="20577"/>
@@ -2386,14 +1195,6 @@
           <pc:docMk/>
           <pc:sldMk cId="3018556184" sldId="259"/>
         </pc:sldMkLst>
-        <pc:spChg chg="mod">
-          <ac:chgData name="Riccardo Berta" userId="c8694f89-bba4-4576-b0a8-456619ca5a8c" providerId="ADAL" clId="{89457721-8AF9-BB44-BAF2-46F7B0D7D7E8}" dt="2022-08-30T09:54:11.362" v="10" actId="20577"/>
-          <ac:spMkLst>
-            <pc:docMk/>
-            <pc:sldMk cId="3018556184" sldId="259"/>
-            <ac:spMk id="3" creationId="{38BFAA1C-1163-169B-2D77-6FEF73CC8512}"/>
-          </ac:spMkLst>
-        </pc:spChg>
       </pc:sldChg>
       <pc:sldChg chg="add">
         <pc:chgData name="Riccardo Berta" userId="c8694f89-bba4-4576-b0a8-456619ca5a8c" providerId="ADAL" clId="{89457721-8AF9-BB44-BAF2-46F7B0D7D7E8}" dt="2022-08-30T09:54:31.238" v="24"/>
@@ -2450,22 +1251,6 @@
           <pc:docMk/>
           <pc:sldMk cId="1817587258" sldId="263"/>
         </pc:sldMkLst>
-        <pc:spChg chg="mod">
-          <ac:chgData name="Riccardo Berta" userId="c8694f89-bba4-4576-b0a8-456619ca5a8c" providerId="ADAL" clId="{89457721-8AF9-BB44-BAF2-46F7B0D7D7E8}" dt="2022-08-30T09:54:51.021" v="28"/>
-          <ac:spMkLst>
-            <pc:docMk/>
-            <pc:sldMk cId="1817587258" sldId="263"/>
-            <ac:spMk id="83" creationId="{00000000-0000-0000-0000-000000000000}"/>
-          </ac:spMkLst>
-        </pc:spChg>
-        <pc:spChg chg="mod">
-          <ac:chgData name="Riccardo Berta" userId="c8694f89-bba4-4576-b0a8-456619ca5a8c" providerId="ADAL" clId="{89457721-8AF9-BB44-BAF2-46F7B0D7D7E8}" dt="2022-08-30T09:55:24.863" v="44" actId="20577"/>
-          <ac:spMkLst>
-            <pc:docMk/>
-            <pc:sldMk cId="1817587258" sldId="263"/>
-            <ac:spMk id="84" creationId="{00000000-0000-0000-0000-000000000000}"/>
-          </ac:spMkLst>
-        </pc:spChg>
       </pc:sldChg>
       <pc:sldChg chg="del">
         <pc:chgData name="Riccardo Berta" userId="c8694f89-bba4-4576-b0a8-456619ca5a8c" providerId="ADAL" clId="{89457721-8AF9-BB44-BAF2-46F7B0D7D7E8}" dt="2022-08-30T09:54:27.959" v="23" actId="2696"/>
@@ -8732,12 +7517,8 @@
               <a:t>Prof. </a:t>
             </a:r>
             <a:r>
-              <a:rPr lang="en-GB" b="1" dirty="0" err="1"/>
-              <a:t>Edoardo</a:t>
-            </a:r>
-            <a:r>
               <a:rPr lang="en-GB" b="1" dirty="0"/>
-              <a:t> Ragusa</a:t>
+              <a:t>Edoardo Ragusa</a:t>
             </a:r>
             <a:br>
               <a:rPr lang="en-GB" dirty="0"/>
@@ -8753,7 +7534,7 @@
               <a:rPr lang="en-GB" dirty="0">
                 <a:hlinkClick r:id="rId4"/>
               </a:rPr>
-              <a:t>edoardo.ragusa@edu.unige.it</a:t>
+              <a:t>edoardo.ragusa@unige.it</a:t>
             </a:r>
             <a:r>
               <a:rPr lang="en-GB" dirty="0"/>
@@ -8864,7 +7645,7 @@
         <p:spPr>
           <a:xfrm>
             <a:off x="311700" y="1632950"/>
-            <a:ext cx="8520600" cy="4105697"/>
+            <a:ext cx="8520600" cy="3809907"/>
           </a:xfrm>
           <a:prstGeom prst="rect">
             <a:avLst/>
@@ -8876,105 +7657,155 @@
           </a:bodyPr>
           <a:lstStyle/>
           <a:p>
+            <a:r>
+              <a:rPr lang="en-GB" noProof="0" dirty="0"/>
+              <a:t>The aim of the course is to provide students with the fundamental principles for the </a:t>
+            </a:r>
+            <a:r>
+              <a:rPr lang="en-GB" b="1" noProof="0" dirty="0"/>
+              <a:t>analysis</a:t>
+            </a:r>
+            <a:r>
+              <a:rPr lang="en-GB" noProof="0" dirty="0"/>
+              <a:t> and </a:t>
+            </a:r>
+            <a:r>
+              <a:rPr lang="en-GB" b="1" noProof="0" dirty="0"/>
+              <a:t>design</a:t>
+            </a:r>
+            <a:r>
+              <a:rPr lang="en-GB" noProof="0" dirty="0"/>
+              <a:t> of </a:t>
+            </a:r>
+            <a:r>
+              <a:rPr lang="en-GB" b="1" noProof="0" dirty="0"/>
+              <a:t>digital systems</a:t>
+            </a:r>
+            <a:br>
+              <a:rPr lang="en-GB" noProof="0" dirty="0"/>
+            </a:br>
+            <a:endParaRPr lang="en-GB" noProof="0" dirty="0"/>
+          </a:p>
+          <a:p>
+            <a:r>
+              <a:rPr lang="en-GB" noProof="0" dirty="0"/>
+              <a:t>After introducing </a:t>
+            </a:r>
+            <a:r>
+              <a:rPr lang="en-GB" b="1" noProof="0" dirty="0"/>
+              <a:t>Boolean algebra </a:t>
+            </a:r>
+            <a:r>
+              <a:rPr lang="en-GB" noProof="0" dirty="0"/>
+              <a:t>and </a:t>
+            </a:r>
+            <a:r>
+              <a:rPr lang="en-GB" b="1" noProof="0" dirty="0"/>
+              <a:t>binary arithmetic</a:t>
+            </a:r>
+            <a:r>
+              <a:rPr lang="en-GB" noProof="0" dirty="0"/>
+              <a:t>, the course addresses the analysis and design of both </a:t>
+            </a:r>
+            <a:r>
+              <a:rPr lang="en-GB" b="1" noProof="0" dirty="0"/>
+              <a:t>combinational</a:t>
+            </a:r>
+            <a:r>
+              <a:rPr lang="en-GB" noProof="0" dirty="0"/>
+              <a:t> and </a:t>
+            </a:r>
+            <a:r>
+              <a:rPr lang="en-GB" b="1" noProof="0" dirty="0"/>
+              <a:t>sequential digital circuits</a:t>
+            </a:r>
+            <a:r>
+              <a:rPr lang="en-GB" noProof="0" dirty="0"/>
+              <a:t>. </a:t>
+            </a:r>
+            <a:r>
+              <a:rPr lang="en-GB" dirty="0"/>
+              <a:t>E</a:t>
+            </a:r>
+            <a:r>
+              <a:rPr lang="en-GB" noProof="0" dirty="0" err="1"/>
+              <a:t>mphasis</a:t>
+            </a:r>
+            <a:r>
+              <a:rPr lang="en-GB" noProof="0" dirty="0"/>
+              <a:t> is placed on the use of </a:t>
+            </a:r>
+            <a:r>
+              <a:rPr lang="en-GB" b="1" noProof="0" dirty="0"/>
+              <a:t>Finite State Machines </a:t>
+            </a:r>
+            <a:r>
+              <a:rPr lang="en-GB" noProof="0" dirty="0"/>
+              <a:t>(FSMs) and </a:t>
+            </a:r>
+            <a:r>
+              <a:rPr lang="en-GB" b="1" noProof="0" dirty="0"/>
+              <a:t>Algorithmic State Machine </a:t>
+            </a:r>
+            <a:r>
+              <a:rPr lang="en-GB" noProof="0" dirty="0"/>
+              <a:t>(ASM) diagrams as key design techniques</a:t>
+            </a:r>
+            <a:br>
+              <a:rPr lang="en-GB" noProof="0" dirty="0"/>
+            </a:br>
+            <a:endParaRPr lang="en-GB" noProof="0" dirty="0"/>
+          </a:p>
+          <a:p>
+            <a:r>
+              <a:rPr lang="en-GB" noProof="0" dirty="0"/>
+              <a:t>The course is structured to prepare students to become </a:t>
+            </a:r>
+            <a:r>
+              <a:rPr lang="en-GB" b="1" noProof="0" dirty="0"/>
+              <a:t>professionals</a:t>
+            </a:r>
+            <a:r>
+              <a:rPr lang="en-GB" noProof="0" dirty="0"/>
+              <a:t> capable of </a:t>
+            </a:r>
+            <a:r>
+              <a:rPr lang="en-GB" b="1" noProof="0" dirty="0"/>
+              <a:t>analysing</a:t>
+            </a:r>
+            <a:r>
+              <a:rPr lang="en-GB" noProof="0" dirty="0"/>
+              <a:t>, </a:t>
+            </a:r>
+            <a:r>
+              <a:rPr lang="en-GB" b="1" noProof="0" dirty="0"/>
+              <a:t>understanding</a:t>
+            </a:r>
+            <a:r>
+              <a:rPr lang="en-GB" noProof="0" dirty="0"/>
+              <a:t>, and </a:t>
+            </a:r>
+            <a:r>
+              <a:rPr lang="en-GB" b="1" noProof="0" dirty="0"/>
+              <a:t>solving problems </a:t>
+            </a:r>
+            <a:r>
+              <a:rPr lang="en-GB" noProof="0" dirty="0"/>
+              <a:t>in the design of </a:t>
+            </a:r>
+            <a:r>
+              <a:rPr lang="en-GB" b="1" noProof="0" dirty="0"/>
+              <a:t>digital hardware solutions</a:t>
+            </a:r>
+            <a:endParaRPr lang="en-GB" noProof="0" dirty="0"/>
+          </a:p>
+          <a:p>
             <a:pPr lvl="0"/>
-            <a:r>
-              <a:rPr lang="en-GB" dirty="0"/>
-              <a:t>Aim of the course is to provide the basics for the analysis and the design of </a:t>
-            </a:r>
-            <a:r>
-              <a:rPr lang="en-GB" b="1" dirty="0"/>
-              <a:t>digital systems</a:t>
-            </a:r>
-            <a:r>
-              <a:rPr lang="en-GB" dirty="0"/>
-              <a:t>.</a:t>
-            </a:r>
+            <a:endParaRPr lang="en-GB" noProof="0" dirty="0"/>
           </a:p>
           <a:p>
             <a:pPr lvl="0"/>
-            <a:endParaRPr lang="en-GB" dirty="0"/>
-          </a:p>
-          <a:p>
-            <a:pPr lvl="0"/>
-            <a:r>
-              <a:rPr lang="en-GB" dirty="0"/>
-              <a:t>After introducing </a:t>
-            </a:r>
-            <a:r>
-              <a:rPr lang="en-GB" b="1" dirty="0"/>
-              <a:t>boolean algebra </a:t>
-            </a:r>
-            <a:r>
-              <a:rPr lang="en-GB" dirty="0"/>
-              <a:t>and </a:t>
-            </a:r>
-            <a:r>
-              <a:rPr lang="en-GB" b="1" dirty="0"/>
-              <a:t>binary arithmetic</a:t>
-            </a:r>
-            <a:r>
-              <a:rPr lang="en-GB" dirty="0"/>
-              <a:t>, the course covers the methods of analysis and design of </a:t>
-            </a:r>
-            <a:r>
-              <a:rPr lang="en-GB" b="1" dirty="0"/>
-              <a:t>combinational</a:t>
-            </a:r>
-            <a:r>
-              <a:rPr lang="en-GB" dirty="0"/>
-              <a:t> and </a:t>
-            </a:r>
-            <a:r>
-              <a:rPr lang="en-GB" b="1" dirty="0"/>
-              <a:t>sequential digital networks</a:t>
-            </a:r>
-            <a:r>
-              <a:rPr lang="en-GB" dirty="0"/>
-              <a:t>, using the technique of </a:t>
-            </a:r>
-            <a:r>
-              <a:rPr lang="en-GB" b="1" dirty="0"/>
-              <a:t>Finite State Machines </a:t>
-            </a:r>
-            <a:r>
-              <a:rPr lang="en-GB" dirty="0"/>
-              <a:t>model, with the help of the ASM </a:t>
-            </a:r>
-            <a:r>
-              <a:rPr lang="en-GB"/>
-              <a:t>diagrams.</a:t>
-            </a:r>
-          </a:p>
-          <a:p>
-            <a:pPr lvl="0"/>
-            <a:endParaRPr lang="en-GB" dirty="0"/>
-          </a:p>
-          <a:p>
-            <a:pPr lvl="0"/>
-            <a:r>
-              <a:rPr lang="en-GB" dirty="0"/>
-              <a:t>The teaching is in the direction of forming a professional figure capable of </a:t>
-            </a:r>
-            <a:r>
-              <a:rPr lang="en-GB" b="1" dirty="0"/>
-              <a:t>analysing, understanding and solving problems in the design of digital hardware solutions</a:t>
-            </a:r>
-            <a:r>
-              <a:rPr lang="en-GB" dirty="0"/>
-              <a:t>. </a:t>
-            </a:r>
-          </a:p>
-          <a:p>
-            <a:pPr lvl="0"/>
-            <a:endParaRPr lang="en-GB" dirty="0"/>
-          </a:p>
-          <a:p>
-            <a:pPr lvl="0"/>
-            <a:endParaRPr lang="en-GB" dirty="0"/>
-          </a:p>
-          <a:p>
-            <a:pPr lvl="0"/>
-            <a:endParaRPr lang="en-GB" dirty="0"/>
+            <a:endParaRPr lang="en-GB" noProof="0" dirty="0"/>
           </a:p>
         </p:txBody>
       </p:sp>
@@ -9083,8 +7914,14 @@
               <a:rPr lang="en-GB" dirty="0">
                 <a:hlinkClick r:id="rId3"/>
               </a:rPr>
-              <a:t>https://2024.aulaweb.unige.it/mod/page/view.php?id=11471</a:t>
-            </a:r>
+              <a:t>https://2025.aulaweb.unige.it/mod/page/view.php?id=33842</a:t>
+            </a:r>
+            <a:endParaRPr lang="en-GB" dirty="0"/>
+          </a:p>
+          <a:p>
+            <a:pPr marL="590550" lvl="1" indent="0">
+              <a:buNone/>
+            </a:pPr>
             <a:r>
               <a:rPr lang="en-GB" dirty="0"/>
               <a:t> </a:t>
@@ -9097,39 +7934,78 @@
             </a:r>
           </a:p>
           <a:p>
-            <a:pPr lvl="1"/>
+            <a:pPr lvl="1">
+              <a:spcBef>
+                <a:spcPts val="0"/>
+              </a:spcBef>
+              <a:spcAft>
+                <a:spcPts val="0"/>
+              </a:spcAft>
+            </a:pPr>
             <a:r>
               <a:rPr lang="en-GB" dirty="0"/>
               <a:t>Code: </a:t>
             </a:r>
             <a:r>
               <a:rPr lang="en-GB" b="1" dirty="0"/>
-              <a:t>tpvx011</a:t>
-            </a:r>
-          </a:p>
-          <a:p>
-            <a:pPr lvl="1"/>
+              <a:t>tpvx011 (</a:t>
+            </a:r>
+            <a:r>
+              <a:rPr lang="it-IT" dirty="0">
+                <a:hlinkClick r:id="rId4"/>
+              </a:rPr>
+              <a:t>2025-26 | Elettronica dei Sistemi Digitali</a:t>
+            </a:r>
+            <a:r>
+              <a:rPr lang="it-IT" dirty="0"/>
+              <a:t>)</a:t>
+            </a:r>
+            <a:endParaRPr lang="en-GB" b="1" dirty="0"/>
+          </a:p>
+          <a:p>
+            <a:pPr lvl="1">
+              <a:spcBef>
+                <a:spcPts val="0"/>
+              </a:spcBef>
+              <a:spcAft>
+                <a:spcPts val="0"/>
+              </a:spcAft>
+            </a:pPr>
             <a:r>
               <a:rPr lang="en-GB" dirty="0"/>
-              <a:t>Slides (provided on Teams)</a:t>
-            </a:r>
-          </a:p>
-          <a:p>
-            <a:pPr lvl="1"/>
+              <a:t>Slides and lecture notes (provided on Teams)</a:t>
+            </a:r>
+          </a:p>
+          <a:p>
+            <a:pPr lvl="1">
+              <a:spcBef>
+                <a:spcPts val="0"/>
+              </a:spcBef>
+              <a:spcAft>
+                <a:spcPts val="0"/>
+              </a:spcAft>
+            </a:pPr>
             <a:r>
               <a:rPr lang="en-GB" dirty="0"/>
               <a:t>Exercises (provided on Teams)</a:t>
             </a:r>
           </a:p>
           <a:p>
-            <a:pPr lvl="1"/>
+            <a:pPr lvl="1">
+              <a:spcBef>
+                <a:spcPts val="0"/>
+              </a:spcBef>
+              <a:spcAft>
+                <a:spcPts val="0"/>
+              </a:spcAft>
+            </a:pPr>
             <a:r>
               <a:rPr lang="en-GB" dirty="0"/>
               <a:t>Deeds (</a:t>
             </a:r>
             <a:r>
               <a:rPr lang="en-GB" dirty="0">
-                <a:hlinkClick r:id="rId4"/>
+                <a:hlinkClick r:id="rId5"/>
               </a:rPr>
               <a:t>https://www.digitalelectronicsdeeds.com</a:t>
             </a:r>
@@ -9139,35 +8015,122 @@
             </a:r>
           </a:p>
           <a:p>
+            <a:pPr lvl="1">
+              <a:spcBef>
+                <a:spcPts val="0"/>
+              </a:spcBef>
+              <a:spcAft>
+                <a:spcPts val="0"/>
+              </a:spcAft>
+            </a:pPr>
+            <a:r>
+              <a:rPr lang="en-GB" dirty="0" err="1"/>
+              <a:t>Vivado</a:t>
+            </a:r>
+            <a:r>
+              <a:rPr lang="en-GB" dirty="0"/>
+              <a:t> (</a:t>
+            </a:r>
+            <a:r>
+              <a:rPr lang="en-GB" dirty="0">
+                <a:hlinkClick r:id="rId6"/>
+              </a:rPr>
+              <a:t>https://www.amd.com/en/products/software/adaptive-socs-and-fpgas/vivado.html</a:t>
+            </a:r>
+            <a:r>
+              <a:rPr lang="en-GB" dirty="0"/>
+              <a:t>)</a:t>
+            </a:r>
+          </a:p>
+          <a:p>
+            <a:pPr lvl="1">
+              <a:spcBef>
+                <a:spcPts val="0"/>
+              </a:spcBef>
+              <a:spcAft>
+                <a:spcPts val="0"/>
+              </a:spcAft>
+            </a:pPr>
+            <a:endParaRPr lang="en-GB" dirty="0"/>
+          </a:p>
+          <a:p>
             <a:r>
               <a:rPr lang="en-GB" b="1" dirty="0"/>
               <a:t>Schedule</a:t>
             </a:r>
           </a:p>
           <a:p>
-            <a:pPr lvl="1"/>
-            <a:r>
-              <a:rPr lang="en-GB" dirty="0"/>
+            <a:pPr lvl="1">
+              <a:spcBef>
+                <a:spcPts val="0"/>
+              </a:spcBef>
+              <a:spcAft>
+                <a:spcPts val="0"/>
+              </a:spcAft>
+            </a:pPr>
+            <a:r>
+              <a:rPr lang="en-GB" dirty="0">
+                <a:highlight>
+                  <a:srgbClr val="FFFF00"/>
+                </a:highlight>
+              </a:rPr>
               <a:t>Wednesday 13:00-15:00 G2A (lecture)</a:t>
             </a:r>
           </a:p>
           <a:p>
-            <a:pPr lvl="1"/>
-            <a:r>
-              <a:rPr lang="en-GB" dirty="0"/>
+            <a:pPr lvl="1">
+              <a:spcBef>
+                <a:spcPts val="0"/>
+              </a:spcBef>
+              <a:spcAft>
+                <a:spcPts val="0"/>
+              </a:spcAft>
+            </a:pPr>
+            <a:r>
+              <a:rPr lang="en-GB" dirty="0">
+                <a:highlight>
+                  <a:srgbClr val="FFFF00"/>
+                </a:highlight>
+              </a:rPr>
               <a:t>Friday 10:00 – 12:00 (13:00) G2A (lecture)</a:t>
             </a:r>
           </a:p>
           <a:p>
-            <a:pPr lvl="1"/>
-            <a:r>
-              <a:rPr lang="en-GB" dirty="0"/>
+            <a:pPr lvl="1">
+              <a:spcBef>
+                <a:spcPts val="0"/>
+              </a:spcBef>
+              <a:spcAft>
+                <a:spcPts val="0"/>
+              </a:spcAft>
+            </a:pPr>
+            <a:r>
+              <a:rPr lang="en-GB" dirty="0">
+                <a:highlight>
+                  <a:srgbClr val="FFFF00"/>
+                </a:highlight>
+              </a:rPr>
               <a:t>Friday 14:00 - 16:00 G2A (exercises) – </a:t>
             </a:r>
             <a:r>
-              <a:rPr lang="en-GB" b="1" dirty="0"/>
+              <a:rPr lang="en-GB" b="1" dirty="0">
+                <a:highlight>
+                  <a:srgbClr val="FFFF00"/>
+                </a:highlight>
+              </a:rPr>
               <a:t>bring your laptop with you!</a:t>
             </a:r>
+          </a:p>
+          <a:p>
+            <a:pPr lvl="1">
+              <a:spcBef>
+                <a:spcPts val="0"/>
+              </a:spcBef>
+              <a:spcAft>
+                <a:spcPts val="0"/>
+              </a:spcAft>
+            </a:pPr>
+            <a:endParaRPr lang="en-GB" b="1" dirty="0"/>
           </a:p>
           <a:p>
             <a:r>
@@ -9180,7 +8143,14 @@
             </a:r>
           </a:p>
           <a:p>
-            <a:pPr lvl="1"/>
+            <a:pPr lvl="1">
+              <a:spcBef>
+                <a:spcPts val="0"/>
+              </a:spcBef>
+              <a:spcAft>
+                <a:spcPts val="0"/>
+              </a:spcAft>
+            </a:pPr>
             <a:r>
               <a:rPr lang="en-GB" dirty="0"/>
               <a:t>G. </a:t>
@@ -9204,7 +8174,14 @@
             <a:endParaRPr lang="en-GB" b="1" dirty="0"/>
           </a:p>
           <a:p>
-            <a:pPr lvl="1"/>
+            <a:pPr lvl="1">
+              <a:spcBef>
+                <a:spcPts val="0"/>
+              </a:spcBef>
+              <a:spcAft>
+                <a:spcPts val="0"/>
+              </a:spcAft>
+            </a:pPr>
             <a:r>
               <a:rPr lang="en-GB" dirty="0"/>
               <a:t>D. Harris, </a:t>
@@ -9281,7 +8258,7 @@
           <a:p>
             <a:r>
               <a:rPr lang="en-GB" dirty="0"/>
-              <a:t>Grading</a:t>
+              <a:t>Grading (1) – Written test</a:t>
             </a:r>
           </a:p>
         </p:txBody>
@@ -9304,8 +8281,8 @@
         </p:nvSpPr>
         <p:spPr>
           <a:xfrm>
-            <a:off x="311700" y="1413163"/>
-            <a:ext cx="8361245" cy="5023604"/>
+            <a:off x="311700" y="1167835"/>
+            <a:ext cx="8361245" cy="5422535"/>
           </a:xfrm>
         </p:spPr>
         <p:txBody>
@@ -9314,117 +8291,147 @@
           <a:p>
             <a:r>
               <a:rPr lang="en-GB" dirty="0"/>
-              <a:t>The examination of the course consists of </a:t>
+              <a:t>The </a:t>
             </a:r>
             <a:r>
               <a:rPr lang="en-GB" b="1" dirty="0"/>
-              <a:t>a written exam </a:t>
+              <a:t>written test </a:t>
             </a:r>
             <a:r>
               <a:rPr lang="en-GB" dirty="0"/>
-              <a:t>and </a:t>
+              <a:t>is divided into </a:t>
             </a:r>
             <a:r>
               <a:rPr lang="en-GB" b="1" dirty="0"/>
-              <a:t>an oral examination</a:t>
-            </a:r>
-            <a:endParaRPr lang="en-GB" sz="1100" dirty="0"/>
-          </a:p>
-          <a:p>
-            <a:pPr lvl="1"/>
+              <a:t>two parts</a:t>
+            </a:r>
             <a:r>
               <a:rPr lang="en-GB" dirty="0"/>
-              <a:t>the written exam is composed of exercises about </a:t>
+              <a:t>, corresponding to the two semesters:</a:t>
+            </a:r>
+          </a:p>
+          <a:p>
+            <a:pPr lvl="1">
+              <a:spcBef>
+                <a:spcPts val="0"/>
+              </a:spcBef>
+              <a:spcAft>
+                <a:spcPts val="0"/>
+              </a:spcAft>
+            </a:pPr>
+            <a:r>
+              <a:rPr lang="en-GB" dirty="0"/>
+              <a:t>the </a:t>
             </a:r>
             <a:r>
               <a:rPr lang="en-GB" b="1" dirty="0"/>
-              <a:t>digital systems based on combinational or sequential elements</a:t>
+              <a:t>first part</a:t>
             </a:r>
             <a:r>
               <a:rPr lang="en-GB" dirty="0"/>
-              <a:t> (first part) and a </a:t>
+              <a:t> focuses on combinational and sequential elements;</a:t>
+            </a:r>
+          </a:p>
+          <a:p>
+            <a:pPr lvl="1">
+              <a:spcBef>
+                <a:spcPts val="0"/>
+              </a:spcBef>
+              <a:spcAft>
+                <a:spcPts val="0"/>
+              </a:spcAft>
+            </a:pPr>
+            <a:r>
+              <a:rPr lang="en-GB" dirty="0"/>
+              <a:t>the </a:t>
             </a:r>
             <a:r>
               <a:rPr lang="en-GB" b="1" dirty="0"/>
-              <a:t>finite state machine </a:t>
+              <a:t>second part</a:t>
             </a:r>
             <a:r>
               <a:rPr lang="en-GB" dirty="0"/>
-              <a:t>(second part)</a:t>
-            </a:r>
-          </a:p>
-          <a:p>
-            <a:pPr lvl="1"/>
+              <a:t> involves the design of a finite state machine</a:t>
+            </a:r>
+          </a:p>
+          <a:p>
+            <a:pPr marL="120650" indent="0">
+              <a:buNone/>
+            </a:pPr>
+            <a:endParaRPr lang="en-GB" dirty="0"/>
+          </a:p>
+          <a:p>
             <a:r>
               <a:rPr lang="en-GB" dirty="0"/>
-              <a:t>the final oral exam is a </a:t>
+              <a:t>Students may choose to </a:t>
             </a:r>
             <a:r>
               <a:rPr lang="en-GB" b="1" dirty="0"/>
-              <a:t>discussion</a:t>
+              <a:t>take only one part</a:t>
             </a:r>
             <a:r>
               <a:rPr lang="en-GB" dirty="0"/>
-              <a:t> of the design produced during the written part and on all the theoretical topics covered during lecture </a:t>
-            </a:r>
-          </a:p>
-          <a:p>
-            <a:pPr lvl="1"/>
-            <a:endParaRPr lang="en-GB" sz="900" dirty="0"/>
-          </a:p>
-          <a:p>
+              <a:t> of the written test </a:t>
+            </a:r>
+            <a:r>
+              <a:rPr lang="en-GB" b="1" dirty="0"/>
+              <a:t>on a given exam date </a:t>
+            </a:r>
             <a:r>
               <a:rPr lang="en-GB" dirty="0"/>
-              <a:t>The evaluation parameters include:</a:t>
-            </a:r>
-          </a:p>
-          <a:p>
-            <a:pPr lvl="1"/>
+              <a:t>and take the other part in a later session, or they may take </a:t>
+            </a:r>
+            <a:r>
+              <a:rPr lang="en-GB" b="1" dirty="0"/>
+              <a:t>both parts on the same date</a:t>
+            </a:r>
+          </a:p>
+          <a:p>
+            <a:endParaRPr lang="en-GB" b="1" dirty="0"/>
+          </a:p>
+          <a:p>
             <a:r>
               <a:rPr lang="en-GB" dirty="0"/>
-              <a:t>understanding the concepts relating to the analysis and design of digital networks</a:t>
-            </a:r>
-          </a:p>
-          <a:p>
-            <a:pPr lvl="1"/>
+              <a:t>Students may </a:t>
+            </a:r>
+            <a:r>
+              <a:rPr lang="en-GB" b="1" dirty="0"/>
+              <a:t>retake the written tests as many times as they wish</a:t>
+            </a:r>
             <a:r>
               <a:rPr lang="en-GB" dirty="0"/>
-              <a:t>the ability to analyse the specific architectural elements of a digital system</a:t>
-            </a:r>
-          </a:p>
-          <a:p>
-            <a:pPr lvl="1"/>
+              <a:t>; however, please note that simply attending a test session </a:t>
+            </a:r>
+            <a:r>
+              <a:rPr lang="en-GB" b="1" dirty="0"/>
+              <a:t>and reading the exam text</a:t>
+            </a:r>
             <a:r>
               <a:rPr lang="en-GB" dirty="0"/>
-              <a:t>the ability to reasoning of exposure through the correct use of the specialist lexicon</a:t>
-            </a:r>
-          </a:p>
-          <a:p>
+              <a:t> automatically cancels any previous grade (of that part)</a:t>
+            </a:r>
+            <a:br>
+              <a:rPr lang="en-GB" dirty="0"/>
+            </a:br>
             <a:endParaRPr lang="en-GB" dirty="0"/>
           </a:p>
           <a:p>
-            <a:endParaRPr lang="en-GB" dirty="0"/>
-          </a:p>
-          <a:p>
-            <a:endParaRPr lang="en-GB" dirty="0"/>
-          </a:p>
-          <a:p>
-            <a:endParaRPr lang="en-GB" dirty="0"/>
-          </a:p>
-          <a:p>
-            <a:endParaRPr lang="en-GB" dirty="0"/>
-          </a:p>
-          <a:p>
-            <a:endParaRPr lang="en-GB" dirty="0"/>
-          </a:p>
-          <a:p>
-            <a:endParaRPr lang="en-GB" dirty="0"/>
-          </a:p>
-          <a:p>
-            <a:endParaRPr lang="en-GB" dirty="0"/>
-          </a:p>
-          <a:p>
-            <a:endParaRPr lang="en-GB" dirty="0"/>
+            <a:r>
+              <a:rPr lang="en-GB" dirty="0"/>
+              <a:t>After the first semester, students will already can take the first part of the written test (“</a:t>
+            </a:r>
+            <a:r>
+              <a:rPr lang="en-GB" b="1" dirty="0" err="1"/>
+              <a:t>compitino</a:t>
+            </a:r>
+            <a:r>
+              <a:rPr lang="en-GB" dirty="0"/>
+              <a:t>”) during the official exam dates reserved for students from previous years. In this case, however, it will not be possible to register officially, and students must inform the instructor in advance</a:t>
+            </a:r>
+            <a:endParaRPr lang="en-GB" noProof="0" dirty="0"/>
+          </a:p>
+          <a:p>
+            <a:endParaRPr lang="en-GB" noProof="0" dirty="0"/>
           </a:p>
         </p:txBody>
       </p:sp>
@@ -9442,6 +8449,335 @@
 </file>
 
 <file path=ppt/slides/slide6.xml><?xml version="1.0" encoding="utf-8"?>
+<p:sld xmlns:a="http://schemas.openxmlformats.org/drawingml/2006/main" xmlns:r="http://schemas.openxmlformats.org/officeDocument/2006/relationships" xmlns:p="http://schemas.openxmlformats.org/presentationml/2006/main">
+  <p:cSld>
+    <p:spTree>
+      <p:nvGrpSpPr>
+        <p:cNvPr id="1" name="">
+          <a:extLst>
+            <a:ext uri="{FF2B5EF4-FFF2-40B4-BE49-F238E27FC236}">
+              <a16:creationId xmlns:a16="http://schemas.microsoft.com/office/drawing/2014/main" id="{38425C50-9FBF-BED1-52DF-31AC8638C964}"/>
+            </a:ext>
+          </a:extLst>
+        </p:cNvPr>
+        <p:cNvGrpSpPr/>
+        <p:nvPr/>
+      </p:nvGrpSpPr>
+      <p:grpSpPr>
+        <a:xfrm>
+          <a:off x="0" y="0"/>
+          <a:ext cx="0" cy="0"/>
+          <a:chOff x="0" y="0"/>
+          <a:chExt cx="0" cy="0"/>
+        </a:xfrm>
+      </p:grpSpPr>
+      <p:sp>
+        <p:nvSpPr>
+          <p:cNvPr id="2" name="Titolo 1">
+            <a:extLst>
+              <a:ext uri="{FF2B5EF4-FFF2-40B4-BE49-F238E27FC236}">
+                <a16:creationId xmlns:a16="http://schemas.microsoft.com/office/drawing/2014/main" id="{E0502114-F85B-A79A-F9B8-CB33C0D79FD7}"/>
+              </a:ext>
+            </a:extLst>
+          </p:cNvPr>
+          <p:cNvSpPr>
+            <a:spLocks noGrp="1"/>
+          </p:cNvSpPr>
+          <p:nvPr>
+            <p:ph type="title" idx="4294967295"/>
+          </p:nvPr>
+        </p:nvSpPr>
+        <p:spPr>
+          <a:xfrm>
+            <a:off x="311700" y="421233"/>
+            <a:ext cx="8520600" cy="622500"/>
+          </a:xfrm>
+        </p:spPr>
+        <p:txBody>
+          <a:bodyPr/>
+          <a:lstStyle/>
+          <a:p>
+            <a:r>
+              <a:rPr lang="en-GB" dirty="0"/>
+              <a:t>Grading (2) – oral examination</a:t>
+            </a:r>
+          </a:p>
+        </p:txBody>
+      </p:sp>
+      <p:sp>
+        <p:nvSpPr>
+          <p:cNvPr id="3" name="Segnaposto testo 2">
+            <a:extLst>
+              <a:ext uri="{FF2B5EF4-FFF2-40B4-BE49-F238E27FC236}">
+                <a16:creationId xmlns:a16="http://schemas.microsoft.com/office/drawing/2014/main" id="{46BD2FCA-8D76-10AF-554C-0604D61BE7BC}"/>
+              </a:ext>
+            </a:extLst>
+          </p:cNvPr>
+          <p:cNvSpPr>
+            <a:spLocks noGrp="1"/>
+          </p:cNvSpPr>
+          <p:nvPr>
+            <p:ph type="body" idx="1"/>
+          </p:nvPr>
+        </p:nvSpPr>
+        <p:spPr>
+          <a:xfrm>
+            <a:off x="311700" y="1289060"/>
+            <a:ext cx="8361245" cy="5023604"/>
+          </a:xfrm>
+        </p:spPr>
+        <p:txBody>
+          <a:bodyPr/>
+          <a:lstStyle/>
+          <a:p>
+            <a:r>
+              <a:rPr lang="en-GB" dirty="0"/>
+              <a:t>The </a:t>
+            </a:r>
+            <a:r>
+              <a:rPr lang="en-GB" b="1" dirty="0"/>
+              <a:t>oral examination </a:t>
+            </a:r>
+            <a:r>
+              <a:rPr lang="en-GB" dirty="0"/>
+              <a:t>can be taken only after achieving </a:t>
+            </a:r>
+            <a:r>
+              <a:rPr lang="en-GB" b="1" dirty="0"/>
+              <a:t>a passing grade in both parts </a:t>
+            </a:r>
+            <a:r>
+              <a:rPr lang="en-GB" dirty="0"/>
+              <a:t>of the written test.</a:t>
+            </a:r>
+          </a:p>
+          <a:p>
+            <a:endParaRPr lang="en-GB" dirty="0"/>
+          </a:p>
+          <a:p>
+            <a:r>
+              <a:rPr lang="en-GB" dirty="0"/>
+              <a:t>It consists of a </a:t>
+            </a:r>
+            <a:r>
+              <a:rPr lang="en-GB" b="1" dirty="0"/>
+              <a:t>discussion of the design produced during the written test</a:t>
+            </a:r>
+            <a:r>
+              <a:rPr lang="en-GB" dirty="0"/>
+              <a:t>, as well as questions on </a:t>
+            </a:r>
+            <a:r>
+              <a:rPr lang="en-GB" b="1" dirty="0"/>
+              <a:t>all theoretical topics </a:t>
+            </a:r>
+            <a:r>
+              <a:rPr lang="en-GB" dirty="0"/>
+              <a:t>covered in the lectures.</a:t>
+            </a:r>
+          </a:p>
+          <a:p>
+            <a:endParaRPr lang="en-GB" noProof="0" dirty="0"/>
+          </a:p>
+          <a:p>
+            <a:r>
+              <a:rPr lang="en-GB" dirty="0"/>
+              <a:t>After the oral examination, students may choose to </a:t>
+            </a:r>
+            <a:r>
+              <a:rPr lang="en-GB" b="1" dirty="0"/>
+              <a:t>decline the grade</a:t>
+            </a:r>
+            <a:r>
+              <a:rPr lang="en-GB" dirty="0"/>
+              <a:t>. In that case, however, they will be required </a:t>
+            </a:r>
+            <a:r>
+              <a:rPr lang="en-GB" b="1" dirty="0"/>
+              <a:t>to retake the entire exam</a:t>
+            </a:r>
+            <a:r>
+              <a:rPr lang="en-GB" dirty="0"/>
+              <a:t>, including the written part.</a:t>
+            </a:r>
+            <a:endParaRPr lang="en-GB" noProof="0" dirty="0"/>
+          </a:p>
+          <a:p>
+            <a:endParaRPr lang="en-GB" noProof="0" dirty="0"/>
+          </a:p>
+          <a:p>
+            <a:endParaRPr lang="en-GB" noProof="0" dirty="0"/>
+          </a:p>
+          <a:p>
+            <a:endParaRPr lang="en-GB" noProof="0" dirty="0"/>
+          </a:p>
+          <a:p>
+            <a:endParaRPr lang="en-GB" noProof="0" dirty="0"/>
+          </a:p>
+          <a:p>
+            <a:endParaRPr lang="en-GB" noProof="0" dirty="0"/>
+          </a:p>
+        </p:txBody>
+      </p:sp>
+    </p:spTree>
+    <p:extLst>
+      <p:ext uri="{BB962C8B-B14F-4D97-AF65-F5344CB8AC3E}">
+        <p14:creationId xmlns:p14="http://schemas.microsoft.com/office/powerpoint/2010/main" val="3487546630"/>
+      </p:ext>
+    </p:extLst>
+  </p:cSld>
+  <p:clrMapOvr>
+    <a:masterClrMapping/>
+  </p:clrMapOvr>
+</p:sld>
+</file>
+
+<file path=ppt/slides/slide7.xml><?xml version="1.0" encoding="utf-8"?>
+<p:sld xmlns:a="http://schemas.openxmlformats.org/drawingml/2006/main" xmlns:r="http://schemas.openxmlformats.org/officeDocument/2006/relationships" xmlns:p="http://schemas.openxmlformats.org/presentationml/2006/main">
+  <p:cSld>
+    <p:spTree>
+      <p:nvGrpSpPr>
+        <p:cNvPr id="1" name="">
+          <a:extLst>
+            <a:ext uri="{FF2B5EF4-FFF2-40B4-BE49-F238E27FC236}">
+              <a16:creationId xmlns:a16="http://schemas.microsoft.com/office/drawing/2014/main" id="{B6A7F3D6-08FE-8EA5-5905-8B589A2B5AB4}"/>
+            </a:ext>
+          </a:extLst>
+        </p:cNvPr>
+        <p:cNvGrpSpPr/>
+        <p:nvPr/>
+      </p:nvGrpSpPr>
+      <p:grpSpPr>
+        <a:xfrm>
+          <a:off x="0" y="0"/>
+          <a:ext cx="0" cy="0"/>
+          <a:chOff x="0" y="0"/>
+          <a:chExt cx="0" cy="0"/>
+        </a:xfrm>
+      </p:grpSpPr>
+      <p:sp>
+        <p:nvSpPr>
+          <p:cNvPr id="2" name="Titolo 1">
+            <a:extLst>
+              <a:ext uri="{FF2B5EF4-FFF2-40B4-BE49-F238E27FC236}">
+                <a16:creationId xmlns:a16="http://schemas.microsoft.com/office/drawing/2014/main" id="{75493F50-5F29-88D5-3D9D-F708DBF89485}"/>
+              </a:ext>
+            </a:extLst>
+          </p:cNvPr>
+          <p:cNvSpPr>
+            <a:spLocks noGrp="1"/>
+          </p:cNvSpPr>
+          <p:nvPr>
+            <p:ph type="title" idx="4294967295"/>
+          </p:nvPr>
+        </p:nvSpPr>
+        <p:spPr>
+          <a:xfrm>
+            <a:off x="311700" y="421233"/>
+            <a:ext cx="8520600" cy="622500"/>
+          </a:xfrm>
+        </p:spPr>
+        <p:txBody>
+          <a:bodyPr/>
+          <a:lstStyle/>
+          <a:p>
+            <a:r>
+              <a:rPr lang="en-GB" dirty="0"/>
+              <a:t>Grading (3) – Evaluation criteria</a:t>
+            </a:r>
+          </a:p>
+        </p:txBody>
+      </p:sp>
+      <p:sp>
+        <p:nvSpPr>
+          <p:cNvPr id="3" name="Segnaposto testo 2">
+            <a:extLst>
+              <a:ext uri="{FF2B5EF4-FFF2-40B4-BE49-F238E27FC236}">
+                <a16:creationId xmlns:a16="http://schemas.microsoft.com/office/drawing/2014/main" id="{6249E97A-EA07-AA3C-2153-E8D9FB081437}"/>
+              </a:ext>
+            </a:extLst>
+          </p:cNvPr>
+          <p:cNvSpPr>
+            <a:spLocks noGrp="1"/>
+          </p:cNvSpPr>
+          <p:nvPr>
+            <p:ph type="body" idx="1"/>
+          </p:nvPr>
+        </p:nvSpPr>
+        <p:spPr>
+          <a:xfrm>
+            <a:off x="311700" y="1043733"/>
+            <a:ext cx="8361245" cy="5023604"/>
+          </a:xfrm>
+        </p:spPr>
+        <p:txBody>
+          <a:bodyPr/>
+          <a:lstStyle/>
+          <a:p>
+            <a:r>
+              <a:rPr lang="en-GB" dirty="0"/>
+              <a:t>Understanding of the concepts related to the analysis and design of digital networks</a:t>
+            </a:r>
+          </a:p>
+          <a:p>
+            <a:endParaRPr lang="en-GB" dirty="0"/>
+          </a:p>
+          <a:p>
+            <a:r>
+              <a:rPr lang="en-GB" dirty="0"/>
+              <a:t>Ability to analyse the architectural components of a digital system</a:t>
+            </a:r>
+          </a:p>
+          <a:p>
+            <a:endParaRPr lang="en-GB" dirty="0"/>
+          </a:p>
+          <a:p>
+            <a:r>
+              <a:rPr lang="en-GB" dirty="0"/>
+              <a:t>Clarity of reasoning and accuracy of presentation, with the correct use of technical terminology</a:t>
+            </a:r>
+            <a:endParaRPr lang="en-GB" noProof="0" dirty="0"/>
+          </a:p>
+          <a:p>
+            <a:endParaRPr lang="en-GB" noProof="0" dirty="0"/>
+          </a:p>
+          <a:p>
+            <a:endParaRPr lang="en-GB" noProof="0" dirty="0"/>
+          </a:p>
+          <a:p>
+            <a:endParaRPr lang="en-GB" noProof="0" dirty="0"/>
+          </a:p>
+          <a:p>
+            <a:endParaRPr lang="en-GB" noProof="0" dirty="0"/>
+          </a:p>
+          <a:p>
+            <a:endParaRPr lang="en-GB" noProof="0" dirty="0"/>
+          </a:p>
+          <a:p>
+            <a:endParaRPr lang="en-GB" noProof="0" dirty="0"/>
+          </a:p>
+          <a:p>
+            <a:endParaRPr lang="en-GB" noProof="0" dirty="0"/>
+          </a:p>
+          <a:p>
+            <a:endParaRPr lang="en-GB" noProof="0" dirty="0"/>
+          </a:p>
+        </p:txBody>
+      </p:sp>
+    </p:spTree>
+    <p:extLst>
+      <p:ext uri="{BB962C8B-B14F-4D97-AF65-F5344CB8AC3E}">
+        <p14:creationId xmlns:p14="http://schemas.microsoft.com/office/powerpoint/2010/main" val="268974731"/>
+      </p:ext>
+    </p:extLst>
+  </p:cSld>
+  <p:clrMapOvr>
+    <a:masterClrMapping/>
+  </p:clrMapOvr>
+</p:sld>
+</file>
+
+<file path=ppt/slides/slide8.xml><?xml version="1.0" encoding="utf-8"?>
 <p:sld xmlns:a="http://schemas.openxmlformats.org/drawingml/2006/main" xmlns:r="http://schemas.openxmlformats.org/officeDocument/2006/relationships" xmlns:p="http://schemas.openxmlformats.org/presentationml/2006/main">
   <p:cSld>
     <p:spTree>
@@ -9513,7 +8849,7 @@
         <p:spPr>
           <a:xfrm>
             <a:off x="162750" y="1043733"/>
-            <a:ext cx="8818500" cy="5393034"/>
+            <a:ext cx="8818500" cy="5542124"/>
           </a:xfrm>
           <a:prstGeom prst="rect">
             <a:avLst/>
@@ -9537,7 +8873,7 @@
             <a:pPr lvl="0"/>
             <a:r>
               <a:rPr lang="en-GB" dirty="0"/>
-              <a:t>Information representation, boolean functions and logic networks, Shannon expansion theorem, standard combinational circuits.</a:t>
+              <a:t>Information representation, boolean functions and logic networks, standard combinational circuits.</a:t>
             </a:r>
           </a:p>
           <a:p>
@@ -9559,7 +8895,7 @@
             <a:pPr lvl="0"/>
             <a:r>
               <a:rPr lang="en-GB" dirty="0"/>
-              <a:t>Introduction to sequential circuits, timing concepts, Flip-Flops (SR FF, FF D Latch, FF JK, D and E PET), registers, counters, sequential networks analysis.</a:t>
+              <a:t>Description of simple circuits using the VHDL language</a:t>
             </a:r>
           </a:p>
           <a:p>
@@ -9570,7 +8906,18 @@
             <a:pPr lvl="0"/>
             <a:r>
               <a:rPr lang="en-GB" dirty="0"/>
-              <a:t>Introduction to Finite State Machine (FSM) and ASM charts (status block, conditional block, conditioned outputs). Project examples and exercises, state assignment criteria, hint of asynchronous FSM.</a:t>
+              <a:t>Introduction to sequential circuits, timing concepts, Flip-Flops (SR FF, FF D Latch, FF JK, D and E PET), registers, counters, sequential networks analysis.</a:t>
+            </a:r>
+          </a:p>
+          <a:p>
+            <a:pPr lvl="0"/>
+            <a:endParaRPr lang="en-GB" dirty="0"/>
+          </a:p>
+          <a:p>
+            <a:pPr lvl="0"/>
+            <a:r>
+              <a:rPr lang="en-GB" dirty="0"/>
+              <a:t>Introduction to FSM and ASM charts (status block, conditional block, conditioned outputs). Project examples and exercises, state assignment criteria, hint of asynchronous FSM.</a:t>
             </a:r>
           </a:p>
           <a:p>
@@ -10159,6 +9506,15 @@
 </file>
 
 <file path=customXml/item1.xml><?xml version="1.0" encoding="utf-8"?>
+<?mso-contentType ?>
+<FormTemplates xmlns="http://schemas.microsoft.com/sharepoint/v3/contenttype/forms">
+  <Display>DocumentLibraryForm</Display>
+  <Edit>DocumentLibraryForm</Edit>
+  <New>DocumentLibraryForm</New>
+</FormTemplates>
+</file>
+
+<file path=customXml/item2.xml><?xml version="1.0" encoding="utf-8"?>
 <ct:contentTypeSchema xmlns:ct="http://schemas.microsoft.com/office/2006/metadata/contentType" xmlns:ma="http://schemas.microsoft.com/office/2006/metadata/properties/metaAttributes" ct:_="" ma:_="" ma:contentTypeName="Documento" ma:contentTypeID="0x010100B8FA822B18A0634FB7342CF29752587A" ma:contentTypeVersion="12" ma:contentTypeDescription="Creare un nuovo documento." ma:contentTypeScope="" ma:versionID="4c8b1e8002f5a6c880c83187af115cef">
   <xsd:schema xmlns:xsd="http://www.w3.org/2001/XMLSchema" xmlns:xs="http://www.w3.org/2001/XMLSchema" xmlns:p="http://schemas.microsoft.com/office/2006/metadata/properties" xmlns:ns2="3bd0d43f-5e5b-43cd-b6fc-691bd77672c6" xmlns:ns3="e9b5433c-2372-4cb7-8bab-09518096b29b" targetNamespace="http://schemas.microsoft.com/office/2006/metadata/properties" ma:root="true" ma:fieldsID="618b708abf3b656f834d84e193700042" ns2:_="" ns3:_="">
     <xsd:import namespace="3bd0d43f-5e5b-43cd-b6fc-691bd77672c6"/>
@@ -10359,15 +9715,6 @@
 </ct:contentTypeSchema>
 </file>
 
-<file path=customXml/item2.xml><?xml version="1.0" encoding="utf-8"?>
-<?mso-contentType ?>
-<FormTemplates xmlns="http://schemas.microsoft.com/sharepoint/v3/contenttype/forms">
-  <Display>DocumentLibraryForm</Display>
-  <Edit>DocumentLibraryForm</Edit>
-  <New>DocumentLibraryForm</New>
-</FormTemplates>
-</file>
-
 <file path=customXml/item3.xml><?xml version="1.0" encoding="utf-8"?>
 <p:properties xmlns:p="http://schemas.microsoft.com/office/2006/metadata/properties" xmlns:xsi="http://www.w3.org/2001/XMLSchema-instance" xmlns:pc="http://schemas.microsoft.com/office/infopath/2007/PartnerControls">
   <documentManagement>
@@ -10380,13 +9727,45 @@
 </file>
 
 <file path=customXml/itemProps1.xml><?xml version="1.0" encoding="utf-8"?>
-<ds:datastoreItem xmlns:ds="http://schemas.openxmlformats.org/officeDocument/2006/customXml" ds:itemID="{44665EF8-BE0C-4DC6-83F3-8C8DF90BBBCB}"/>
+<ds:datastoreItem xmlns:ds="http://schemas.openxmlformats.org/officeDocument/2006/customXml" ds:itemID="{1DA7AF99-BB7F-41AD-A8D1-87CF14E9F1E6}">
+  <ds:schemaRefs>
+    <ds:schemaRef ds:uri="http://schemas.microsoft.com/sharepoint/v3/contenttype/forms"/>
+  </ds:schemaRefs>
+</ds:datastoreItem>
 </file>
 
 <file path=customXml/itemProps2.xml><?xml version="1.0" encoding="utf-8"?>
-<ds:datastoreItem xmlns:ds="http://schemas.openxmlformats.org/officeDocument/2006/customXml" ds:itemID="{1DA7AF99-BB7F-41AD-A8D1-87CF14E9F1E6}"/>
+<ds:datastoreItem xmlns:ds="http://schemas.openxmlformats.org/officeDocument/2006/customXml" ds:itemID="{44665EF8-BE0C-4DC6-83F3-8C8DF90BBBCB}">
+  <ds:schemaRefs>
+    <ds:schemaRef ds:uri="http://schemas.microsoft.com/office/2006/metadata/contentType"/>
+    <ds:schemaRef ds:uri="http://schemas.microsoft.com/office/2006/metadata/properties/metaAttributes"/>
+    <ds:schemaRef ds:uri="http://www.w3.org/2001/XMLSchema"/>
+    <ds:schemaRef ds:uri="http://schemas.microsoft.com/office/2006/metadata/properties"/>
+    <ds:schemaRef ds:uri="3bd0d43f-5e5b-43cd-b6fc-691bd77672c6"/>
+    <ds:schemaRef ds:uri="e9b5433c-2372-4cb7-8bab-09518096b29b"/>
+    <ds:schemaRef ds:uri="http://schemas.microsoft.com/office/2006/documentManagement/types"/>
+    <ds:schemaRef ds:uri="http://schemas.microsoft.com/office/infopath/2007/PartnerControls"/>
+    <ds:schemaRef ds:uri="http://schemas.openxmlformats.org/package/2006/metadata/core-properties"/>
+    <ds:schemaRef ds:uri="http://purl.org/dc/elements/1.1/"/>
+    <ds:schemaRef ds:uri="http://purl.org/dc/terms/"/>
+    <ds:schemaRef ds:uri="http://schemas.microsoft.com/internal/obd"/>
+  </ds:schemaRefs>
+</ds:datastoreItem>
 </file>
 
 <file path=customXml/itemProps3.xml><?xml version="1.0" encoding="utf-8"?>
-<ds:datastoreItem xmlns:ds="http://schemas.openxmlformats.org/officeDocument/2006/customXml" ds:itemID="{365C6100-012D-4352-9B8F-12BB34CA0A1E}"/>
+<ds:datastoreItem xmlns:ds="http://schemas.openxmlformats.org/officeDocument/2006/customXml" ds:itemID="{365C6100-012D-4352-9B8F-12BB34CA0A1E}">
+  <ds:schemaRefs>
+    <ds:schemaRef ds:uri="http://purl.org/dc/elements/1.1/"/>
+    <ds:schemaRef ds:uri="http://www.w3.org/XML/1998/namespace"/>
+    <ds:schemaRef ds:uri="http://purl.org/dc/terms/"/>
+    <ds:schemaRef ds:uri="http://schemas.microsoft.com/office/2006/documentManagement/types"/>
+    <ds:schemaRef ds:uri="http://schemas.microsoft.com/office/2006/metadata/properties"/>
+    <ds:schemaRef ds:uri="http://purl.org/dc/dcmitype/"/>
+    <ds:schemaRef ds:uri="3bd0d43f-5e5b-43cd-b6fc-691bd77672c6"/>
+    <ds:schemaRef ds:uri="http://schemas.microsoft.com/office/infopath/2007/PartnerControls"/>
+    <ds:schemaRef ds:uri="http://schemas.openxmlformats.org/package/2006/metadata/core-properties"/>
+    <ds:schemaRef ds:uri="e9b5433c-2372-4cb7-8bab-09518096b29b"/>
+  </ds:schemaRefs>
+</ds:datastoreItem>
 </file>
--- a/00 - Introduction.pptx
+++ b/00 - Introduction.pptx
@@ -275,7 +275,7 @@
 <file path=ppt/revisionInfo.xml><?xml version="1.0" encoding="utf-8"?>
 <p1510:revInfo xmlns:a="http://schemas.openxmlformats.org/drawingml/2006/main" xmlns:r="http://schemas.openxmlformats.org/officeDocument/2006/relationships" xmlns:p1510="http://schemas.microsoft.com/office/powerpoint/2015/10/main">
   <p1510:revLst>
-    <p1510:client id="{70047BC9-9D33-6C40-B3A9-DC8413D1DF71}" v="19" dt="2025-09-04T12:16:25.576"/>
+    <p1510:client id="{70047BC9-9D33-6C40-B3A9-DC8413D1DF71}" v="24" dt="2025-09-19T06:52:41.713"/>
   </p1510:revLst>
 </p1510:revInfo>
 </file>
@@ -284,19 +284,19 @@
 <pc:chgInfo xmlns:a="http://schemas.openxmlformats.org/drawingml/2006/main" xmlns:r="http://schemas.openxmlformats.org/officeDocument/2006/relationships" xmlns:ac="http://schemas.microsoft.com/office/drawing/2013/main/command" xmlns:pc="http://schemas.microsoft.com/office/powerpoint/2013/main/command">
   <pc:docChgLst>
     <pc:chgData name="Riccardo Berta" userId="c8694f89-bba4-4576-b0a8-456619ca5a8c" providerId="ADAL" clId="{FDDBFC5A-5EA9-5330-BEB8-433D7E3B4C4E}"/>
-    <pc:docChg chg="undo custSel addSld modSld">
-      <pc:chgData name="Riccardo Berta" userId="c8694f89-bba4-4576-b0a8-456619ca5a8c" providerId="ADAL" clId="{FDDBFC5A-5EA9-5330-BEB8-433D7E3B4C4E}" dt="2025-09-05T09:09:40.726" v="1899" actId="113"/>
+    <pc:docChg chg="undo redo custSel addSld modSld">
+      <pc:chgData name="Riccardo Berta" userId="c8694f89-bba4-4576-b0a8-456619ca5a8c" providerId="ADAL" clId="{FDDBFC5A-5EA9-5330-BEB8-433D7E3B4C4E}" dt="2025-09-19T06:52:55.967" v="2032" actId="20577"/>
       <pc:docMkLst>
         <pc:docMk/>
       </pc:docMkLst>
       <pc:sldChg chg="modSp mod">
-        <pc:chgData name="Riccardo Berta" userId="c8694f89-bba4-4576-b0a8-456619ca5a8c" providerId="ADAL" clId="{FDDBFC5A-5EA9-5330-BEB8-433D7E3B4C4E}" dt="2025-09-04T12:16:35.202" v="1867" actId="12"/>
+        <pc:chgData name="Riccardo Berta" userId="c8694f89-bba4-4576-b0a8-456619ca5a8c" providerId="ADAL" clId="{FDDBFC5A-5EA9-5330-BEB8-433D7E3B4C4E}" dt="2025-09-19T06:52:55.967" v="2032" actId="20577"/>
         <pc:sldMkLst>
           <pc:docMk/>
           <pc:sldMk cId="0" sldId="257"/>
         </pc:sldMkLst>
         <pc:spChg chg="mod">
-          <ac:chgData name="Riccardo Berta" userId="c8694f89-bba4-4576-b0a8-456619ca5a8c" providerId="ADAL" clId="{FDDBFC5A-5EA9-5330-BEB8-433D7E3B4C4E}" dt="2025-09-04T12:16:35.202" v="1867" actId="12"/>
+          <ac:chgData name="Riccardo Berta" userId="c8694f89-bba4-4576-b0a8-456619ca5a8c" providerId="ADAL" clId="{FDDBFC5A-5EA9-5330-BEB8-433D7E3B4C4E}" dt="2025-09-19T06:52:55.967" v="2032" actId="20577"/>
           <ac:spMkLst>
             <pc:docMk/>
             <pc:sldMk cId="0" sldId="257"/>
@@ -2294,6 +2294,13 @@
             <a:tailEnd type="none" w="sm" len="sm"/>
           </a:ln>
         </p:spPr>
+        <p:txBody>
+          <a:bodyPr/>
+          <a:lstStyle/>
+          <a:p>
+            <a:endParaRPr lang="it-IT"/>
+          </a:p>
+        </p:txBody>
       </p:sp>
       <p:sp>
         <p:nvSpPr>
@@ -2337,6 +2344,13 @@
             <a:tailEnd type="none" w="sm" len="sm"/>
           </a:ln>
         </p:spPr>
+        <p:txBody>
+          <a:bodyPr/>
+          <a:lstStyle/>
+          <a:p>
+            <a:endParaRPr lang="it-IT"/>
+          </a:p>
+        </p:txBody>
       </p:sp>
       <p:sp>
         <p:nvSpPr>
@@ -7914,9 +7928,12 @@
               <a:rPr lang="en-GB" dirty="0">
                 <a:hlinkClick r:id="rId3"/>
               </a:rPr>
-              <a:t>https://2025.aulaweb.unige.it/mod/page/view.php?id=33842</a:t>
-            </a:r>
-            <a:endParaRPr lang="en-GB" dirty="0"/>
+              <a:t>https://2025.aulaweb.unige.it/enrol/index.php?id=5038</a:t>
+            </a:r>
+            <a:r>
+              <a:rPr lang="en-GB" dirty="0"/>
+              <a:t> </a:t>
+            </a:r>
           </a:p>
           <a:p>
             <a:pPr marL="590550" lvl="1" indent="0">
@@ -8069,12 +8086,8 @@
               </a:spcAft>
             </a:pPr>
             <a:r>
-              <a:rPr lang="en-GB" dirty="0">
-                <a:highlight>
-                  <a:srgbClr val="FFFF00"/>
-                </a:highlight>
-              </a:rPr>
-              <a:t>Wednesday 13:00-15:00 G2A (lecture)</a:t>
+              <a:rPr lang="en-GB" dirty="0"/>
+              <a:t>Monday 9:00 – 11:00 B4 (lecture)</a:t>
             </a:r>
           </a:p>
           <a:p>
@@ -8087,12 +8100,8 @@
               </a:spcAft>
             </a:pPr>
             <a:r>
-              <a:rPr lang="en-GB" dirty="0">
-                <a:highlight>
-                  <a:srgbClr val="FFFF00"/>
-                </a:highlight>
-              </a:rPr>
-              <a:t>Friday 10:00 – 12:00 (13:00) G2A (lecture)</a:t>
+              <a:rPr lang="en-GB" dirty="0"/>
+              <a:t>Wednesday 14:00 – 16:00 G2A (lecture)</a:t>
             </a:r>
           </a:p>
           <a:p>
@@ -8105,20 +8114,16 @@
               </a:spcAft>
             </a:pPr>
             <a:r>
-              <a:rPr lang="en-GB" dirty="0">
-                <a:highlight>
-                  <a:srgbClr val="FFFF00"/>
-                </a:highlight>
-              </a:rPr>
-              <a:t>Friday 14:00 - 16:00 G2A (exercises) – </a:t>
-            </a:r>
-            <a:r>
-              <a:rPr lang="en-GB" b="1" dirty="0">
-                <a:highlight>
-                  <a:srgbClr val="FFFF00"/>
-                </a:highlight>
-              </a:rPr>
-              <a:t>bring your laptop with you!</a:t>
+              <a:rPr lang="en-GB" dirty="0"/>
+              <a:t>Friday 10:00 – 13:00 B4 (exercises, starting in October – </a:t>
+            </a:r>
+            <a:r>
+              <a:rPr lang="en-GB" b="1" dirty="0"/>
+              <a:t>bring your laptop!</a:t>
+            </a:r>
+            <a:r>
+              <a:rPr lang="en-GB" dirty="0"/>
+              <a:t>)</a:t>
             </a:r>
           </a:p>
           <a:p>
@@ -8130,7 +8135,7 @@
                 <a:spcPts val="0"/>
               </a:spcAft>
             </a:pPr>
-            <a:endParaRPr lang="en-GB" b="1" dirty="0"/>
+            <a:endParaRPr lang="en-GB" dirty="0"/>
           </a:p>
           <a:p>
             <a:r>
@@ -9506,15 +9511,6 @@
 </file>
 
 <file path=customXml/item1.xml><?xml version="1.0" encoding="utf-8"?>
-<?mso-contentType ?>
-<FormTemplates xmlns="http://schemas.microsoft.com/sharepoint/v3/contenttype/forms">
-  <Display>DocumentLibraryForm</Display>
-  <Edit>DocumentLibraryForm</Edit>
-  <New>DocumentLibraryForm</New>
-</FormTemplates>
-</file>
-
-<file path=customXml/item2.xml><?xml version="1.0" encoding="utf-8"?>
 <ct:contentTypeSchema xmlns:ct="http://schemas.microsoft.com/office/2006/metadata/contentType" xmlns:ma="http://schemas.microsoft.com/office/2006/metadata/properties/metaAttributes" ct:_="" ma:_="" ma:contentTypeName="Documento" ma:contentTypeID="0x010100B8FA822B18A0634FB7342CF29752587A" ma:contentTypeVersion="12" ma:contentTypeDescription="Creare un nuovo documento." ma:contentTypeScope="" ma:versionID="4c8b1e8002f5a6c880c83187af115cef">
   <xsd:schema xmlns:xsd="http://www.w3.org/2001/XMLSchema" xmlns:xs="http://www.w3.org/2001/XMLSchema" xmlns:p="http://schemas.microsoft.com/office/2006/metadata/properties" xmlns:ns2="3bd0d43f-5e5b-43cd-b6fc-691bd77672c6" xmlns:ns3="e9b5433c-2372-4cb7-8bab-09518096b29b" targetNamespace="http://schemas.microsoft.com/office/2006/metadata/properties" ma:root="true" ma:fieldsID="618b708abf3b656f834d84e193700042" ns2:_="" ns3:_="">
     <xsd:import namespace="3bd0d43f-5e5b-43cd-b6fc-691bd77672c6"/>
@@ -9715,6 +9711,15 @@
 </ct:contentTypeSchema>
 </file>
 
+<file path=customXml/item2.xml><?xml version="1.0" encoding="utf-8"?>
+<?mso-contentType ?>
+<FormTemplates xmlns="http://schemas.microsoft.com/sharepoint/v3/contenttype/forms">
+  <Display>DocumentLibraryForm</Display>
+  <Edit>DocumentLibraryForm</Edit>
+  <New>DocumentLibraryForm</New>
+</FormTemplates>
+</file>
+
 <file path=customXml/item3.xml><?xml version="1.0" encoding="utf-8"?>
 <p:properties xmlns:p="http://schemas.microsoft.com/office/2006/metadata/properties" xmlns:xsi="http://www.w3.org/2001/XMLSchema-instance" xmlns:pc="http://schemas.microsoft.com/office/infopath/2007/PartnerControls">
   <documentManagement>
@@ -9727,14 +9732,6 @@
 </file>
 
 <file path=customXml/itemProps1.xml><?xml version="1.0" encoding="utf-8"?>
-<ds:datastoreItem xmlns:ds="http://schemas.openxmlformats.org/officeDocument/2006/customXml" ds:itemID="{1DA7AF99-BB7F-41AD-A8D1-87CF14E9F1E6}">
-  <ds:schemaRefs>
-    <ds:schemaRef ds:uri="http://schemas.microsoft.com/sharepoint/v3/contenttype/forms"/>
-  </ds:schemaRefs>
-</ds:datastoreItem>
-</file>
-
-<file path=customXml/itemProps2.xml><?xml version="1.0" encoding="utf-8"?>
 <ds:datastoreItem xmlns:ds="http://schemas.openxmlformats.org/officeDocument/2006/customXml" ds:itemID="{44665EF8-BE0C-4DC6-83F3-8C8DF90BBBCB}">
   <ds:schemaRefs>
     <ds:schemaRef ds:uri="http://schemas.microsoft.com/office/2006/metadata/contentType"/>
@@ -9753,19 +9750,27 @@
 </ds:datastoreItem>
 </file>
 
+<file path=customXml/itemProps2.xml><?xml version="1.0" encoding="utf-8"?>
+<ds:datastoreItem xmlns:ds="http://schemas.openxmlformats.org/officeDocument/2006/customXml" ds:itemID="{1DA7AF99-BB7F-41AD-A8D1-87CF14E9F1E6}">
+  <ds:schemaRefs>
+    <ds:schemaRef ds:uri="http://schemas.microsoft.com/sharepoint/v3/contenttype/forms"/>
+  </ds:schemaRefs>
+</ds:datastoreItem>
+</file>
+
 <file path=customXml/itemProps3.xml><?xml version="1.0" encoding="utf-8"?>
 <ds:datastoreItem xmlns:ds="http://schemas.openxmlformats.org/officeDocument/2006/customXml" ds:itemID="{365C6100-012D-4352-9B8F-12BB34CA0A1E}">
   <ds:schemaRefs>
+    <ds:schemaRef ds:uri="e9b5433c-2372-4cb7-8bab-09518096b29b"/>
     <ds:schemaRef ds:uri="http://purl.org/dc/elements/1.1/"/>
+    <ds:schemaRef ds:uri="3bd0d43f-5e5b-43cd-b6fc-691bd77672c6"/>
     <ds:schemaRef ds:uri="http://www.w3.org/XML/1998/namespace"/>
+    <ds:schemaRef ds:uri="http://schemas.openxmlformats.org/package/2006/metadata/core-properties"/>
+    <ds:schemaRef ds:uri="http://schemas.microsoft.com/office/2006/documentManagement/types"/>
+    <ds:schemaRef ds:uri="http://schemas.microsoft.com/office/infopath/2007/PartnerControls"/>
+    <ds:schemaRef ds:uri="http://schemas.microsoft.com/office/2006/metadata/properties"/>
     <ds:schemaRef ds:uri="http://purl.org/dc/terms/"/>
-    <ds:schemaRef ds:uri="http://schemas.microsoft.com/office/2006/documentManagement/types"/>
-    <ds:schemaRef ds:uri="http://schemas.microsoft.com/office/2006/metadata/properties"/>
     <ds:schemaRef ds:uri="http://purl.org/dc/dcmitype/"/>
-    <ds:schemaRef ds:uri="3bd0d43f-5e5b-43cd-b6fc-691bd77672c6"/>
-    <ds:schemaRef ds:uri="http://schemas.microsoft.com/office/infopath/2007/PartnerControls"/>
-    <ds:schemaRef ds:uri="http://schemas.openxmlformats.org/package/2006/metadata/core-properties"/>
-    <ds:schemaRef ds:uri="e9b5433c-2372-4cb7-8bab-09518096b29b"/>
   </ds:schemaRefs>
 </ds:datastoreItem>
 </file>